--- a/methane protocol/uncertainty_summary_methane_protocol.pptx
+++ b/methane protocol/uncertainty_summary_methane_protocol.pptx
@@ -5,55 +5,56 @@
     <p:sldMasterId id="2147483648" r:id="rId1"/>
   </p:sldMasterIdLst>
   <p:notesMasterIdLst>
-    <p:notesMasterId r:id="rId9"/>
+    <p:notesMasterId r:id="rId10"/>
   </p:notesMasterIdLst>
   <p:handoutMasterIdLst>
-    <p:handoutMasterId r:id="rId10"/>
+    <p:handoutMasterId r:id="rId11"/>
   </p:handoutMasterIdLst>
   <p:sldIdLst>
     <p:sldId id="261" r:id="rId2"/>
-    <p:sldId id="262" r:id="rId3"/>
-    <p:sldId id="258" r:id="rId4"/>
-    <p:sldId id="264" r:id="rId5"/>
-    <p:sldId id="265" r:id="rId6"/>
-    <p:sldId id="266" r:id="rId7"/>
-    <p:sldId id="260" r:id="rId8"/>
+    <p:sldId id="258" r:id="rId3"/>
+    <p:sldId id="264" r:id="rId4"/>
+    <p:sldId id="265" r:id="rId5"/>
+    <p:sldId id="266" r:id="rId6"/>
+    <p:sldId id="267" r:id="rId7"/>
+    <p:sldId id="268" r:id="rId8"/>
+    <p:sldId id="260" r:id="rId9"/>
   </p:sldIdLst>
   <p:sldSz cx="12188825" cy="6858000"/>
   <p:notesSz cx="6797675" cy="9926638"/>
   <p:embeddedFontLst>
     <p:embeddedFont>
       <p:font typeface="AU Passata" panose="020B0503030502030804" pitchFamily="34" charset="0"/>
-      <p:regular r:id="rId11"/>
-      <p:bold r:id="rId12"/>
+      <p:regular r:id="rId12"/>
+      <p:bold r:id="rId13"/>
     </p:embeddedFont>
     <p:embeddedFont>
       <p:font typeface="AU Passata Light" panose="020B0303030902030804" pitchFamily="34" charset="0"/>
-      <p:regular r:id="rId13"/>
-      <p:bold r:id="rId14"/>
+      <p:regular r:id="rId14"/>
+      <p:bold r:id="rId15"/>
     </p:embeddedFont>
     <p:embeddedFont>
       <p:font typeface="AU Peto" panose="040C0B07020602020301" pitchFamily="82" charset="0"/>
-      <p:regular r:id="rId15"/>
-      <p:bold r:id="rId16"/>
+      <p:regular r:id="rId16"/>
+      <p:bold r:id="rId17"/>
     </p:embeddedFont>
     <p:embeddedFont>
       <p:font typeface="Calibri" panose="020F0502020204030204" pitchFamily="34" charset="0"/>
-      <p:regular r:id="rId17"/>
-      <p:bold r:id="rId18"/>
-      <p:italic r:id="rId19"/>
-      <p:boldItalic r:id="rId20"/>
+      <p:regular r:id="rId18"/>
+      <p:bold r:id="rId19"/>
+      <p:italic r:id="rId20"/>
+      <p:boldItalic r:id="rId21"/>
     </p:embeddedFont>
     <p:embeddedFont>
       <p:font typeface="Georgia" panose="02040502050405020303" pitchFamily="18" charset="0"/>
-      <p:regular r:id="rId21"/>
-      <p:bold r:id="rId22"/>
-      <p:italic r:id="rId23"/>
-      <p:boldItalic r:id="rId24"/>
+      <p:regular r:id="rId22"/>
+      <p:bold r:id="rId23"/>
+      <p:italic r:id="rId24"/>
+      <p:boldItalic r:id="rId25"/>
     </p:embeddedFont>
     <p:embeddedFont>
       <p:font typeface="Wingdings 3" panose="05040102010807070707" pitchFamily="18" charset="2"/>
-      <p:regular r:id="rId25"/>
+      <p:regular r:id="rId26"/>
     </p:embeddedFont>
   </p:embeddedFontLst>
   <p:defaultTextStyle>
@@ -223,1899 +224,12 @@
 </p:presentation>
 </file>
 
-<file path=ppt/charts/chart1.xml><?xml version="1.0" encoding="utf-8"?>
-<c:chartSpace xmlns:c="http://schemas.openxmlformats.org/drawingml/2006/chart" xmlns:a="http://schemas.openxmlformats.org/drawingml/2006/main" xmlns:r="http://schemas.openxmlformats.org/officeDocument/2006/relationships" xmlns:c16r2="http://schemas.microsoft.com/office/drawing/2015/06/chart">
-  <c:date1904 val="0"/>
-  <c:lang val="en-US"/>
-  <c:roundedCorners val="0"/>
-  <mc:AlternateContent xmlns:mc="http://schemas.openxmlformats.org/markup-compatibility/2006">
-    <mc:Choice xmlns:c14="http://schemas.microsoft.com/office/drawing/2007/8/2/chart" Requires="c14">
-      <c14:style val="102"/>
-    </mc:Choice>
-    <mc:Fallback>
-      <c:style val="2"/>
-    </mc:Fallback>
-  </mc:AlternateContent>
-  <c:chart>
-    <c:autoTitleDeleted val="0"/>
-    <c:plotArea>
-      <c:layout/>
-      <c:barChart>
-        <c:barDir val="col"/>
-        <c:grouping val="clustered"/>
-        <c:varyColors val="0"/>
-        <c:ser>
-          <c:idx val="0"/>
-          <c:order val="0"/>
-          <c:tx>
-            <c:v>Method1</c:v>
-          </c:tx>
-          <c:spPr>
-            <a:solidFill>
-              <a:schemeClr val="accent1"/>
-            </a:solidFill>
-            <a:ln>
-              <a:noFill/>
-            </a:ln>
-            <a:effectLst/>
-          </c:spPr>
-          <c:invertIfNegative val="0"/>
-          <c:errBars>
-            <c:errBarType val="both"/>
-            <c:errValType val="cust"/>
-            <c:noEndCap val="0"/>
-            <c:plus>
-              <c:numRef>
-                <c:f>Sheet1!$F$2:$F$3</c:f>
-                <c:numCache>
-                  <c:formatCode>General</c:formatCode>
-                  <c:ptCount val="2"/>
-                  <c:pt idx="0">
-                    <c:v>8.4294067054577404</c:v>
-                  </c:pt>
-                  <c:pt idx="1">
-                    <c:v>5.0964412690375003</c:v>
-                  </c:pt>
-                </c:numCache>
-              </c:numRef>
-            </c:plus>
-            <c:minus>
-              <c:numRef>
-                <c:f>Sheet1!$F$2:$F$3</c:f>
-                <c:numCache>
-                  <c:formatCode>General</c:formatCode>
-                  <c:ptCount val="2"/>
-                  <c:pt idx="0">
-                    <c:v>8.4294067054577404</c:v>
-                  </c:pt>
-                  <c:pt idx="1">
-                    <c:v>5.0964412690375003</c:v>
-                  </c:pt>
-                </c:numCache>
-              </c:numRef>
-            </c:minus>
-            <c:spPr>
-              <a:noFill/>
-              <a:ln w="9525" cap="flat" cmpd="sng" algn="ctr">
-                <a:solidFill>
-                  <a:schemeClr val="tx1">
-                    <a:lumMod val="65000"/>
-                    <a:lumOff val="35000"/>
-                  </a:schemeClr>
-                </a:solidFill>
-                <a:round/>
-              </a:ln>
-              <a:effectLst/>
-            </c:spPr>
-          </c:errBars>
-          <c:cat>
-            <c:strRef>
-              <c:f>Sheet1!$B$2:$B$5</c:f>
-              <c:strCache>
-                <c:ptCount val="4"/>
-                <c:pt idx="0">
-                  <c:v>C</c:v>
-                </c:pt>
-                <c:pt idx="1">
-                  <c:v>WF</c:v>
-                </c:pt>
-                <c:pt idx="2">
-                  <c:v>C</c:v>
-                </c:pt>
-                <c:pt idx="3">
-                  <c:v>WF</c:v>
-                </c:pt>
-              </c:strCache>
-            </c:strRef>
-          </c:cat>
-          <c:val>
-            <c:numRef>
-              <c:f>Sheet1!$E$2:$E$3</c:f>
-              <c:numCache>
-                <c:formatCode>General</c:formatCode>
-                <c:ptCount val="2"/>
-                <c:pt idx="0">
-                  <c:v>11.583673446133201</c:v>
-                </c:pt>
-                <c:pt idx="1">
-                  <c:v>6.6578711633936702</c:v>
-                </c:pt>
-              </c:numCache>
-            </c:numRef>
-          </c:val>
-          <c:extLst>
-            <c:ext xmlns:c16="http://schemas.microsoft.com/office/drawing/2014/chart" uri="{C3380CC4-5D6E-409C-BE32-E72D297353CC}">
-              <c16:uniqueId val="{00000000-7297-41B1-9D4E-52354B888292}"/>
-            </c:ext>
-          </c:extLst>
-        </c:ser>
-        <c:ser>
-          <c:idx val="1"/>
-          <c:order val="1"/>
-          <c:tx>
-            <c:v>Method2</c:v>
-          </c:tx>
-          <c:spPr>
-            <a:solidFill>
-              <a:schemeClr val="accent2"/>
-            </a:solidFill>
-            <a:ln>
-              <a:noFill/>
-            </a:ln>
-            <a:effectLst/>
-          </c:spPr>
-          <c:invertIfNegative val="0"/>
-          <c:errBars>
-            <c:errBarType val="both"/>
-            <c:errValType val="cust"/>
-            <c:noEndCap val="0"/>
-            <c:plus>
-              <c:numRef>
-                <c:f>Sheet1!$F$4:$F$5</c:f>
-                <c:numCache>
-                  <c:formatCode>General</c:formatCode>
-                  <c:ptCount val="2"/>
-                  <c:pt idx="0">
-                    <c:v>3.0104801906222298</c:v>
-                  </c:pt>
-                  <c:pt idx="1">
-                    <c:v>2.2009481761239802</c:v>
-                  </c:pt>
-                </c:numCache>
-              </c:numRef>
-            </c:plus>
-            <c:minus>
-              <c:numRef>
-                <c:f>Sheet1!$F$4:$F$5</c:f>
-                <c:numCache>
-                  <c:formatCode>General</c:formatCode>
-                  <c:ptCount val="2"/>
-                  <c:pt idx="0">
-                    <c:v>3.0104801906222298</c:v>
-                  </c:pt>
-                  <c:pt idx="1">
-                    <c:v>2.2009481761239802</c:v>
-                  </c:pt>
-                </c:numCache>
-              </c:numRef>
-            </c:minus>
-            <c:spPr>
-              <a:noFill/>
-              <a:ln w="9525" cap="flat" cmpd="sng" algn="ctr">
-                <a:solidFill>
-                  <a:schemeClr val="tx1">
-                    <a:lumMod val="65000"/>
-                    <a:lumOff val="35000"/>
-                  </a:schemeClr>
-                </a:solidFill>
-                <a:round/>
-              </a:ln>
-              <a:effectLst/>
-            </c:spPr>
-          </c:errBars>
-          <c:cat>
-            <c:strRef>
-              <c:f>Sheet1!$B$2:$B$5</c:f>
-              <c:strCache>
-                <c:ptCount val="4"/>
-                <c:pt idx="0">
-                  <c:v>C</c:v>
-                </c:pt>
-                <c:pt idx="1">
-                  <c:v>WF</c:v>
-                </c:pt>
-                <c:pt idx="2">
-                  <c:v>C</c:v>
-                </c:pt>
-                <c:pt idx="3">
-                  <c:v>WF</c:v>
-                </c:pt>
-              </c:strCache>
-            </c:strRef>
-          </c:cat>
-          <c:val>
-            <c:numRef>
-              <c:f>(Sheet1!$E$4,Sheet1!$E$5)</c:f>
-              <c:numCache>
-                <c:formatCode>General</c:formatCode>
-                <c:ptCount val="2"/>
-                <c:pt idx="0">
-                  <c:v>3.7681348058508002</c:v>
-                </c:pt>
-                <c:pt idx="1">
-                  <c:v>2.5998184715208099</c:v>
-                </c:pt>
-              </c:numCache>
-            </c:numRef>
-          </c:val>
-          <c:extLst>
-            <c:ext xmlns:c16="http://schemas.microsoft.com/office/drawing/2014/chart" uri="{C3380CC4-5D6E-409C-BE32-E72D297353CC}">
-              <c16:uniqueId val="{00000001-7297-41B1-9D4E-52354B888292}"/>
-            </c:ext>
-          </c:extLst>
-        </c:ser>
-        <c:dLbls>
-          <c:showLegendKey val="0"/>
-          <c:showVal val="0"/>
-          <c:showCatName val="0"/>
-          <c:showSerName val="0"/>
-          <c:showPercent val="0"/>
-          <c:showBubbleSize val="0"/>
-        </c:dLbls>
-        <c:gapWidth val="219"/>
-        <c:overlap val="-27"/>
-        <c:axId val="1832810128"/>
-        <c:axId val="1837513664"/>
-      </c:barChart>
-      <c:catAx>
-        <c:axId val="1832810128"/>
-        <c:scaling>
-          <c:orientation val="minMax"/>
-        </c:scaling>
-        <c:delete val="0"/>
-        <c:axPos val="b"/>
-        <c:numFmt formatCode="General" sourceLinked="1"/>
-        <c:majorTickMark val="none"/>
-        <c:minorTickMark val="none"/>
-        <c:tickLblPos val="nextTo"/>
-        <c:spPr>
-          <a:noFill/>
-          <a:ln w="9525" cap="flat" cmpd="sng" algn="ctr">
-            <a:solidFill>
-              <a:schemeClr val="tx1">
-                <a:lumMod val="15000"/>
-                <a:lumOff val="85000"/>
-              </a:schemeClr>
-            </a:solidFill>
-            <a:round/>
-          </a:ln>
-          <a:effectLst/>
-        </c:spPr>
-        <c:txPr>
-          <a:bodyPr rot="-60000000" spcFirstLastPara="1" vertOverflow="ellipsis" vert="horz" wrap="square" anchor="ctr" anchorCtr="1"/>
-          <a:lstStyle/>
-          <a:p>
-            <a:pPr>
-              <a:defRPr sz="900" b="0" i="0" u="none" strike="noStrike" kern="1200" baseline="0">
-                <a:solidFill>
-                  <a:schemeClr val="tx1"/>
-                </a:solidFill>
-                <a:latin typeface="+mn-lt"/>
-                <a:ea typeface="+mn-ea"/>
-                <a:cs typeface="+mn-cs"/>
-              </a:defRPr>
-            </a:pPr>
-            <a:endParaRPr lang="da-DK"/>
-          </a:p>
-        </c:txPr>
-        <c:crossAx val="1837513664"/>
-        <c:crosses val="autoZero"/>
-        <c:auto val="1"/>
-        <c:lblAlgn val="ctr"/>
-        <c:lblOffset val="100"/>
-        <c:noMultiLvlLbl val="0"/>
-      </c:catAx>
-      <c:valAx>
-        <c:axId val="1837513664"/>
-        <c:scaling>
-          <c:orientation val="minMax"/>
-        </c:scaling>
-        <c:delete val="0"/>
-        <c:axPos val="l"/>
-        <c:majorGridlines>
-          <c:spPr>
-            <a:ln w="9525" cap="flat" cmpd="sng" algn="ctr">
-              <a:solidFill>
-                <a:schemeClr val="tx1">
-                  <a:lumMod val="15000"/>
-                  <a:lumOff val="85000"/>
-                </a:schemeClr>
-              </a:solidFill>
-              <a:round/>
-            </a:ln>
-            <a:effectLst/>
-          </c:spPr>
-        </c:majorGridlines>
-        <c:title>
-          <c:tx>
-            <c:rich>
-              <a:bodyPr rot="-5400000" spcFirstLastPara="1" vertOverflow="ellipsis" vert="horz" wrap="square" anchor="ctr" anchorCtr="1"/>
-              <a:lstStyle/>
-              <a:p>
-                <a:pPr>
-                  <a:defRPr sz="1000" b="0" i="0" u="none" strike="noStrike" kern="1200" baseline="0">
-                    <a:solidFill>
-                      <a:schemeClr val="tx1"/>
-                    </a:solidFill>
-                    <a:latin typeface="+mn-lt"/>
-                    <a:ea typeface="+mn-ea"/>
-                    <a:cs typeface="+mn-cs"/>
-                  </a:defRPr>
-                </a:pPr>
-                <a:r>
-                  <a:rPr lang="da-DK" dirty="0" err="1"/>
-                  <a:t>Absolute</a:t>
-                </a:r>
-                <a:r>
-                  <a:rPr lang="da-DK" dirty="0"/>
-                  <a:t> relative </a:t>
-                </a:r>
-                <a:r>
-                  <a:rPr lang="da-DK" dirty="0" err="1"/>
-                  <a:t>error</a:t>
-                </a:r>
-                <a:r>
-                  <a:rPr lang="da-DK" dirty="0"/>
-                  <a:t> (%) </a:t>
-                </a:r>
-              </a:p>
-            </c:rich>
-          </c:tx>
-          <c:overlay val="0"/>
-          <c:spPr>
-            <a:noFill/>
-            <a:ln>
-              <a:noFill/>
-            </a:ln>
-            <a:effectLst/>
-          </c:spPr>
-          <c:txPr>
-            <a:bodyPr rot="-5400000" spcFirstLastPara="1" vertOverflow="ellipsis" vert="horz" wrap="square" anchor="ctr" anchorCtr="1"/>
-            <a:lstStyle/>
-            <a:p>
-              <a:pPr>
-                <a:defRPr sz="1000" b="0" i="0" u="none" strike="noStrike" kern="1200" baseline="0">
-                  <a:solidFill>
-                    <a:schemeClr val="tx1"/>
-                  </a:solidFill>
-                  <a:latin typeface="+mn-lt"/>
-                  <a:ea typeface="+mn-ea"/>
-                  <a:cs typeface="+mn-cs"/>
-                </a:defRPr>
-              </a:pPr>
-              <a:endParaRPr lang="da-DK"/>
-            </a:p>
-          </c:txPr>
-        </c:title>
-        <c:numFmt formatCode="General" sourceLinked="1"/>
-        <c:majorTickMark val="none"/>
-        <c:minorTickMark val="none"/>
-        <c:tickLblPos val="nextTo"/>
-        <c:spPr>
-          <a:noFill/>
-          <a:ln>
-            <a:noFill/>
-          </a:ln>
-          <a:effectLst/>
-        </c:spPr>
-        <c:txPr>
-          <a:bodyPr rot="-60000000" spcFirstLastPara="1" vertOverflow="ellipsis" vert="horz" wrap="square" anchor="ctr" anchorCtr="1"/>
-          <a:lstStyle/>
-          <a:p>
-            <a:pPr>
-              <a:defRPr sz="900" b="0" i="0" u="none" strike="noStrike" kern="1200" baseline="0">
-                <a:solidFill>
-                  <a:schemeClr val="tx1"/>
-                </a:solidFill>
-                <a:latin typeface="+mn-lt"/>
-                <a:ea typeface="+mn-ea"/>
-                <a:cs typeface="+mn-cs"/>
-              </a:defRPr>
-            </a:pPr>
-            <a:endParaRPr lang="da-DK"/>
-          </a:p>
-        </c:txPr>
-        <c:crossAx val="1832810128"/>
-        <c:crosses val="autoZero"/>
-        <c:crossBetween val="between"/>
-      </c:valAx>
-      <c:spPr>
-        <a:noFill/>
-        <a:ln>
-          <a:noFill/>
-        </a:ln>
-        <a:effectLst/>
-      </c:spPr>
-    </c:plotArea>
-    <c:plotVisOnly val="1"/>
-    <c:dispBlanksAs val="gap"/>
-    <c:extLst>
-      <c:ext xmlns:c16r3="http://schemas.microsoft.com/office/drawing/2017/03/chart" uri="{56B9EC1D-385E-4148-901F-78D8002777C0}">
-        <c16r3:dataDisplayOptions16>
-          <c16r3:dispNaAsBlank val="1"/>
-        </c16r3:dataDisplayOptions16>
-      </c:ext>
-    </c:extLst>
-    <c:showDLblsOverMax val="0"/>
-  </c:chart>
-  <c:spPr>
-    <a:noFill/>
-    <a:ln>
-      <a:noFill/>
-    </a:ln>
-    <a:effectLst/>
-  </c:spPr>
-  <c:txPr>
-    <a:bodyPr/>
-    <a:lstStyle/>
-    <a:p>
-      <a:pPr>
-        <a:defRPr>
-          <a:solidFill>
-            <a:schemeClr val="tx1"/>
-          </a:solidFill>
-        </a:defRPr>
-      </a:pPr>
-      <a:endParaRPr lang="da-DK"/>
-    </a:p>
-  </c:txPr>
-  <c:externalData r:id="rId3">
-    <c:autoUpdate val="0"/>
-  </c:externalData>
-</c:chartSpace>
-</file>
-
-<file path=ppt/charts/chart2.xml><?xml version="1.0" encoding="utf-8"?>
-<c:chartSpace xmlns:c="http://schemas.openxmlformats.org/drawingml/2006/chart" xmlns:a="http://schemas.openxmlformats.org/drawingml/2006/main" xmlns:r="http://schemas.openxmlformats.org/officeDocument/2006/relationships" xmlns:c16r2="http://schemas.microsoft.com/office/drawing/2015/06/chart">
-  <c:date1904 val="0"/>
-  <c:lang val="en-US"/>
-  <c:roundedCorners val="0"/>
-  <mc:AlternateContent xmlns:mc="http://schemas.openxmlformats.org/markup-compatibility/2006">
-    <mc:Choice xmlns:c14="http://schemas.microsoft.com/office/drawing/2007/8/2/chart" Requires="c14">
-      <c14:style val="102"/>
-    </mc:Choice>
-    <mc:Fallback>
-      <c:style val="2"/>
-    </mc:Fallback>
-  </mc:AlternateContent>
-  <c:chart>
-    <c:autoTitleDeleted val="0"/>
-    <c:plotArea>
-      <c:layout/>
-      <c:barChart>
-        <c:barDir val="col"/>
-        <c:grouping val="clustered"/>
-        <c:varyColors val="0"/>
-        <c:ser>
-          <c:idx val="0"/>
-          <c:order val="0"/>
-          <c:tx>
-            <c:v>Method1</c:v>
-          </c:tx>
-          <c:spPr>
-            <a:solidFill>
-              <a:schemeClr val="accent1"/>
-            </a:solidFill>
-            <a:ln>
-              <a:noFill/>
-            </a:ln>
-            <a:effectLst/>
-          </c:spPr>
-          <c:invertIfNegative val="0"/>
-          <c:cat>
-            <c:strRef>
-              <c:f>Sheet1!$B$2:$B$5</c:f>
-              <c:strCache>
-                <c:ptCount val="4"/>
-                <c:pt idx="0">
-                  <c:v>C</c:v>
-                </c:pt>
-                <c:pt idx="1">
-                  <c:v>WF</c:v>
-                </c:pt>
-                <c:pt idx="2">
-                  <c:v>C</c:v>
-                </c:pt>
-                <c:pt idx="3">
-                  <c:v>WF</c:v>
-                </c:pt>
-              </c:strCache>
-            </c:strRef>
-          </c:cat>
-          <c:val>
-            <c:numRef>
-              <c:f>Sheet1!$G$2:$G$3</c:f>
-              <c:numCache>
-                <c:formatCode>General</c:formatCode>
-                <c:ptCount val="2"/>
-                <c:pt idx="0">
-                  <c:v>1.70242944677123</c:v>
-                </c:pt>
-                <c:pt idx="1">
-                  <c:v>0.79128242160345297</c:v>
-                </c:pt>
-              </c:numCache>
-            </c:numRef>
-          </c:val>
-          <c:extLst>
-            <c:ext xmlns:c16="http://schemas.microsoft.com/office/drawing/2014/chart" uri="{C3380CC4-5D6E-409C-BE32-E72D297353CC}">
-              <c16:uniqueId val="{00000000-1125-469A-9744-539A66CC718E}"/>
-            </c:ext>
-          </c:extLst>
-        </c:ser>
-        <c:ser>
-          <c:idx val="1"/>
-          <c:order val="1"/>
-          <c:tx>
-            <c:v>Method2</c:v>
-          </c:tx>
-          <c:spPr>
-            <a:solidFill>
-              <a:schemeClr val="accent2"/>
-            </a:solidFill>
-            <a:ln>
-              <a:noFill/>
-            </a:ln>
-            <a:effectLst/>
-          </c:spPr>
-          <c:invertIfNegative val="0"/>
-          <c:cat>
-            <c:strRef>
-              <c:f>Sheet1!$B$2:$B$5</c:f>
-              <c:strCache>
-                <c:ptCount val="4"/>
-                <c:pt idx="0">
-                  <c:v>C</c:v>
-                </c:pt>
-                <c:pt idx="1">
-                  <c:v>WF</c:v>
-                </c:pt>
-                <c:pt idx="2">
-                  <c:v>C</c:v>
-                </c:pt>
-                <c:pt idx="3">
-                  <c:v>WF</c:v>
-                </c:pt>
-              </c:strCache>
-            </c:strRef>
-          </c:cat>
-          <c:val>
-            <c:numRef>
-              <c:f>Sheet1!$G$4:$G$5</c:f>
-              <c:numCache>
-                <c:formatCode>General</c:formatCode>
-                <c:ptCount val="2"/>
-                <c:pt idx="0">
-                  <c:v>0.405958631438679</c:v>
-                </c:pt>
-                <c:pt idx="1">
-                  <c:v>2.07617229764415E-2</c:v>
-                </c:pt>
-              </c:numCache>
-            </c:numRef>
-          </c:val>
-          <c:extLst>
-            <c:ext xmlns:c16="http://schemas.microsoft.com/office/drawing/2014/chart" uri="{C3380CC4-5D6E-409C-BE32-E72D297353CC}">
-              <c16:uniqueId val="{00000001-1125-469A-9744-539A66CC718E}"/>
-            </c:ext>
-          </c:extLst>
-        </c:ser>
-        <c:dLbls>
-          <c:showLegendKey val="0"/>
-          <c:showVal val="0"/>
-          <c:showCatName val="0"/>
-          <c:showSerName val="0"/>
-          <c:showPercent val="0"/>
-          <c:showBubbleSize val="0"/>
-        </c:dLbls>
-        <c:gapWidth val="219"/>
-        <c:overlap val="-27"/>
-        <c:axId val="1832810128"/>
-        <c:axId val="1837513664"/>
-      </c:barChart>
-      <c:catAx>
-        <c:axId val="1832810128"/>
-        <c:scaling>
-          <c:orientation val="minMax"/>
-        </c:scaling>
-        <c:delete val="0"/>
-        <c:axPos val="b"/>
-        <c:numFmt formatCode="General" sourceLinked="1"/>
-        <c:majorTickMark val="none"/>
-        <c:minorTickMark val="none"/>
-        <c:tickLblPos val="nextTo"/>
-        <c:spPr>
-          <a:noFill/>
-          <a:ln w="9525" cap="flat" cmpd="sng" algn="ctr">
-            <a:solidFill>
-              <a:schemeClr val="tx1">
-                <a:lumMod val="15000"/>
-                <a:lumOff val="85000"/>
-              </a:schemeClr>
-            </a:solidFill>
-            <a:round/>
-          </a:ln>
-          <a:effectLst/>
-        </c:spPr>
-        <c:txPr>
-          <a:bodyPr rot="-60000000" spcFirstLastPara="1" vertOverflow="ellipsis" vert="horz" wrap="square" anchor="ctr" anchorCtr="1"/>
-          <a:lstStyle/>
-          <a:p>
-            <a:pPr>
-              <a:defRPr sz="900" b="0" i="0" u="none" strike="noStrike" kern="1200" baseline="0">
-                <a:solidFill>
-                  <a:schemeClr val="tx1"/>
-                </a:solidFill>
-                <a:latin typeface="+mn-lt"/>
-                <a:ea typeface="+mn-ea"/>
-                <a:cs typeface="+mn-cs"/>
-              </a:defRPr>
-            </a:pPr>
-            <a:endParaRPr lang="da-DK"/>
-          </a:p>
-        </c:txPr>
-        <c:crossAx val="1837513664"/>
-        <c:crosses val="autoZero"/>
-        <c:auto val="1"/>
-        <c:lblAlgn val="ctr"/>
-        <c:lblOffset val="100"/>
-        <c:noMultiLvlLbl val="0"/>
-      </c:catAx>
-      <c:valAx>
-        <c:axId val="1837513664"/>
-        <c:scaling>
-          <c:orientation val="minMax"/>
-        </c:scaling>
-        <c:delete val="0"/>
-        <c:axPos val="l"/>
-        <c:majorGridlines>
-          <c:spPr>
-            <a:ln w="9525" cap="flat" cmpd="sng" algn="ctr">
-              <a:solidFill>
-                <a:schemeClr val="tx1">
-                  <a:lumMod val="15000"/>
-                  <a:lumOff val="85000"/>
-                </a:schemeClr>
-              </a:solidFill>
-              <a:round/>
-            </a:ln>
-            <a:effectLst/>
-          </c:spPr>
-        </c:majorGridlines>
-        <c:title>
-          <c:tx>
-            <c:rich>
-              <a:bodyPr rot="-5400000" spcFirstLastPara="1" vertOverflow="ellipsis" vert="horz" wrap="square" anchor="ctr" anchorCtr="1"/>
-              <a:lstStyle/>
-              <a:p>
-                <a:pPr>
-                  <a:defRPr sz="1000" b="0" i="0" u="none" strike="noStrike" kern="1200" baseline="0">
-                    <a:solidFill>
-                      <a:schemeClr val="tx1"/>
-                    </a:solidFill>
-                    <a:latin typeface="+mn-lt"/>
-                    <a:ea typeface="+mn-ea"/>
-                    <a:cs typeface="+mn-cs"/>
-                  </a:defRPr>
-                </a:pPr>
-                <a:r>
-                  <a:rPr lang="da-DK" dirty="0"/>
-                  <a:t>Mean of relative </a:t>
-                </a:r>
-                <a:r>
-                  <a:rPr lang="da-DK" dirty="0" err="1"/>
-                  <a:t>error</a:t>
-                </a:r>
-                <a:r>
-                  <a:rPr lang="da-DK" dirty="0"/>
-                  <a:t> </a:t>
-                </a:r>
-                <a:r>
-                  <a:rPr lang="da-DK" baseline="0" dirty="0"/>
-                  <a:t>(%)</a:t>
-                </a:r>
-                <a:endParaRPr lang="da-DK" dirty="0"/>
-              </a:p>
-            </c:rich>
-          </c:tx>
-          <c:overlay val="0"/>
-          <c:spPr>
-            <a:noFill/>
-            <a:ln>
-              <a:noFill/>
-            </a:ln>
-            <a:effectLst/>
-          </c:spPr>
-          <c:txPr>
-            <a:bodyPr rot="-5400000" spcFirstLastPara="1" vertOverflow="ellipsis" vert="horz" wrap="square" anchor="ctr" anchorCtr="1"/>
-            <a:lstStyle/>
-            <a:p>
-              <a:pPr>
-                <a:defRPr sz="1000" b="0" i="0" u="none" strike="noStrike" kern="1200" baseline="0">
-                  <a:solidFill>
-                    <a:schemeClr val="tx1"/>
-                  </a:solidFill>
-                  <a:latin typeface="+mn-lt"/>
-                  <a:ea typeface="+mn-ea"/>
-                  <a:cs typeface="+mn-cs"/>
-                </a:defRPr>
-              </a:pPr>
-              <a:endParaRPr lang="da-DK"/>
-            </a:p>
-          </c:txPr>
-        </c:title>
-        <c:numFmt formatCode="General" sourceLinked="1"/>
-        <c:majorTickMark val="none"/>
-        <c:minorTickMark val="none"/>
-        <c:tickLblPos val="nextTo"/>
-        <c:spPr>
-          <a:noFill/>
-          <a:ln>
-            <a:noFill/>
-          </a:ln>
-          <a:effectLst/>
-        </c:spPr>
-        <c:txPr>
-          <a:bodyPr rot="-60000000" spcFirstLastPara="1" vertOverflow="ellipsis" vert="horz" wrap="square" anchor="ctr" anchorCtr="1"/>
-          <a:lstStyle/>
-          <a:p>
-            <a:pPr>
-              <a:defRPr sz="900" b="0" i="0" u="none" strike="noStrike" kern="1200" baseline="0">
-                <a:solidFill>
-                  <a:schemeClr val="tx1"/>
-                </a:solidFill>
-                <a:latin typeface="+mn-lt"/>
-                <a:ea typeface="+mn-ea"/>
-                <a:cs typeface="+mn-cs"/>
-              </a:defRPr>
-            </a:pPr>
-            <a:endParaRPr lang="da-DK"/>
-          </a:p>
-        </c:txPr>
-        <c:crossAx val="1832810128"/>
-        <c:crosses val="autoZero"/>
-        <c:crossBetween val="between"/>
-      </c:valAx>
-      <c:spPr>
-        <a:noFill/>
-        <a:ln>
-          <a:noFill/>
-        </a:ln>
-        <a:effectLst/>
-      </c:spPr>
-    </c:plotArea>
-    <c:plotVisOnly val="1"/>
-    <c:dispBlanksAs val="gap"/>
-    <c:extLst>
-      <c:ext xmlns:c16r3="http://schemas.microsoft.com/office/drawing/2017/03/chart" uri="{56B9EC1D-385E-4148-901F-78D8002777C0}">
-        <c16r3:dataDisplayOptions16>
-          <c16r3:dispNaAsBlank val="1"/>
-        </c16r3:dataDisplayOptions16>
-      </c:ext>
-    </c:extLst>
-    <c:showDLblsOverMax val="0"/>
-  </c:chart>
-  <c:spPr>
-    <a:noFill/>
-    <a:ln>
-      <a:noFill/>
-    </a:ln>
-    <a:effectLst/>
-  </c:spPr>
-  <c:txPr>
-    <a:bodyPr/>
-    <a:lstStyle/>
-    <a:p>
-      <a:pPr>
-        <a:defRPr>
-          <a:solidFill>
-            <a:schemeClr val="tx1"/>
-          </a:solidFill>
-        </a:defRPr>
-      </a:pPr>
-      <a:endParaRPr lang="da-DK"/>
-    </a:p>
-  </c:txPr>
-  <c:externalData r:id="rId3">
-    <c:autoUpdate val="0"/>
-  </c:externalData>
-</c:chartSpace>
-</file>
-
-<file path=ppt/charts/colors1.xml><?xml version="1.0" encoding="utf-8"?>
-<cs:colorStyle xmlns:cs="http://schemas.microsoft.com/office/drawing/2012/chartStyle" xmlns:a="http://schemas.openxmlformats.org/drawingml/2006/main" meth="cycle" id="10">
-  <a:schemeClr val="accent1"/>
-  <a:schemeClr val="accent2"/>
-  <a:schemeClr val="accent3"/>
-  <a:schemeClr val="accent4"/>
-  <a:schemeClr val="accent5"/>
-  <a:schemeClr val="accent6"/>
-  <cs:variation/>
-  <cs:variation>
-    <a:lumMod val="60000"/>
-  </cs:variation>
-  <cs:variation>
-    <a:lumMod val="80000"/>
-    <a:lumOff val="20000"/>
-  </cs:variation>
-  <cs:variation>
-    <a:lumMod val="80000"/>
-  </cs:variation>
-  <cs:variation>
-    <a:lumMod val="60000"/>
-    <a:lumOff val="40000"/>
-  </cs:variation>
-  <cs:variation>
-    <a:lumMod val="50000"/>
-  </cs:variation>
-  <cs:variation>
-    <a:lumMod val="70000"/>
-    <a:lumOff val="30000"/>
-  </cs:variation>
-  <cs:variation>
-    <a:lumMod val="70000"/>
-  </cs:variation>
-  <cs:variation>
-    <a:lumMod val="50000"/>
-    <a:lumOff val="50000"/>
-  </cs:variation>
-</cs:colorStyle>
-</file>
-
-<file path=ppt/charts/colors2.xml><?xml version="1.0" encoding="utf-8"?>
-<cs:colorStyle xmlns:cs="http://schemas.microsoft.com/office/drawing/2012/chartStyle" xmlns:a="http://schemas.openxmlformats.org/drawingml/2006/main" meth="cycle" id="10">
-  <a:schemeClr val="accent1"/>
-  <a:schemeClr val="accent2"/>
-  <a:schemeClr val="accent3"/>
-  <a:schemeClr val="accent4"/>
-  <a:schemeClr val="accent5"/>
-  <a:schemeClr val="accent6"/>
-  <cs:variation/>
-  <cs:variation>
-    <a:lumMod val="60000"/>
-  </cs:variation>
-  <cs:variation>
-    <a:lumMod val="80000"/>
-    <a:lumOff val="20000"/>
-  </cs:variation>
-  <cs:variation>
-    <a:lumMod val="80000"/>
-  </cs:variation>
-  <cs:variation>
-    <a:lumMod val="60000"/>
-    <a:lumOff val="40000"/>
-  </cs:variation>
-  <cs:variation>
-    <a:lumMod val="50000"/>
-  </cs:variation>
-  <cs:variation>
-    <a:lumMod val="70000"/>
-    <a:lumOff val="30000"/>
-  </cs:variation>
-  <cs:variation>
-    <a:lumMod val="70000"/>
-  </cs:variation>
-  <cs:variation>
-    <a:lumMod val="50000"/>
-    <a:lumOff val="50000"/>
-  </cs:variation>
-</cs:colorStyle>
-</file>
-
-<file path=ppt/charts/style1.xml><?xml version="1.0" encoding="utf-8"?>
-<cs:chartStyle xmlns:cs="http://schemas.microsoft.com/office/drawing/2012/chartStyle" xmlns:a="http://schemas.openxmlformats.org/drawingml/2006/main" id="201">
-  <cs:axisTitle>
-    <cs:lnRef idx="0"/>
-    <cs:fillRef idx="0"/>
-    <cs:effectRef idx="0"/>
-    <cs:fontRef idx="minor">
-      <a:schemeClr val="tx1">
-        <a:lumMod val="65000"/>
-        <a:lumOff val="35000"/>
-      </a:schemeClr>
-    </cs:fontRef>
-    <cs:defRPr sz="1000" kern="1200"/>
-  </cs:axisTitle>
-  <cs:categoryAxis>
-    <cs:lnRef idx="0"/>
-    <cs:fillRef idx="0"/>
-    <cs:effectRef idx="0"/>
-    <cs:fontRef idx="minor">
-      <a:schemeClr val="tx1">
-        <a:lumMod val="65000"/>
-        <a:lumOff val="35000"/>
-      </a:schemeClr>
-    </cs:fontRef>
-    <cs:spPr>
-      <a:ln w="9525" cap="flat" cmpd="sng" algn="ctr">
-        <a:solidFill>
-          <a:schemeClr val="tx1">
-            <a:lumMod val="15000"/>
-            <a:lumOff val="85000"/>
-          </a:schemeClr>
-        </a:solidFill>
-        <a:round/>
-      </a:ln>
-    </cs:spPr>
-    <cs:defRPr sz="900" kern="1200"/>
-  </cs:categoryAxis>
-  <cs:chartArea mods="allowNoFillOverride allowNoLineOverride">
-    <cs:lnRef idx="0"/>
-    <cs:fillRef idx="0"/>
-    <cs:effectRef idx="0"/>
-    <cs:fontRef idx="minor">
-      <a:schemeClr val="tx1"/>
-    </cs:fontRef>
-    <cs:spPr>
-      <a:solidFill>
-        <a:schemeClr val="bg1"/>
-      </a:solidFill>
-      <a:ln w="9525" cap="flat" cmpd="sng" algn="ctr">
-        <a:solidFill>
-          <a:schemeClr val="tx1">
-            <a:lumMod val="15000"/>
-            <a:lumOff val="85000"/>
-          </a:schemeClr>
-        </a:solidFill>
-        <a:round/>
-      </a:ln>
-    </cs:spPr>
-    <cs:defRPr sz="1000" kern="1200"/>
-  </cs:chartArea>
-  <cs:dataLabel>
-    <cs:lnRef idx="0"/>
-    <cs:fillRef idx="0"/>
-    <cs:effectRef idx="0"/>
-    <cs:fontRef idx="minor">
-      <a:schemeClr val="tx1">
-        <a:lumMod val="75000"/>
-        <a:lumOff val="25000"/>
-      </a:schemeClr>
-    </cs:fontRef>
-    <cs:defRPr sz="900" kern="1200"/>
-  </cs:dataLabel>
-  <cs:dataLabelCallout>
-    <cs:lnRef idx="0"/>
-    <cs:fillRef idx="0"/>
-    <cs:effectRef idx="0"/>
-    <cs:fontRef idx="minor">
-      <a:schemeClr val="dk1">
-        <a:lumMod val="65000"/>
-        <a:lumOff val="35000"/>
-      </a:schemeClr>
-    </cs:fontRef>
-    <cs:spPr>
-      <a:solidFill>
-        <a:schemeClr val="lt1"/>
-      </a:solidFill>
-      <a:ln>
-        <a:solidFill>
-          <a:schemeClr val="dk1">
-            <a:lumMod val="25000"/>
-            <a:lumOff val="75000"/>
-          </a:schemeClr>
-        </a:solidFill>
-      </a:ln>
-    </cs:spPr>
-    <cs:defRPr sz="900" kern="1200"/>
-    <cs:bodyPr rot="0" spcFirstLastPara="1" vertOverflow="clip" horzOverflow="clip" vert="horz" wrap="square" lIns="36576" tIns="18288" rIns="36576" bIns="18288" anchor="ctr" anchorCtr="1">
-      <a:spAutoFit/>
-    </cs:bodyPr>
-  </cs:dataLabelCallout>
-  <cs:dataPoint>
-    <cs:lnRef idx="0"/>
-    <cs:fillRef idx="1">
-      <cs:styleClr val="auto"/>
-    </cs:fillRef>
-    <cs:effectRef idx="0"/>
-    <cs:fontRef idx="minor">
-      <a:schemeClr val="tx1"/>
-    </cs:fontRef>
-  </cs:dataPoint>
-  <cs:dataPoint3D>
-    <cs:lnRef idx="0"/>
-    <cs:fillRef idx="1">
-      <cs:styleClr val="auto"/>
-    </cs:fillRef>
-    <cs:effectRef idx="0"/>
-    <cs:fontRef idx="minor">
-      <a:schemeClr val="tx1"/>
-    </cs:fontRef>
-  </cs:dataPoint3D>
-  <cs:dataPointLine>
-    <cs:lnRef idx="0">
-      <cs:styleClr val="auto"/>
-    </cs:lnRef>
-    <cs:fillRef idx="1"/>
-    <cs:effectRef idx="0"/>
-    <cs:fontRef idx="minor">
-      <a:schemeClr val="tx1"/>
-    </cs:fontRef>
-    <cs:spPr>
-      <a:ln w="28575" cap="rnd">
-        <a:solidFill>
-          <a:schemeClr val="phClr"/>
-        </a:solidFill>
-        <a:round/>
-      </a:ln>
-    </cs:spPr>
-  </cs:dataPointLine>
-  <cs:dataPointMarker>
-    <cs:lnRef idx="0">
-      <cs:styleClr val="auto"/>
-    </cs:lnRef>
-    <cs:fillRef idx="1">
-      <cs:styleClr val="auto"/>
-    </cs:fillRef>
-    <cs:effectRef idx="0"/>
-    <cs:fontRef idx="minor">
-      <a:schemeClr val="tx1"/>
-    </cs:fontRef>
-    <cs:spPr>
-      <a:ln w="9525">
-        <a:solidFill>
-          <a:schemeClr val="phClr"/>
-        </a:solidFill>
-      </a:ln>
-    </cs:spPr>
-  </cs:dataPointMarker>
-  <cs:dataPointMarkerLayout symbol="circle" size="5"/>
-  <cs:dataPointWireframe>
-    <cs:lnRef idx="0">
-      <cs:styleClr val="auto"/>
-    </cs:lnRef>
-    <cs:fillRef idx="1"/>
-    <cs:effectRef idx="0"/>
-    <cs:fontRef idx="minor">
-      <a:schemeClr val="tx1"/>
-    </cs:fontRef>
-    <cs:spPr>
-      <a:ln w="9525" cap="rnd">
-        <a:solidFill>
-          <a:schemeClr val="phClr"/>
-        </a:solidFill>
-        <a:round/>
-      </a:ln>
-    </cs:spPr>
-  </cs:dataPointWireframe>
-  <cs:dataTable>
-    <cs:lnRef idx="0"/>
-    <cs:fillRef idx="0"/>
-    <cs:effectRef idx="0"/>
-    <cs:fontRef idx="minor">
-      <a:schemeClr val="tx1">
-        <a:lumMod val="65000"/>
-        <a:lumOff val="35000"/>
-      </a:schemeClr>
-    </cs:fontRef>
-    <cs:spPr>
-      <a:noFill/>
-      <a:ln w="9525" cap="flat" cmpd="sng" algn="ctr">
-        <a:solidFill>
-          <a:schemeClr val="tx1">
-            <a:lumMod val="15000"/>
-            <a:lumOff val="85000"/>
-          </a:schemeClr>
-        </a:solidFill>
-        <a:round/>
-      </a:ln>
-    </cs:spPr>
-    <cs:defRPr sz="900" kern="1200"/>
-  </cs:dataTable>
-  <cs:downBar>
-    <cs:lnRef idx="0"/>
-    <cs:fillRef idx="0"/>
-    <cs:effectRef idx="0"/>
-    <cs:fontRef idx="minor">
-      <a:schemeClr val="dk1"/>
-    </cs:fontRef>
-    <cs:spPr>
-      <a:solidFill>
-        <a:schemeClr val="dk1">
-          <a:lumMod val="65000"/>
-          <a:lumOff val="35000"/>
-        </a:schemeClr>
-      </a:solidFill>
-      <a:ln w="9525">
-        <a:solidFill>
-          <a:schemeClr val="tx1">
-            <a:lumMod val="65000"/>
-            <a:lumOff val="35000"/>
-          </a:schemeClr>
-        </a:solidFill>
-      </a:ln>
-    </cs:spPr>
-  </cs:downBar>
-  <cs:dropLine>
-    <cs:lnRef idx="0"/>
-    <cs:fillRef idx="0"/>
-    <cs:effectRef idx="0"/>
-    <cs:fontRef idx="minor">
-      <a:schemeClr val="tx1"/>
-    </cs:fontRef>
-    <cs:spPr>
-      <a:ln w="9525" cap="flat" cmpd="sng" algn="ctr">
-        <a:solidFill>
-          <a:schemeClr val="tx1">
-            <a:lumMod val="35000"/>
-            <a:lumOff val="65000"/>
-          </a:schemeClr>
-        </a:solidFill>
-        <a:round/>
-      </a:ln>
-    </cs:spPr>
-  </cs:dropLine>
-  <cs:errorBar>
-    <cs:lnRef idx="0"/>
-    <cs:fillRef idx="0"/>
-    <cs:effectRef idx="0"/>
-    <cs:fontRef idx="minor">
-      <a:schemeClr val="tx1"/>
-    </cs:fontRef>
-    <cs:spPr>
-      <a:ln w="9525" cap="flat" cmpd="sng" algn="ctr">
-        <a:solidFill>
-          <a:schemeClr val="tx1">
-            <a:lumMod val="65000"/>
-            <a:lumOff val="35000"/>
-          </a:schemeClr>
-        </a:solidFill>
-        <a:round/>
-      </a:ln>
-    </cs:spPr>
-  </cs:errorBar>
-  <cs:floor>
-    <cs:lnRef idx="0"/>
-    <cs:fillRef idx="0"/>
-    <cs:effectRef idx="0"/>
-    <cs:fontRef idx="minor">
-      <a:schemeClr val="tx1"/>
-    </cs:fontRef>
-    <cs:spPr>
-      <a:noFill/>
-      <a:ln>
-        <a:noFill/>
-      </a:ln>
-    </cs:spPr>
-  </cs:floor>
-  <cs:gridlineMajor>
-    <cs:lnRef idx="0"/>
-    <cs:fillRef idx="0"/>
-    <cs:effectRef idx="0"/>
-    <cs:fontRef idx="minor">
-      <a:schemeClr val="tx1"/>
-    </cs:fontRef>
-    <cs:spPr>
-      <a:ln w="9525" cap="flat" cmpd="sng" algn="ctr">
-        <a:solidFill>
-          <a:schemeClr val="tx1">
-            <a:lumMod val="15000"/>
-            <a:lumOff val="85000"/>
-          </a:schemeClr>
-        </a:solidFill>
-        <a:round/>
-      </a:ln>
-    </cs:spPr>
-  </cs:gridlineMajor>
-  <cs:gridlineMinor>
-    <cs:lnRef idx="0"/>
-    <cs:fillRef idx="0"/>
-    <cs:effectRef idx="0"/>
-    <cs:fontRef idx="minor">
-      <a:schemeClr val="tx1"/>
-    </cs:fontRef>
-    <cs:spPr>
-      <a:ln w="9525" cap="flat" cmpd="sng" algn="ctr">
-        <a:solidFill>
-          <a:schemeClr val="tx1">
-            <a:lumMod val="5000"/>
-            <a:lumOff val="95000"/>
-          </a:schemeClr>
-        </a:solidFill>
-        <a:round/>
-      </a:ln>
-    </cs:spPr>
-  </cs:gridlineMinor>
-  <cs:hiLoLine>
-    <cs:lnRef idx="0"/>
-    <cs:fillRef idx="0"/>
-    <cs:effectRef idx="0"/>
-    <cs:fontRef idx="minor">
-      <a:schemeClr val="tx1"/>
-    </cs:fontRef>
-    <cs:spPr>
-      <a:ln w="9525" cap="flat" cmpd="sng" algn="ctr">
-        <a:solidFill>
-          <a:schemeClr val="tx1">
-            <a:lumMod val="75000"/>
-            <a:lumOff val="25000"/>
-          </a:schemeClr>
-        </a:solidFill>
-        <a:round/>
-      </a:ln>
-    </cs:spPr>
-  </cs:hiLoLine>
-  <cs:leaderLine>
-    <cs:lnRef idx="0"/>
-    <cs:fillRef idx="0"/>
-    <cs:effectRef idx="0"/>
-    <cs:fontRef idx="minor">
-      <a:schemeClr val="tx1"/>
-    </cs:fontRef>
-    <cs:spPr>
-      <a:ln w="9525" cap="flat" cmpd="sng" algn="ctr">
-        <a:solidFill>
-          <a:schemeClr val="tx1">
-            <a:lumMod val="35000"/>
-            <a:lumOff val="65000"/>
-          </a:schemeClr>
-        </a:solidFill>
-        <a:round/>
-      </a:ln>
-    </cs:spPr>
-  </cs:leaderLine>
-  <cs:legend>
-    <cs:lnRef idx="0"/>
-    <cs:fillRef idx="0"/>
-    <cs:effectRef idx="0"/>
-    <cs:fontRef idx="minor">
-      <a:schemeClr val="tx1">
-        <a:lumMod val="65000"/>
-        <a:lumOff val="35000"/>
-      </a:schemeClr>
-    </cs:fontRef>
-    <cs:defRPr sz="900" kern="1200"/>
-  </cs:legend>
-  <cs:plotArea mods="allowNoFillOverride allowNoLineOverride">
-    <cs:lnRef idx="0"/>
-    <cs:fillRef idx="0"/>
-    <cs:effectRef idx="0"/>
-    <cs:fontRef idx="minor">
-      <a:schemeClr val="tx1"/>
-    </cs:fontRef>
-  </cs:plotArea>
-  <cs:plotArea3D mods="allowNoFillOverride allowNoLineOverride">
-    <cs:lnRef idx="0"/>
-    <cs:fillRef idx="0"/>
-    <cs:effectRef idx="0"/>
-    <cs:fontRef idx="minor">
-      <a:schemeClr val="tx1"/>
-    </cs:fontRef>
-  </cs:plotArea3D>
-  <cs:seriesAxis>
-    <cs:lnRef idx="0"/>
-    <cs:fillRef idx="0"/>
-    <cs:effectRef idx="0"/>
-    <cs:fontRef idx="minor">
-      <a:schemeClr val="tx1">
-        <a:lumMod val="65000"/>
-        <a:lumOff val="35000"/>
-      </a:schemeClr>
-    </cs:fontRef>
-    <cs:defRPr sz="900" kern="1200"/>
-  </cs:seriesAxis>
-  <cs:seriesLine>
-    <cs:lnRef idx="0"/>
-    <cs:fillRef idx="0"/>
-    <cs:effectRef idx="0"/>
-    <cs:fontRef idx="minor">
-      <a:schemeClr val="tx1"/>
-    </cs:fontRef>
-    <cs:spPr>
-      <a:ln w="9525" cap="flat" cmpd="sng" algn="ctr">
-        <a:solidFill>
-          <a:schemeClr val="tx1">
-            <a:lumMod val="35000"/>
-            <a:lumOff val="65000"/>
-          </a:schemeClr>
-        </a:solidFill>
-        <a:round/>
-      </a:ln>
-    </cs:spPr>
-  </cs:seriesLine>
-  <cs:title>
-    <cs:lnRef idx="0"/>
-    <cs:fillRef idx="0"/>
-    <cs:effectRef idx="0"/>
-    <cs:fontRef idx="minor">
-      <a:schemeClr val="tx1">
-        <a:lumMod val="65000"/>
-        <a:lumOff val="35000"/>
-      </a:schemeClr>
-    </cs:fontRef>
-    <cs:defRPr sz="1400" b="0" kern="1200" spc="0" baseline="0"/>
-  </cs:title>
-  <cs:trendline>
-    <cs:lnRef idx="0">
-      <cs:styleClr val="auto"/>
-    </cs:lnRef>
-    <cs:fillRef idx="0"/>
-    <cs:effectRef idx="0"/>
-    <cs:fontRef idx="minor">
-      <a:schemeClr val="tx1"/>
-    </cs:fontRef>
-    <cs:spPr>
-      <a:ln w="19050" cap="rnd">
-        <a:solidFill>
-          <a:schemeClr val="phClr"/>
-        </a:solidFill>
-        <a:prstDash val="sysDot"/>
-      </a:ln>
-    </cs:spPr>
-  </cs:trendline>
-  <cs:trendlineLabel>
-    <cs:lnRef idx="0"/>
-    <cs:fillRef idx="0"/>
-    <cs:effectRef idx="0"/>
-    <cs:fontRef idx="minor">
-      <a:schemeClr val="tx1">
-        <a:lumMod val="65000"/>
-        <a:lumOff val="35000"/>
-      </a:schemeClr>
-    </cs:fontRef>
-    <cs:defRPr sz="900" kern="1200"/>
-  </cs:trendlineLabel>
-  <cs:upBar>
-    <cs:lnRef idx="0"/>
-    <cs:fillRef idx="0"/>
-    <cs:effectRef idx="0"/>
-    <cs:fontRef idx="minor">
-      <a:schemeClr val="dk1"/>
-    </cs:fontRef>
-    <cs:spPr>
-      <a:solidFill>
-        <a:schemeClr val="lt1"/>
-      </a:solidFill>
-      <a:ln w="9525">
-        <a:solidFill>
-          <a:schemeClr val="tx1">
-            <a:lumMod val="15000"/>
-            <a:lumOff val="85000"/>
-          </a:schemeClr>
-        </a:solidFill>
-      </a:ln>
-    </cs:spPr>
-  </cs:upBar>
-  <cs:valueAxis>
-    <cs:lnRef idx="0"/>
-    <cs:fillRef idx="0"/>
-    <cs:effectRef idx="0"/>
-    <cs:fontRef idx="minor">
-      <a:schemeClr val="tx1">
-        <a:lumMod val="65000"/>
-        <a:lumOff val="35000"/>
-      </a:schemeClr>
-    </cs:fontRef>
-    <cs:defRPr sz="900" kern="1200"/>
-  </cs:valueAxis>
-  <cs:wall>
-    <cs:lnRef idx="0"/>
-    <cs:fillRef idx="0"/>
-    <cs:effectRef idx="0"/>
-    <cs:fontRef idx="minor">
-      <a:schemeClr val="tx1"/>
-    </cs:fontRef>
-    <cs:spPr>
-      <a:noFill/>
-      <a:ln>
-        <a:noFill/>
-      </a:ln>
-    </cs:spPr>
-  </cs:wall>
-</cs:chartStyle>
-</file>
-
-<file path=ppt/charts/style2.xml><?xml version="1.0" encoding="utf-8"?>
-<cs:chartStyle xmlns:cs="http://schemas.microsoft.com/office/drawing/2012/chartStyle" xmlns:a="http://schemas.openxmlformats.org/drawingml/2006/main" id="201">
-  <cs:axisTitle>
-    <cs:lnRef idx="0"/>
-    <cs:fillRef idx="0"/>
-    <cs:effectRef idx="0"/>
-    <cs:fontRef idx="minor">
-      <a:schemeClr val="tx1">
-        <a:lumMod val="65000"/>
-        <a:lumOff val="35000"/>
-      </a:schemeClr>
-    </cs:fontRef>
-    <cs:defRPr sz="1000" kern="1200"/>
-  </cs:axisTitle>
-  <cs:categoryAxis>
-    <cs:lnRef idx="0"/>
-    <cs:fillRef idx="0"/>
-    <cs:effectRef idx="0"/>
-    <cs:fontRef idx="minor">
-      <a:schemeClr val="tx1">
-        <a:lumMod val="65000"/>
-        <a:lumOff val="35000"/>
-      </a:schemeClr>
-    </cs:fontRef>
-    <cs:spPr>
-      <a:ln w="9525" cap="flat" cmpd="sng" algn="ctr">
-        <a:solidFill>
-          <a:schemeClr val="tx1">
-            <a:lumMod val="15000"/>
-            <a:lumOff val="85000"/>
-          </a:schemeClr>
-        </a:solidFill>
-        <a:round/>
-      </a:ln>
-    </cs:spPr>
-    <cs:defRPr sz="900" kern="1200"/>
-  </cs:categoryAxis>
-  <cs:chartArea mods="allowNoFillOverride allowNoLineOverride">
-    <cs:lnRef idx="0"/>
-    <cs:fillRef idx="0"/>
-    <cs:effectRef idx="0"/>
-    <cs:fontRef idx="minor">
-      <a:schemeClr val="tx1"/>
-    </cs:fontRef>
-    <cs:spPr>
-      <a:solidFill>
-        <a:schemeClr val="bg1"/>
-      </a:solidFill>
-      <a:ln w="9525" cap="flat" cmpd="sng" algn="ctr">
-        <a:solidFill>
-          <a:schemeClr val="tx1">
-            <a:lumMod val="15000"/>
-            <a:lumOff val="85000"/>
-          </a:schemeClr>
-        </a:solidFill>
-        <a:round/>
-      </a:ln>
-    </cs:spPr>
-    <cs:defRPr sz="1000" kern="1200"/>
-  </cs:chartArea>
-  <cs:dataLabel>
-    <cs:lnRef idx="0"/>
-    <cs:fillRef idx="0"/>
-    <cs:effectRef idx="0"/>
-    <cs:fontRef idx="minor">
-      <a:schemeClr val="tx1">
-        <a:lumMod val="75000"/>
-        <a:lumOff val="25000"/>
-      </a:schemeClr>
-    </cs:fontRef>
-    <cs:defRPr sz="900" kern="1200"/>
-  </cs:dataLabel>
-  <cs:dataLabelCallout>
-    <cs:lnRef idx="0"/>
-    <cs:fillRef idx="0"/>
-    <cs:effectRef idx="0"/>
-    <cs:fontRef idx="minor">
-      <a:schemeClr val="dk1">
-        <a:lumMod val="65000"/>
-        <a:lumOff val="35000"/>
-      </a:schemeClr>
-    </cs:fontRef>
-    <cs:spPr>
-      <a:solidFill>
-        <a:schemeClr val="lt1"/>
-      </a:solidFill>
-      <a:ln>
-        <a:solidFill>
-          <a:schemeClr val="dk1">
-            <a:lumMod val="25000"/>
-            <a:lumOff val="75000"/>
-          </a:schemeClr>
-        </a:solidFill>
-      </a:ln>
-    </cs:spPr>
-    <cs:defRPr sz="900" kern="1200"/>
-    <cs:bodyPr rot="0" spcFirstLastPara="1" vertOverflow="clip" horzOverflow="clip" vert="horz" wrap="square" lIns="36576" tIns="18288" rIns="36576" bIns="18288" anchor="ctr" anchorCtr="1">
-      <a:spAutoFit/>
-    </cs:bodyPr>
-  </cs:dataLabelCallout>
-  <cs:dataPoint>
-    <cs:lnRef idx="0"/>
-    <cs:fillRef idx="1">
-      <cs:styleClr val="auto"/>
-    </cs:fillRef>
-    <cs:effectRef idx="0"/>
-    <cs:fontRef idx="minor">
-      <a:schemeClr val="tx1"/>
-    </cs:fontRef>
-  </cs:dataPoint>
-  <cs:dataPoint3D>
-    <cs:lnRef idx="0"/>
-    <cs:fillRef idx="1">
-      <cs:styleClr val="auto"/>
-    </cs:fillRef>
-    <cs:effectRef idx="0"/>
-    <cs:fontRef idx="minor">
-      <a:schemeClr val="tx1"/>
-    </cs:fontRef>
-  </cs:dataPoint3D>
-  <cs:dataPointLine>
-    <cs:lnRef idx="0">
-      <cs:styleClr val="auto"/>
-    </cs:lnRef>
-    <cs:fillRef idx="1"/>
-    <cs:effectRef idx="0"/>
-    <cs:fontRef idx="minor">
-      <a:schemeClr val="tx1"/>
-    </cs:fontRef>
-    <cs:spPr>
-      <a:ln w="28575" cap="rnd">
-        <a:solidFill>
-          <a:schemeClr val="phClr"/>
-        </a:solidFill>
-        <a:round/>
-      </a:ln>
-    </cs:spPr>
-  </cs:dataPointLine>
-  <cs:dataPointMarker>
-    <cs:lnRef idx="0">
-      <cs:styleClr val="auto"/>
-    </cs:lnRef>
-    <cs:fillRef idx="1">
-      <cs:styleClr val="auto"/>
-    </cs:fillRef>
-    <cs:effectRef idx="0"/>
-    <cs:fontRef idx="minor">
-      <a:schemeClr val="tx1"/>
-    </cs:fontRef>
-    <cs:spPr>
-      <a:ln w="9525">
-        <a:solidFill>
-          <a:schemeClr val="phClr"/>
-        </a:solidFill>
-      </a:ln>
-    </cs:spPr>
-  </cs:dataPointMarker>
-  <cs:dataPointMarkerLayout symbol="circle" size="5"/>
-  <cs:dataPointWireframe>
-    <cs:lnRef idx="0">
-      <cs:styleClr val="auto"/>
-    </cs:lnRef>
-    <cs:fillRef idx="1"/>
-    <cs:effectRef idx="0"/>
-    <cs:fontRef idx="minor">
-      <a:schemeClr val="tx1"/>
-    </cs:fontRef>
-    <cs:spPr>
-      <a:ln w="9525" cap="rnd">
-        <a:solidFill>
-          <a:schemeClr val="phClr"/>
-        </a:solidFill>
-        <a:round/>
-      </a:ln>
-    </cs:spPr>
-  </cs:dataPointWireframe>
-  <cs:dataTable>
-    <cs:lnRef idx="0"/>
-    <cs:fillRef idx="0"/>
-    <cs:effectRef idx="0"/>
-    <cs:fontRef idx="minor">
-      <a:schemeClr val="tx1">
-        <a:lumMod val="65000"/>
-        <a:lumOff val="35000"/>
-      </a:schemeClr>
-    </cs:fontRef>
-    <cs:spPr>
-      <a:noFill/>
-      <a:ln w="9525" cap="flat" cmpd="sng" algn="ctr">
-        <a:solidFill>
-          <a:schemeClr val="tx1">
-            <a:lumMod val="15000"/>
-            <a:lumOff val="85000"/>
-          </a:schemeClr>
-        </a:solidFill>
-        <a:round/>
-      </a:ln>
-    </cs:spPr>
-    <cs:defRPr sz="900" kern="1200"/>
-  </cs:dataTable>
-  <cs:downBar>
-    <cs:lnRef idx="0"/>
-    <cs:fillRef idx="0"/>
-    <cs:effectRef idx="0"/>
-    <cs:fontRef idx="minor">
-      <a:schemeClr val="dk1"/>
-    </cs:fontRef>
-    <cs:spPr>
-      <a:solidFill>
-        <a:schemeClr val="dk1">
-          <a:lumMod val="65000"/>
-          <a:lumOff val="35000"/>
-        </a:schemeClr>
-      </a:solidFill>
-      <a:ln w="9525">
-        <a:solidFill>
-          <a:schemeClr val="tx1">
-            <a:lumMod val="65000"/>
-            <a:lumOff val="35000"/>
-          </a:schemeClr>
-        </a:solidFill>
-      </a:ln>
-    </cs:spPr>
-  </cs:downBar>
-  <cs:dropLine>
-    <cs:lnRef idx="0"/>
-    <cs:fillRef idx="0"/>
-    <cs:effectRef idx="0"/>
-    <cs:fontRef idx="minor">
-      <a:schemeClr val="tx1"/>
-    </cs:fontRef>
-    <cs:spPr>
-      <a:ln w="9525" cap="flat" cmpd="sng" algn="ctr">
-        <a:solidFill>
-          <a:schemeClr val="tx1">
-            <a:lumMod val="35000"/>
-            <a:lumOff val="65000"/>
-          </a:schemeClr>
-        </a:solidFill>
-        <a:round/>
-      </a:ln>
-    </cs:spPr>
-  </cs:dropLine>
-  <cs:errorBar>
-    <cs:lnRef idx="0"/>
-    <cs:fillRef idx="0"/>
-    <cs:effectRef idx="0"/>
-    <cs:fontRef idx="minor">
-      <a:schemeClr val="tx1"/>
-    </cs:fontRef>
-    <cs:spPr>
-      <a:ln w="9525" cap="flat" cmpd="sng" algn="ctr">
-        <a:solidFill>
-          <a:schemeClr val="tx1">
-            <a:lumMod val="65000"/>
-            <a:lumOff val="35000"/>
-          </a:schemeClr>
-        </a:solidFill>
-        <a:round/>
-      </a:ln>
-    </cs:spPr>
-  </cs:errorBar>
-  <cs:floor>
-    <cs:lnRef idx="0"/>
-    <cs:fillRef idx="0"/>
-    <cs:effectRef idx="0"/>
-    <cs:fontRef idx="minor">
-      <a:schemeClr val="tx1"/>
-    </cs:fontRef>
-    <cs:spPr>
-      <a:noFill/>
-      <a:ln>
-        <a:noFill/>
-      </a:ln>
-    </cs:spPr>
-  </cs:floor>
-  <cs:gridlineMajor>
-    <cs:lnRef idx="0"/>
-    <cs:fillRef idx="0"/>
-    <cs:effectRef idx="0"/>
-    <cs:fontRef idx="minor">
-      <a:schemeClr val="tx1"/>
-    </cs:fontRef>
-    <cs:spPr>
-      <a:ln w="9525" cap="flat" cmpd="sng" algn="ctr">
-        <a:solidFill>
-          <a:schemeClr val="tx1">
-            <a:lumMod val="15000"/>
-            <a:lumOff val="85000"/>
-          </a:schemeClr>
-        </a:solidFill>
-        <a:round/>
-      </a:ln>
-    </cs:spPr>
-  </cs:gridlineMajor>
-  <cs:gridlineMinor>
-    <cs:lnRef idx="0"/>
-    <cs:fillRef idx="0"/>
-    <cs:effectRef idx="0"/>
-    <cs:fontRef idx="minor">
-      <a:schemeClr val="tx1"/>
-    </cs:fontRef>
-    <cs:spPr>
-      <a:ln w="9525" cap="flat" cmpd="sng" algn="ctr">
-        <a:solidFill>
-          <a:schemeClr val="tx1">
-            <a:lumMod val="5000"/>
-            <a:lumOff val="95000"/>
-          </a:schemeClr>
-        </a:solidFill>
-        <a:round/>
-      </a:ln>
-    </cs:spPr>
-  </cs:gridlineMinor>
-  <cs:hiLoLine>
-    <cs:lnRef idx="0"/>
-    <cs:fillRef idx="0"/>
-    <cs:effectRef idx="0"/>
-    <cs:fontRef idx="minor">
-      <a:schemeClr val="tx1"/>
-    </cs:fontRef>
-    <cs:spPr>
-      <a:ln w="9525" cap="flat" cmpd="sng" algn="ctr">
-        <a:solidFill>
-          <a:schemeClr val="tx1">
-            <a:lumMod val="75000"/>
-            <a:lumOff val="25000"/>
-          </a:schemeClr>
-        </a:solidFill>
-        <a:round/>
-      </a:ln>
-    </cs:spPr>
-  </cs:hiLoLine>
-  <cs:leaderLine>
-    <cs:lnRef idx="0"/>
-    <cs:fillRef idx="0"/>
-    <cs:effectRef idx="0"/>
-    <cs:fontRef idx="minor">
-      <a:schemeClr val="tx1"/>
-    </cs:fontRef>
-    <cs:spPr>
-      <a:ln w="9525" cap="flat" cmpd="sng" algn="ctr">
-        <a:solidFill>
-          <a:schemeClr val="tx1">
-            <a:lumMod val="35000"/>
-            <a:lumOff val="65000"/>
-          </a:schemeClr>
-        </a:solidFill>
-        <a:round/>
-      </a:ln>
-    </cs:spPr>
-  </cs:leaderLine>
-  <cs:legend>
-    <cs:lnRef idx="0"/>
-    <cs:fillRef idx="0"/>
-    <cs:effectRef idx="0"/>
-    <cs:fontRef idx="minor">
-      <a:schemeClr val="tx1">
-        <a:lumMod val="65000"/>
-        <a:lumOff val="35000"/>
-      </a:schemeClr>
-    </cs:fontRef>
-    <cs:defRPr sz="900" kern="1200"/>
-  </cs:legend>
-  <cs:plotArea mods="allowNoFillOverride allowNoLineOverride">
-    <cs:lnRef idx="0"/>
-    <cs:fillRef idx="0"/>
-    <cs:effectRef idx="0"/>
-    <cs:fontRef idx="minor">
-      <a:schemeClr val="tx1"/>
-    </cs:fontRef>
-  </cs:plotArea>
-  <cs:plotArea3D mods="allowNoFillOverride allowNoLineOverride">
-    <cs:lnRef idx="0"/>
-    <cs:fillRef idx="0"/>
-    <cs:effectRef idx="0"/>
-    <cs:fontRef idx="minor">
-      <a:schemeClr val="tx1"/>
-    </cs:fontRef>
-  </cs:plotArea3D>
-  <cs:seriesAxis>
-    <cs:lnRef idx="0"/>
-    <cs:fillRef idx="0"/>
-    <cs:effectRef idx="0"/>
-    <cs:fontRef idx="minor">
-      <a:schemeClr val="tx1">
-        <a:lumMod val="65000"/>
-        <a:lumOff val="35000"/>
-      </a:schemeClr>
-    </cs:fontRef>
-    <cs:defRPr sz="900" kern="1200"/>
-  </cs:seriesAxis>
-  <cs:seriesLine>
-    <cs:lnRef idx="0"/>
-    <cs:fillRef idx="0"/>
-    <cs:effectRef idx="0"/>
-    <cs:fontRef idx="minor">
-      <a:schemeClr val="tx1"/>
-    </cs:fontRef>
-    <cs:spPr>
-      <a:ln w="9525" cap="flat" cmpd="sng" algn="ctr">
-        <a:solidFill>
-          <a:schemeClr val="tx1">
-            <a:lumMod val="35000"/>
-            <a:lumOff val="65000"/>
-          </a:schemeClr>
-        </a:solidFill>
-        <a:round/>
-      </a:ln>
-    </cs:spPr>
-  </cs:seriesLine>
-  <cs:title>
-    <cs:lnRef idx="0"/>
-    <cs:fillRef idx="0"/>
-    <cs:effectRef idx="0"/>
-    <cs:fontRef idx="minor">
-      <a:schemeClr val="tx1">
-        <a:lumMod val="65000"/>
-        <a:lumOff val="35000"/>
-      </a:schemeClr>
-    </cs:fontRef>
-    <cs:defRPr sz="1400" b="0" kern="1200" spc="0" baseline="0"/>
-  </cs:title>
-  <cs:trendline>
-    <cs:lnRef idx="0">
-      <cs:styleClr val="auto"/>
-    </cs:lnRef>
-    <cs:fillRef idx="0"/>
-    <cs:effectRef idx="0"/>
-    <cs:fontRef idx="minor">
-      <a:schemeClr val="tx1"/>
-    </cs:fontRef>
-    <cs:spPr>
-      <a:ln w="19050" cap="rnd">
-        <a:solidFill>
-          <a:schemeClr val="phClr"/>
-        </a:solidFill>
-        <a:prstDash val="sysDot"/>
-      </a:ln>
-    </cs:spPr>
-  </cs:trendline>
-  <cs:trendlineLabel>
-    <cs:lnRef idx="0"/>
-    <cs:fillRef idx="0"/>
-    <cs:effectRef idx="0"/>
-    <cs:fontRef idx="minor">
-      <a:schemeClr val="tx1">
-        <a:lumMod val="65000"/>
-        <a:lumOff val="35000"/>
-      </a:schemeClr>
-    </cs:fontRef>
-    <cs:defRPr sz="900" kern="1200"/>
-  </cs:trendlineLabel>
-  <cs:upBar>
-    <cs:lnRef idx="0"/>
-    <cs:fillRef idx="0"/>
-    <cs:effectRef idx="0"/>
-    <cs:fontRef idx="minor">
-      <a:schemeClr val="dk1"/>
-    </cs:fontRef>
-    <cs:spPr>
-      <a:solidFill>
-        <a:schemeClr val="lt1"/>
-      </a:solidFill>
-      <a:ln w="9525">
-        <a:solidFill>
-          <a:schemeClr val="tx1">
-            <a:lumMod val="15000"/>
-            <a:lumOff val="85000"/>
-          </a:schemeClr>
-        </a:solidFill>
-      </a:ln>
-    </cs:spPr>
-  </cs:upBar>
-  <cs:valueAxis>
-    <cs:lnRef idx="0"/>
-    <cs:fillRef idx="0"/>
-    <cs:effectRef idx="0"/>
-    <cs:fontRef idx="minor">
-      <a:schemeClr val="tx1">
-        <a:lumMod val="65000"/>
-        <a:lumOff val="35000"/>
-      </a:schemeClr>
-    </cs:fontRef>
-    <cs:defRPr sz="900" kern="1200"/>
-  </cs:valueAxis>
-  <cs:wall>
-    <cs:lnRef idx="0"/>
-    <cs:fillRef idx="0"/>
-    <cs:effectRef idx="0"/>
-    <cs:fontRef idx="minor">
-      <a:schemeClr val="tx1"/>
-    </cs:fontRef>
-    <cs:spPr>
-      <a:noFill/>
-      <a:ln>
-        <a:noFill/>
-      </a:ln>
-    </cs:spPr>
-  </cs:wall>
-</cs:chartStyle>
+<file path=ppt/revisionInfo.xml><?xml version="1.0" encoding="utf-8"?>
+<p1510:revInfo xmlns:a="http://schemas.openxmlformats.org/drawingml/2006/main" xmlns:r="http://schemas.openxmlformats.org/officeDocument/2006/relationships" xmlns:p1510="http://schemas.microsoft.com/office/powerpoint/2015/10/main">
+  <p1510:revLst>
+    <p1510:client id="{CAF4EC90-39E0-4E24-97E7-FE16BCFF1509}" v="18" dt="2023-09-28T09:57:16.237"/>
+  </p1510:revLst>
+</p1510:revInfo>
 </file>
 
 <file path=ppt/handoutMasters/handoutMaster1.xml><?xml version="1.0" encoding="utf-8"?>
@@ -2905,7 +1019,7 @@
               <a:pPr>
                 <a:defRPr/>
               </a:pPr>
-              <a:t>3</a:t>
+              <a:t>2</a:t>
             </a:fld>
             <a:endParaRPr lang="en-GB" dirty="0"/>
           </a:p>
@@ -2995,7 +1109,7 @@
               <a:pPr>
                 <a:defRPr/>
               </a:pPr>
-              <a:t>7</a:t>
+              <a:t>8</a:t>
             </a:fld>
             <a:endParaRPr lang="en-GB" dirty="0"/>
           </a:p>
@@ -3622,7 +1736,7 @@
             <a:fld id="{78417F83-4CBA-48F2-BAD0-783AE3701E32}" type="datetimeFigureOut">
               <a:rPr lang="da-DK" smtClean="0"/>
               <a:pPr/>
-              <a:t>20-09-2023</a:t>
+              <a:t>28-09-2023</a:t>
             </a:fld>
             <a:r>
               <a:rPr lang="da-DK" dirty="0"/>
@@ -3832,7 +1946,7 @@
             <a:fld id="{78417F83-4CBA-48F2-BAD0-783AE3701E32}" type="datetimeFigureOut">
               <a:rPr lang="da-DK" smtClean="0"/>
               <a:pPr/>
-              <a:t>20-09-2023</a:t>
+              <a:t>28-09-2023</a:t>
             </a:fld>
             <a:r>
               <a:rPr lang="da-DK" dirty="0"/>
@@ -4073,7 +2187,7 @@
             <a:fld id="{78417F83-4CBA-48F2-BAD0-783AE3701E32}" type="datetimeFigureOut">
               <a:rPr lang="da-DK" smtClean="0"/>
               <a:pPr/>
-              <a:t>20-09-2023</a:t>
+              <a:t>28-09-2023</a:t>
             </a:fld>
             <a:r>
               <a:rPr lang="da-DK" dirty="0"/>
@@ -4243,7 +2357,7 @@
             <a:fld id="{78417F83-4CBA-48F2-BAD0-783AE3701E32}" type="datetimeFigureOut">
               <a:rPr lang="da-DK" smtClean="0"/>
               <a:pPr/>
-              <a:t>20-09-2023</a:t>
+              <a:t>28-09-2023</a:t>
             </a:fld>
             <a:r>
               <a:rPr lang="da-DK" dirty="0"/>
@@ -4417,7 +2531,7 @@
             <a:fld id="{78417F83-4CBA-48F2-BAD0-783AE3701E32}" type="datetimeFigureOut">
               <a:rPr lang="da-DK" smtClean="0"/>
               <a:pPr/>
-              <a:t>20-09-2023</a:t>
+              <a:t>28-09-2023</a:t>
             </a:fld>
             <a:r>
               <a:rPr lang="da-DK" dirty="0"/>
@@ -4754,7 +2868,7 @@
             <a:fld id="{78417F83-4CBA-48F2-BAD0-783AE3701E32}" type="datetimeFigureOut">
               <a:rPr lang="da-DK" smtClean="0"/>
               <a:pPr/>
-              <a:t>20-09-2023</a:t>
+              <a:t>28-09-2023</a:t>
             </a:fld>
             <a:r>
               <a:rPr lang="da-DK" dirty="0"/>
@@ -4925,7 +3039,7 @@
             <a:fld id="{78417F83-4CBA-48F2-BAD0-783AE3701E32}" type="datetimeFigureOut">
               <a:rPr lang="da-DK" smtClean="0"/>
               <a:pPr/>
-              <a:t>20-09-2023</a:t>
+              <a:t>28-09-2023</a:t>
             </a:fld>
             <a:r>
               <a:rPr lang="da-DK" dirty="0"/>
@@ -5121,7 +3235,7 @@
             <a:fld id="{78417F83-4CBA-48F2-BAD0-783AE3701E32}" type="datetimeFigureOut">
               <a:rPr lang="da-DK" smtClean="0"/>
               <a:pPr/>
-              <a:t>20-09-2023</a:t>
+              <a:t>28-09-2023</a:t>
             </a:fld>
             <a:r>
               <a:rPr lang="da-DK" dirty="0"/>
@@ -5290,7 +3404,7 @@
             <a:fld id="{78417F83-4CBA-48F2-BAD0-783AE3701E32}" type="datetimeFigureOut">
               <a:rPr lang="da-DK" smtClean="0"/>
               <a:pPr/>
-              <a:t>20-09-2023</a:t>
+              <a:t>28-09-2023</a:t>
             </a:fld>
             <a:r>
               <a:rPr lang="da-DK" dirty="0"/>
@@ -5444,7 +3558,7 @@
             <a:fld id="{78417F83-4CBA-48F2-BAD0-783AE3701E32}" type="datetimeFigureOut">
               <a:rPr lang="da-DK" smtClean="0"/>
               <a:pPr/>
-              <a:t>20-09-2023</a:t>
+              <a:t>28-09-2023</a:t>
             </a:fld>
             <a:r>
               <a:rPr lang="da-DK" dirty="0"/>
@@ -6333,7 +4447,7 @@
             <a:fld id="{78417F83-4CBA-48F2-BAD0-783AE3701E32}" type="datetimeFigureOut">
               <a:rPr lang="da-DK" smtClean="0"/>
               <a:pPr/>
-              <a:t>20-09-2023</a:t>
+              <a:t>28-09-2023</a:t>
             </a:fld>
             <a:r>
               <a:rPr lang="da-DK" dirty="0"/>
@@ -7149,7 +5263,7 @@
             <a:fld id="{78417F83-4CBA-48F2-BAD0-783AE3701E32}" type="datetimeFigureOut">
               <a:rPr lang="da-DK" smtClean="0"/>
               <a:pPr/>
-              <a:t>20-09-2023</a:t>
+              <a:t>28-09-2023</a:t>
             </a:fld>
             <a:r>
               <a:rPr lang="da-DK" dirty="0"/>
@@ -7379,7 +5493,7 @@
             <a:fld id="{78417F83-4CBA-48F2-BAD0-783AE3701E32}" type="datetimeFigureOut">
               <a:rPr lang="da-DK" smtClean="0"/>
               <a:pPr/>
-              <a:t>20-09-2023</a:t>
+              <a:t>28-09-2023</a:t>
             </a:fld>
             <a:r>
               <a:rPr lang="da-DK" dirty="0"/>
@@ -8085,7 +6199,7 @@
             <a:fld id="{78417F83-4CBA-48F2-BAD0-783AE3701E32}" type="datetimeFigureOut">
               <a:rPr lang="da-DK" smtClean="0"/>
               <a:pPr/>
-              <a:t>20-09-2023</a:t>
+              <a:t>28-09-2023</a:t>
             </a:fld>
             <a:r>
               <a:rPr lang="da-DK" dirty="0"/>
@@ -8376,7 +6490,7 @@
             <a:fld id="{78417F83-4CBA-48F2-BAD0-783AE3701E32}" type="datetimeFigureOut">
               <a:rPr lang="da-DK" smtClean="0"/>
               <a:pPr/>
-              <a:t>20-09-2023</a:t>
+              <a:t>28-09-2023</a:t>
             </a:fld>
             <a:r>
               <a:rPr lang="da-DK" dirty="0"/>
@@ -8750,7 +6864,7 @@
             <a:fld id="{78417F83-4CBA-48F2-BAD0-783AE3701E32}" type="datetimeFigureOut">
               <a:rPr lang="da-DK" smtClean="0"/>
               <a:pPr/>
-              <a:t>20-09-2023</a:t>
+              <a:t>28-09-2023</a:t>
             </a:fld>
             <a:r>
               <a:rPr lang="da-DK" dirty="0"/>
@@ -9177,7 +7291,7 @@
             <a:fld id="{78417F83-4CBA-48F2-BAD0-783AE3701E32}" type="datetimeFigureOut">
               <a:rPr lang="da-DK" smtClean="0"/>
               <a:pPr/>
-              <a:t>20-09-2023</a:t>
+              <a:t>28-09-2023</a:t>
             </a:fld>
             <a:r>
               <a:rPr lang="da-DK" dirty="0"/>
@@ -9617,7 +7731,7 @@
             <a:fld id="{78417F83-4CBA-48F2-BAD0-783AE3701E32}" type="datetimeFigureOut">
               <a:rPr lang="da-DK" smtClean="0"/>
               <a:pPr/>
-              <a:t>20-09-2023</a:t>
+              <a:t>28-09-2023</a:t>
             </a:fld>
             <a:r>
               <a:rPr lang="da-DK" dirty="0"/>
@@ -9785,7 +7899,7 @@
             <a:fld id="{78417F83-4CBA-48F2-BAD0-783AE3701E32}" type="datetimeFigureOut">
               <a:rPr lang="da-DK" smtClean="0"/>
               <a:pPr/>
-              <a:t>20-09-2023</a:t>
+              <a:t>28-09-2023</a:t>
             </a:fld>
             <a:r>
               <a:rPr lang="da-DK" dirty="0"/>
@@ -9966,7 +8080,7 @@
             <a:fld id="{78417F83-4CBA-48F2-BAD0-783AE3701E32}" type="datetimeFigureOut">
               <a:rPr lang="da-DK" smtClean="0"/>
               <a:pPr/>
-              <a:t>20-09-2023</a:t>
+              <a:t>28-09-2023</a:t>
             </a:fld>
             <a:r>
               <a:rPr lang="da-DK" dirty="0"/>
@@ -10738,7 +8852,7 @@
             <a:fld id="{78417F83-4CBA-48F2-BAD0-783AE3701E32}" type="datetimeFigureOut">
               <a:rPr lang="da-DK" smtClean="0"/>
               <a:pPr/>
-              <a:t>20-09-2023</a:t>
+              <a:t>28-09-2023</a:t>
             </a:fld>
             <a:r>
               <a:rPr lang="da-DK"/>
@@ -11412,7 +9526,7 @@
       </p:grpSpPr>
       <p:sp>
         <p:nvSpPr>
-          <p:cNvPr id="3" name="Title 2"/>
+          <p:cNvPr id="4" name="Title 3"/>
           <p:cNvSpPr>
             <a:spLocks noGrp="1"/>
           </p:cNvSpPr>
@@ -11426,9 +9540,26 @@
           <a:lstStyle/>
           <a:p>
             <a:r>
+              <a:rPr lang="da-DK" dirty="0" err="1"/>
+              <a:t>Two</a:t>
+            </a:r>
+            <a:r>
               <a:rPr lang="da-DK" dirty="0"/>
-              <a:t>Method</a:t>
-            </a:r>
+              <a:t> Methods for </a:t>
+            </a:r>
+            <a:r>
+              <a:rPr lang="da-DK" dirty="0" err="1"/>
+              <a:t>selecting</a:t>
+            </a:r>
+            <a:r>
+              <a:rPr lang="da-DK" dirty="0"/>
+              <a:t> </a:t>
+            </a:r>
+            <a:r>
+              <a:rPr lang="da-DK" dirty="0" err="1"/>
+              <a:t>schemes</a:t>
+            </a:r>
+            <a:endParaRPr lang="da-DK" dirty="0"/>
           </a:p>
         </p:txBody>
       </p:sp>
@@ -11442,18 +9573,84 @@
             <p:ph idx="1"/>
           </p:nvPr>
         </p:nvSpPr>
-        <p:spPr/>
+        <p:spPr>
+          <a:xfrm>
+            <a:off x="549796" y="1239407"/>
+            <a:ext cx="10220325" cy="5008307"/>
+          </a:xfrm>
+        </p:spPr>
         <p:txBody>
           <a:bodyPr/>
           <a:lstStyle/>
           <a:p>
+            <a:pPr>
+              <a:buNone/>
+            </a:pPr>
+            <a:r>
+              <a:rPr lang="da-DK" dirty="0"/>
+              <a:t>Method:</a:t>
+            </a:r>
+          </a:p>
+          <a:p>
+            <a:pPr>
+              <a:buNone/>
+            </a:pPr>
+            <a:r>
+              <a:rPr lang="da-DK" dirty="0"/>
+              <a:t>1 </a:t>
+            </a:r>
             <a:r>
               <a:rPr lang="da-DK" dirty="0" err="1"/>
-              <a:t>Two</a:t>
+              <a:t>measuring</a:t>
             </a:r>
             <a:r>
               <a:rPr lang="da-DK" dirty="0"/>
-              <a:t> datasets from Dalby et al. 2023 </a:t>
+              <a:t> </a:t>
+            </a:r>
+            <a:r>
+              <a:rPr lang="da-DK" dirty="0" err="1"/>
+              <a:t>period</a:t>
+            </a:r>
+            <a:r>
+              <a:rPr lang="da-DK" dirty="0"/>
+              <a:t> = 7 </a:t>
+            </a:r>
+            <a:r>
+              <a:rPr lang="da-DK" dirty="0" err="1"/>
+              <a:t>days</a:t>
+            </a:r>
+            <a:r>
+              <a:rPr lang="da-DK" dirty="0"/>
+              <a:t> </a:t>
+            </a:r>
+          </a:p>
+          <a:p>
+            <a:pPr>
+              <a:buNone/>
+            </a:pPr>
+            <a:r>
+              <a:rPr lang="da-DK" dirty="0" err="1"/>
+              <a:t>Four</a:t>
+            </a:r>
+            <a:r>
+              <a:rPr lang="da-DK" dirty="0"/>
+              <a:t> </a:t>
+            </a:r>
+            <a:r>
+              <a:rPr lang="da-DK" dirty="0" err="1"/>
+              <a:t>predefined</a:t>
+            </a:r>
+            <a:r>
+              <a:rPr lang="da-DK" dirty="0"/>
+              <a:t> ”</a:t>
+            </a:r>
+            <a:r>
+              <a:rPr lang="da-DK" dirty="0" err="1"/>
+              <a:t>week</a:t>
+            </a:r>
+            <a:r>
+              <a:rPr lang="da-DK" dirty="0"/>
+              <a:t> sets” </a:t>
             </a:r>
             <a:r>
               <a:rPr lang="da-DK" dirty="0" err="1"/>
@@ -11461,260 +9658,102 @@
             </a:r>
             <a:r>
               <a:rPr lang="da-DK" dirty="0"/>
-              <a:t> </a:t>
-            </a:r>
-            <a:r>
-              <a:rPr lang="da-DK" dirty="0" err="1"/>
-              <a:t>selected</a:t>
-            </a:r>
+              <a:t> made</a:t>
+            </a:r>
+          </a:p>
+          <a:p>
+            <a:pPr>
+              <a:buNone/>
+            </a:pPr>
+            <a:endParaRPr lang="da-DK" dirty="0"/>
+          </a:p>
+          <a:p>
+            <a:pPr>
+              <a:buNone/>
+            </a:pPr>
             <a:r>
               <a:rPr lang="da-DK" dirty="0"/>
-              <a:t> as reference datasets. The </a:t>
-            </a:r>
-            <a:r>
-              <a:rPr lang="da-DK" dirty="0" err="1"/>
-              <a:t>control</a:t>
-            </a:r>
+              <a:t>set1: 1, 5, 9, </a:t>
+            </a:r>
+          </a:p>
+          <a:p>
+            <a:pPr>
+              <a:buNone/>
+            </a:pPr>
             <a:r>
               <a:rPr lang="da-DK" dirty="0"/>
-              <a:t> and </a:t>
-            </a:r>
-            <a:r>
-              <a:rPr lang="da-DK" dirty="0" err="1"/>
-              <a:t>weekly</a:t>
-            </a:r>
+              <a:t>set2: 4, 8, 12, </a:t>
+            </a:r>
+          </a:p>
+          <a:p>
+            <a:pPr>
+              <a:buNone/>
+            </a:pPr>
             <a:r>
               <a:rPr lang="da-DK" dirty="0"/>
-              <a:t> </a:t>
-            </a:r>
-            <a:r>
-              <a:rPr lang="da-DK" dirty="0" err="1"/>
-              <a:t>flushing</a:t>
-            </a:r>
+              <a:t>set3: 3, 7, 11 </a:t>
+            </a:r>
+          </a:p>
+          <a:p>
+            <a:pPr>
+              <a:buNone/>
+            </a:pPr>
             <a:r>
               <a:rPr lang="da-DK" dirty="0"/>
-              <a:t> </a:t>
-            </a:r>
-            <a:r>
-              <a:rPr lang="da-DK" dirty="0" err="1"/>
-              <a:t>sections</a:t>
-            </a:r>
-            <a:r>
-              <a:rPr lang="da-DK" dirty="0"/>
-              <a:t> </a:t>
-            </a:r>
-            <a:r>
-              <a:rPr lang="da-DK" dirty="0" err="1"/>
-              <a:t>were</a:t>
-            </a:r>
-            <a:r>
-              <a:rPr lang="da-DK" dirty="0"/>
-              <a:t> </a:t>
-            </a:r>
-            <a:r>
-              <a:rPr lang="da-DK" dirty="0" err="1"/>
-              <a:t>chosen</a:t>
-            </a:r>
-            <a:r>
-              <a:rPr lang="da-DK" dirty="0"/>
-              <a:t>. Emissions </a:t>
-            </a:r>
-            <a:r>
-              <a:rPr lang="da-DK" dirty="0" err="1"/>
-              <a:t>were</a:t>
-            </a:r>
-            <a:r>
-              <a:rPr lang="da-DK" dirty="0"/>
-              <a:t> </a:t>
-            </a:r>
-            <a:r>
-              <a:rPr lang="da-DK" dirty="0" err="1"/>
-              <a:t>including</a:t>
-            </a:r>
-            <a:r>
-              <a:rPr lang="da-DK" dirty="0"/>
-              <a:t> </a:t>
-            </a:r>
-            <a:r>
-              <a:rPr lang="da-DK" dirty="0" err="1"/>
-              <a:t>enteric</a:t>
-            </a:r>
-            <a:r>
-              <a:rPr lang="da-DK" dirty="0"/>
-              <a:t> emission. </a:t>
-            </a:r>
-          </a:p>
-          <a:p>
+              <a:t>set4: 2, 6, 10</a:t>
+            </a:r>
+          </a:p>
+          <a:p>
+            <a:pPr>
+              <a:buNone/>
+            </a:pPr>
             <a:endParaRPr lang="da-DK" dirty="0"/>
           </a:p>
-          <a:p>
-            <a:r>
-              <a:rPr lang="da-DK" dirty="0"/>
-              <a:t>The emissions rates in the datasets </a:t>
-            </a:r>
-            <a:r>
-              <a:rPr lang="da-DK" dirty="0" err="1"/>
-              <a:t>were</a:t>
-            </a:r>
-            <a:r>
-              <a:rPr lang="da-DK" dirty="0"/>
-              <a:t> </a:t>
-            </a:r>
-            <a:r>
-              <a:rPr lang="da-DK" dirty="0" err="1"/>
-              <a:t>scaled</a:t>
-            </a:r>
-            <a:r>
-              <a:rPr lang="da-DK" dirty="0"/>
-              <a:t> to emission factors from </a:t>
-            </a:r>
-            <a:r>
-              <a:rPr lang="da-DK" dirty="0" err="1"/>
-              <a:t>commercial</a:t>
-            </a:r>
-            <a:r>
-              <a:rPr lang="da-DK" dirty="0"/>
-              <a:t> pig farms. A list of the emission factors </a:t>
-            </a:r>
-            <a:r>
-              <a:rPr lang="da-DK" dirty="0" err="1"/>
-              <a:t>are</a:t>
-            </a:r>
-            <a:r>
-              <a:rPr lang="da-DK" dirty="0"/>
-              <a:t> </a:t>
-            </a:r>
-            <a:r>
-              <a:rPr lang="da-DK" dirty="0" err="1"/>
-              <a:t>also</a:t>
-            </a:r>
-            <a:r>
-              <a:rPr lang="da-DK" dirty="0"/>
-              <a:t> </a:t>
-            </a:r>
-            <a:r>
-              <a:rPr lang="da-DK" dirty="0" err="1"/>
-              <a:t>presented</a:t>
-            </a:r>
-            <a:r>
-              <a:rPr lang="da-DK" dirty="0"/>
-              <a:t> in Dalby et al. 2023. </a:t>
-            </a:r>
-          </a:p>
-          <a:p>
-            <a:endParaRPr lang="da-DK" dirty="0"/>
-          </a:p>
-          <a:p>
-            <a:r>
-              <a:rPr lang="da-DK" dirty="0" err="1"/>
-              <a:t>During</a:t>
-            </a:r>
-            <a:r>
-              <a:rPr lang="da-DK" dirty="0"/>
-              <a:t> </a:t>
-            </a:r>
-            <a:r>
-              <a:rPr lang="da-DK" dirty="0" err="1"/>
-              <a:t>each</a:t>
-            </a:r>
-            <a:r>
-              <a:rPr lang="da-DK" dirty="0"/>
-              <a:t> </a:t>
-            </a:r>
-            <a:r>
-              <a:rPr lang="da-DK" dirty="0" err="1"/>
-              <a:t>campaign</a:t>
-            </a:r>
-            <a:r>
-              <a:rPr lang="da-DK" dirty="0"/>
-              <a:t> simulation, 4 emission factors </a:t>
-            </a:r>
-            <a:r>
-              <a:rPr lang="da-DK" dirty="0" err="1"/>
-              <a:t>were</a:t>
-            </a:r>
-            <a:r>
-              <a:rPr lang="da-DK" dirty="0"/>
-              <a:t> </a:t>
-            </a:r>
-            <a:r>
-              <a:rPr lang="da-DK" dirty="0" err="1"/>
-              <a:t>randomly</a:t>
-            </a:r>
-            <a:r>
-              <a:rPr lang="da-DK" dirty="0"/>
-              <a:t> </a:t>
-            </a:r>
-            <a:r>
-              <a:rPr lang="da-DK" dirty="0" err="1"/>
-              <a:t>sampled</a:t>
-            </a:r>
-            <a:r>
-              <a:rPr lang="da-DK" dirty="0"/>
-              <a:t>, </a:t>
-            </a:r>
-            <a:r>
-              <a:rPr lang="da-DK" dirty="0" err="1"/>
-              <a:t>thereby</a:t>
-            </a:r>
-            <a:r>
-              <a:rPr lang="da-DK" dirty="0"/>
-              <a:t> </a:t>
-            </a:r>
-            <a:r>
-              <a:rPr lang="da-DK" dirty="0" err="1"/>
-              <a:t>creating</a:t>
-            </a:r>
-            <a:r>
-              <a:rPr lang="da-DK" dirty="0"/>
-              <a:t> </a:t>
-            </a:r>
-            <a:r>
-              <a:rPr lang="da-DK" dirty="0" err="1"/>
-              <a:t>four</a:t>
-            </a:r>
-            <a:r>
-              <a:rPr lang="da-DK" dirty="0"/>
-              <a:t> datasets with </a:t>
-            </a:r>
-            <a:r>
-              <a:rPr lang="da-DK" dirty="0" err="1"/>
-              <a:t>random</a:t>
-            </a:r>
-            <a:r>
-              <a:rPr lang="da-DK" dirty="0"/>
-              <a:t> </a:t>
-            </a:r>
-            <a:r>
-              <a:rPr lang="da-DK" dirty="0" err="1"/>
-              <a:t>absolute</a:t>
-            </a:r>
-            <a:r>
-              <a:rPr lang="da-DK" dirty="0"/>
-              <a:t> emission (but the same emission pattern as the Dalby datasets). </a:t>
-            </a:r>
-          </a:p>
-          <a:p>
-            <a:endParaRPr lang="da-DK" dirty="0"/>
-          </a:p>
-          <a:p>
-            <a:endParaRPr lang="da-DK" dirty="0"/>
-          </a:p>
-          <a:p>
-            <a:endParaRPr lang="da-DK" dirty="0"/>
-          </a:p>
-          <a:p>
-            <a:endParaRPr lang="da-DK" dirty="0"/>
-          </a:p>
-        </p:txBody>
-      </p:sp>
+        </p:txBody>
+      </p:sp>
+      <p:pic>
+        <p:nvPicPr>
+          <p:cNvPr id="9" name="Picture 8" descr="A graph with many colored dots&#10;&#10;Description automatically generated">
+            <a:extLst>
+              <a:ext uri="{FF2B5EF4-FFF2-40B4-BE49-F238E27FC236}">
+                <a16:creationId xmlns:a16="http://schemas.microsoft.com/office/drawing/2014/main" id="{71214D9D-0203-1278-7C26-574498B155A3}"/>
+              </a:ext>
+            </a:extLst>
+          </p:cNvPr>
+          <p:cNvPicPr>
+            <a:picLocks noChangeAspect="1"/>
+          </p:cNvPicPr>
+          <p:nvPr/>
+        </p:nvPicPr>
+        <p:blipFill>
+          <a:blip r:embed="rId4">
+            <a:extLst>
+              <a:ext uri="{28A0092B-C50C-407E-A947-70E740481C1C}">
+                <a14:useLocalDpi xmlns:a14="http://schemas.microsoft.com/office/drawing/2010/main" val="0"/>
+              </a:ext>
+            </a:extLst>
+          </a:blip>
+          <a:stretch>
+            <a:fillRect/>
+          </a:stretch>
+        </p:blipFill>
+        <p:spPr>
+          <a:xfrm>
+            <a:off x="5982294" y="836712"/>
+            <a:ext cx="5488371" cy="5910553"/>
+          </a:xfrm>
+          <a:prstGeom prst="rect">
+            <a:avLst/>
+          </a:prstGeom>
+        </p:spPr>
+      </p:pic>
     </p:spTree>
     <p:custDataLst>
       <p:tags r:id="rId1"/>
     </p:custDataLst>
     <p:extLst>
       <p:ext uri="{BB962C8B-B14F-4D97-AF65-F5344CB8AC3E}">
-        <p14:creationId xmlns:p14="http://schemas.microsoft.com/office/powerpoint/2010/main" val="2813365767"/>
+        <p14:creationId xmlns:p14="http://schemas.microsoft.com/office/powerpoint/2010/main" val="3535925220"/>
       </p:ext>
     </p:extLst>
   </p:cSld>
@@ -11743,12 +9782,12 @@
       </p:grpSpPr>
       <p:sp>
         <p:nvSpPr>
-          <p:cNvPr id="4" name="Title 3"/>
+          <p:cNvPr id="2" name="Date Placeholder 1"/>
           <p:cNvSpPr>
             <a:spLocks noGrp="1"/>
           </p:cNvSpPr>
           <p:nvPr>
-            <p:ph type="title"/>
+            <p:ph type="dt" sz="half" idx="13"/>
           </p:nvPr>
         </p:nvSpPr>
         <p:spPr/>
@@ -11756,457 +9795,400 @@
           <a:bodyPr/>
           <a:lstStyle/>
           <a:p>
-            <a:r>
-              <a:rPr lang="da-DK" dirty="0" err="1"/>
-              <a:t>Two</a:t>
-            </a:r>
+            <a:fld id="{EBD85B7D-E9A5-49E0-8ACF-AF93CE3E556F}" type="datetime1">
+              <a:rPr lang="da-DK" smtClean="0"/>
+              <a:t>28-09-2023</a:t>
+            </a:fld>
             <a:r>
               <a:rPr lang="da-DK" dirty="0"/>
+              <a:t>20-09-2023</a:t>
+            </a:r>
+          </a:p>
+        </p:txBody>
+      </p:sp>
+      <p:pic>
+        <p:nvPicPr>
+          <p:cNvPr id="3" name="Picture 2" descr="A screenshot of a graph&#10;&#10;Description automatically generated">
+            <a:extLst>
+              <a:ext uri="{FF2B5EF4-FFF2-40B4-BE49-F238E27FC236}">
+                <a16:creationId xmlns:a16="http://schemas.microsoft.com/office/drawing/2014/main" id="{CA226287-4EFF-DD01-4714-E0062B6F90D8}"/>
+              </a:ext>
+            </a:extLst>
+          </p:cNvPr>
+          <p:cNvPicPr>
+            <a:picLocks noChangeAspect="1"/>
+          </p:cNvPicPr>
+          <p:nvPr/>
+        </p:nvPicPr>
+        <p:blipFill>
+          <a:blip r:embed="rId2">
+            <a:extLst>
+              <a:ext uri="{28A0092B-C50C-407E-A947-70E740481C1C}">
+                <a14:useLocalDpi xmlns:a14="http://schemas.microsoft.com/office/drawing/2010/main" val="0"/>
+              </a:ext>
+            </a:extLst>
+          </a:blip>
+          <a:stretch>
+            <a:fillRect/>
+          </a:stretch>
+        </p:blipFill>
+        <p:spPr>
+          <a:xfrm>
+            <a:off x="6094412" y="332656"/>
+            <a:ext cx="5943612" cy="6400813"/>
+          </a:xfrm>
+          <a:prstGeom prst="rect">
+            <a:avLst/>
+          </a:prstGeom>
+        </p:spPr>
+      </p:pic>
+      <p:sp>
+        <p:nvSpPr>
+          <p:cNvPr id="4" name="Content Placeholder 4">
+            <a:extLst>
+              <a:ext uri="{FF2B5EF4-FFF2-40B4-BE49-F238E27FC236}">
+                <a16:creationId xmlns:a16="http://schemas.microsoft.com/office/drawing/2014/main" id="{69F2B361-BCE7-29C0-6728-6AC17FF806A3}"/>
+              </a:ext>
+            </a:extLst>
+          </p:cNvPr>
+          <p:cNvSpPr txBox="1">
+            <a:spLocks/>
+          </p:cNvSpPr>
+          <p:nvPr/>
+        </p:nvSpPr>
+        <p:spPr>
+          <a:xfrm>
+            <a:off x="261764" y="764704"/>
+            <a:ext cx="10220325" cy="5008307"/>
+          </a:xfrm>
+          <a:prstGeom prst="rect">
+            <a:avLst/>
+          </a:prstGeom>
+        </p:spPr>
+        <p:txBody>
+          <a:bodyPr/>
+          <a:lstStyle>
+            <a:lvl1pPr marL="0" indent="0" algn="l" rtl="0" eaLnBrk="1" fontAlgn="base" hangingPunct="1">
+              <a:lnSpc>
+                <a:spcPct val="99000"/>
+              </a:lnSpc>
+              <a:spcBef>
+                <a:spcPts val="600"/>
+              </a:spcBef>
+              <a:spcAft>
+                <a:spcPct val="0"/>
+              </a:spcAft>
+              <a:buClr>
+                <a:schemeClr val="tx1"/>
+              </a:buClr>
+              <a:buSzPct val="100000"/>
+              <a:buFont typeface="Calibri" panose="020F0502020204030204" pitchFamily="34" charset="0"/>
+              <a:buChar char="​"/>
+              <a:defRPr sz="2000" b="0">
+                <a:solidFill>
+                  <a:schemeClr val="tx1"/>
+                </a:solidFill>
+                <a:latin typeface="+mn-lt"/>
+                <a:ea typeface="+mn-ea"/>
+                <a:cs typeface="+mn-cs"/>
+              </a:defRPr>
+            </a:lvl1pPr>
+            <a:lvl2pPr marL="432000" indent="-180000" algn="l" rtl="0" eaLnBrk="1" fontAlgn="base" hangingPunct="1">
+              <a:lnSpc>
+                <a:spcPct val="99000"/>
+              </a:lnSpc>
+              <a:spcBef>
+                <a:spcPts val="600"/>
+              </a:spcBef>
+              <a:spcAft>
+                <a:spcPct val="0"/>
+              </a:spcAft>
+              <a:buClr>
+                <a:schemeClr val="tx1"/>
+              </a:buClr>
+              <a:buSzPct val="100000"/>
+              <a:buFont typeface="Arial" panose="020B0604020202020204" pitchFamily="34" charset="0"/>
+              <a:buChar char="•"/>
+              <a:defRPr sz="2000">
+                <a:solidFill>
+                  <a:schemeClr val="tx1"/>
+                </a:solidFill>
+                <a:latin typeface="+mn-lt"/>
+              </a:defRPr>
+            </a:lvl2pPr>
+            <a:lvl3pPr marL="756000" indent="-180000" algn="l" rtl="0" eaLnBrk="1" fontAlgn="base" hangingPunct="1">
+              <a:lnSpc>
+                <a:spcPct val="99000"/>
+              </a:lnSpc>
+              <a:spcBef>
+                <a:spcPts val="600"/>
+              </a:spcBef>
+              <a:spcAft>
+                <a:spcPct val="0"/>
+              </a:spcAft>
+              <a:buClr>
+                <a:schemeClr val="tx1"/>
+              </a:buClr>
+              <a:buSzPct val="100000"/>
+              <a:buFont typeface="Arial" panose="020B0604020202020204" pitchFamily="34" charset="0"/>
+              <a:buChar char="•"/>
+              <a:defRPr sz="2000">
+                <a:solidFill>
+                  <a:schemeClr val="tx1"/>
+                </a:solidFill>
+                <a:latin typeface="+mn-lt"/>
+              </a:defRPr>
+            </a:lvl3pPr>
+            <a:lvl4pPr marL="1152000" indent="-180000" algn="l" rtl="0" eaLnBrk="1" fontAlgn="base" hangingPunct="1">
+              <a:lnSpc>
+                <a:spcPct val="99000"/>
+              </a:lnSpc>
+              <a:spcBef>
+                <a:spcPts val="600"/>
+              </a:spcBef>
+              <a:spcAft>
+                <a:spcPct val="0"/>
+              </a:spcAft>
+              <a:buClr>
+                <a:schemeClr val="tx1"/>
+              </a:buClr>
+              <a:buSzPct val="100000"/>
+              <a:buFont typeface="Arial" panose="020B0604020202020204" pitchFamily="34" charset="0"/>
+              <a:buChar char="•"/>
+              <a:defRPr sz="2000">
+                <a:solidFill>
+                  <a:schemeClr val="tx1"/>
+                </a:solidFill>
+                <a:latin typeface="+mn-lt"/>
+              </a:defRPr>
+            </a:lvl4pPr>
+            <a:lvl5pPr marL="1512000" indent="-180000" algn="l" rtl="0" eaLnBrk="1" fontAlgn="base" hangingPunct="1">
+              <a:lnSpc>
+                <a:spcPct val="99000"/>
+              </a:lnSpc>
+              <a:spcBef>
+                <a:spcPts val="600"/>
+              </a:spcBef>
+              <a:spcAft>
+                <a:spcPct val="0"/>
+              </a:spcAft>
+              <a:buClr>
+                <a:schemeClr val="tx1"/>
+              </a:buClr>
+              <a:buSzPct val="100000"/>
+              <a:buFont typeface="Arial" panose="020B0604020202020204" pitchFamily="34" charset="0"/>
+              <a:buChar char="•"/>
+              <a:defRPr sz="2000">
+                <a:solidFill>
+                  <a:schemeClr val="tx1"/>
+                </a:solidFill>
+                <a:latin typeface="+mn-lt"/>
+              </a:defRPr>
+            </a:lvl5pPr>
+            <a:lvl6pPr marL="1836000" indent="-180000" algn="l" rtl="0" eaLnBrk="1" fontAlgn="base" hangingPunct="1">
+              <a:lnSpc>
+                <a:spcPct val="99000"/>
+              </a:lnSpc>
+              <a:spcBef>
+                <a:spcPts val="600"/>
+              </a:spcBef>
+              <a:spcAft>
+                <a:spcPct val="0"/>
+              </a:spcAft>
+              <a:buClr>
+                <a:schemeClr val="tx1"/>
+              </a:buClr>
+              <a:buFont typeface="Arial" panose="020B0604020202020204" pitchFamily="34" charset="0"/>
+              <a:buChar char="•"/>
+              <a:defRPr sz="2000">
+                <a:solidFill>
+                  <a:schemeClr val="tx1"/>
+                </a:solidFill>
+                <a:latin typeface="+mn-lt"/>
+              </a:defRPr>
+            </a:lvl6pPr>
+            <a:lvl7pPr marL="1836000" indent="-180000" algn="l" rtl="0" eaLnBrk="1" fontAlgn="base" hangingPunct="1">
+              <a:lnSpc>
+                <a:spcPct val="99000"/>
+              </a:lnSpc>
+              <a:spcBef>
+                <a:spcPts val="600"/>
+              </a:spcBef>
+              <a:spcAft>
+                <a:spcPct val="0"/>
+              </a:spcAft>
+              <a:buClr>
+                <a:schemeClr val="tx1"/>
+              </a:buClr>
+              <a:buFont typeface="Arial" panose="020B0604020202020204" pitchFamily="34" charset="0"/>
+              <a:buChar char="•"/>
+              <a:defRPr sz="2000">
+                <a:solidFill>
+                  <a:schemeClr val="tx1"/>
+                </a:solidFill>
+                <a:latin typeface="+mn-lt"/>
+              </a:defRPr>
+            </a:lvl7pPr>
+            <a:lvl8pPr marL="1836000" indent="-180000" algn="l" rtl="0" eaLnBrk="1" fontAlgn="base" hangingPunct="1">
+              <a:lnSpc>
+                <a:spcPct val="99000"/>
+              </a:lnSpc>
+              <a:spcBef>
+                <a:spcPts val="600"/>
+              </a:spcBef>
+              <a:spcAft>
+                <a:spcPct val="0"/>
+              </a:spcAft>
+              <a:buClr>
+                <a:schemeClr val="tx1"/>
+              </a:buClr>
+              <a:buFont typeface="Arial" panose="020B0604020202020204" pitchFamily="34" charset="0"/>
+              <a:buChar char="•"/>
+              <a:defRPr sz="2000">
+                <a:solidFill>
+                  <a:schemeClr val="tx1"/>
+                </a:solidFill>
+                <a:latin typeface="+mn-lt"/>
+              </a:defRPr>
+            </a:lvl8pPr>
+            <a:lvl9pPr marL="1836000" indent="-180000" algn="l" rtl="0" eaLnBrk="1" fontAlgn="base" hangingPunct="1">
+              <a:lnSpc>
+                <a:spcPct val="99000"/>
+              </a:lnSpc>
+              <a:spcBef>
+                <a:spcPts val="600"/>
+              </a:spcBef>
+              <a:spcAft>
+                <a:spcPct val="0"/>
+              </a:spcAft>
+              <a:buClr>
+                <a:schemeClr val="tx1"/>
+              </a:buClr>
+              <a:buFont typeface="Arial" panose="020B0604020202020204" pitchFamily="34" charset="0"/>
+              <a:buChar char="•"/>
+              <a:defRPr sz="2000">
+                <a:solidFill>
+                  <a:schemeClr val="tx1"/>
+                </a:solidFill>
+                <a:latin typeface="+mn-lt"/>
+              </a:defRPr>
+            </a:lvl9pPr>
+          </a:lstStyle>
+          <a:p>
+            <a:pPr>
+              <a:buFont typeface="Calibri" panose="020F0502020204030204" pitchFamily="34" charset="0"/>
+              <a:buNone/>
+            </a:pPr>
+            <a:r>
+              <a:rPr lang="da-DK" kern="0" dirty="0"/>
+              <a:t>The </a:t>
+            </a:r>
+            <a:r>
+              <a:rPr lang="da-DK" kern="0" dirty="0" err="1"/>
+              <a:t>partial</a:t>
+            </a:r>
+            <a:r>
+              <a:rPr lang="da-DK" kern="0" dirty="0"/>
+              <a:t> datasets </a:t>
+            </a:r>
+            <a:r>
+              <a:rPr lang="da-DK" kern="0" dirty="0" err="1"/>
+              <a:t>were</a:t>
+            </a:r>
+            <a:r>
+              <a:rPr lang="da-DK" kern="0" dirty="0"/>
               <a:t> </a:t>
             </a:r>
             <a:r>
-              <a:rPr lang="da-DK" dirty="0" err="1"/>
-              <a:t>measuring</a:t>
-            </a:r>
-            <a:r>
-              <a:rPr lang="da-DK" dirty="0"/>
+              <a:rPr lang="da-DK" kern="0" dirty="0" err="1"/>
+              <a:t>compared</a:t>
+            </a:r>
+            <a:r>
+              <a:rPr lang="da-DK" kern="0" dirty="0"/>
+              <a:t> to the </a:t>
+            </a:r>
+            <a:r>
+              <a:rPr lang="da-DK" kern="0" dirty="0" err="1"/>
+              <a:t>full</a:t>
+            </a:r>
+            <a:endParaRPr lang="da-DK" kern="0" dirty="0"/>
+          </a:p>
+          <a:p>
+            <a:pPr>
+              <a:buFont typeface="Calibri" panose="020F0502020204030204" pitchFamily="34" charset="0"/>
+              <a:buNone/>
+            </a:pPr>
+            <a:r>
+              <a:rPr lang="da-DK" kern="0" dirty="0"/>
+              <a:t>Dataset to </a:t>
+            </a:r>
+            <a:r>
+              <a:rPr lang="da-DK" kern="0" dirty="0" err="1"/>
+              <a:t>calculate</a:t>
+            </a:r>
+            <a:r>
+              <a:rPr lang="da-DK" kern="0" dirty="0"/>
               <a:t> </a:t>
             </a:r>
             <a:r>
-              <a:rPr lang="da-DK" dirty="0" err="1"/>
-              <a:t>schemes</a:t>
-            </a:r>
-            <a:endParaRPr lang="da-DK" dirty="0"/>
-          </a:p>
-        </p:txBody>
-      </p:sp>
-      <p:sp>
-        <p:nvSpPr>
-          <p:cNvPr id="5" name="Content Placeholder 4"/>
-          <p:cNvSpPr>
-            <a:spLocks noGrp="1"/>
-          </p:cNvSpPr>
-          <p:nvPr>
-            <p:ph idx="1"/>
-          </p:nvPr>
-        </p:nvSpPr>
-        <p:spPr>
-          <a:xfrm>
-            <a:off x="985838" y="1373020"/>
-            <a:ext cx="10220325" cy="5008307"/>
-          </a:xfrm>
-        </p:spPr>
-        <p:txBody>
-          <a:bodyPr/>
-          <a:lstStyle/>
-          <a:p>
-            <a:r>
-              <a:rPr lang="da-DK" dirty="0"/>
-              <a:t>In </a:t>
-            </a:r>
-            <a:r>
-              <a:rPr lang="da-DK" dirty="0" err="1"/>
-              <a:t>Scheme</a:t>
-            </a:r>
-            <a:r>
-              <a:rPr lang="da-DK" dirty="0"/>
-              <a:t> 1. </a:t>
-            </a:r>
+              <a:rPr lang="da-DK" kern="0" dirty="0" err="1"/>
+              <a:t>error</a:t>
+            </a:r>
+            <a:endParaRPr lang="da-DK" kern="0" dirty="0"/>
           </a:p>
           <a:p>
             <a:pPr>
+              <a:buFont typeface="Calibri" panose="020F0502020204030204" pitchFamily="34" charset="0"/>
               <a:buNone/>
             </a:pPr>
             <a:r>
-              <a:rPr lang="da-DK" dirty="0"/>
-              <a:t>1 </a:t>
-            </a:r>
-            <a:r>
-              <a:rPr lang="da-DK" dirty="0" err="1"/>
-              <a:t>measuring</a:t>
-            </a:r>
-            <a:r>
-              <a:rPr lang="da-DK" dirty="0"/>
-              <a:t> </a:t>
-            </a:r>
-            <a:r>
-              <a:rPr lang="da-DK" dirty="0" err="1"/>
-              <a:t>period</a:t>
-            </a:r>
-            <a:r>
-              <a:rPr lang="da-DK" dirty="0"/>
-              <a:t> = 7 </a:t>
-            </a:r>
-            <a:r>
-              <a:rPr lang="da-DK" dirty="0" err="1"/>
-              <a:t>days</a:t>
-            </a:r>
-            <a:r>
-              <a:rPr lang="da-DK" dirty="0"/>
-              <a:t> </a:t>
+              <a:rPr lang="da-DK" kern="0" dirty="0"/>
+              <a:t>set1: 1, 5, 9, </a:t>
             </a:r>
           </a:p>
           <a:p>
             <a:pPr>
+              <a:buFont typeface="Calibri" panose="020F0502020204030204" pitchFamily="34" charset="0"/>
               <a:buNone/>
             </a:pPr>
             <a:r>
-              <a:rPr lang="da-DK" dirty="0"/>
-              <a:t>2 </a:t>
-            </a:r>
-            <a:r>
-              <a:rPr lang="da-DK" dirty="0" err="1"/>
-              <a:t>measuring</a:t>
-            </a:r>
-            <a:r>
-              <a:rPr lang="da-DK" dirty="0"/>
-              <a:t> </a:t>
-            </a:r>
-            <a:r>
-              <a:rPr lang="da-DK" dirty="0" err="1"/>
-              <a:t>periods</a:t>
-            </a:r>
-            <a:r>
-              <a:rPr lang="da-DK" dirty="0"/>
-              <a:t> per batch, with 1 </a:t>
-            </a:r>
-            <a:r>
-              <a:rPr lang="da-DK" dirty="0" err="1"/>
-              <a:t>measuring</a:t>
-            </a:r>
-            <a:r>
-              <a:rPr lang="da-DK" dirty="0"/>
-              <a:t> </a:t>
-            </a:r>
-            <a:r>
-              <a:rPr lang="da-DK" dirty="0" err="1"/>
-              <a:t>period</a:t>
-            </a:r>
-            <a:r>
-              <a:rPr lang="da-DK" dirty="0"/>
-              <a:t> in </a:t>
-            </a:r>
-            <a:r>
-              <a:rPr lang="da-DK" dirty="0" err="1"/>
-              <a:t>each</a:t>
-            </a:r>
-            <a:r>
-              <a:rPr lang="da-DK" dirty="0"/>
-              <a:t> </a:t>
-            </a:r>
-            <a:r>
-              <a:rPr lang="da-DK" dirty="0" err="1"/>
-              <a:t>half</a:t>
-            </a:r>
-            <a:r>
-              <a:rPr lang="da-DK" dirty="0"/>
-              <a:t> of the batch. The </a:t>
-            </a:r>
-            <a:r>
-              <a:rPr lang="da-DK" dirty="0" err="1"/>
-              <a:t>measuring</a:t>
-            </a:r>
-            <a:r>
-              <a:rPr lang="da-DK" dirty="0"/>
-              <a:t> </a:t>
-            </a:r>
-            <a:r>
-              <a:rPr lang="da-DK" dirty="0" err="1"/>
-              <a:t>periods</a:t>
-            </a:r>
-            <a:r>
-              <a:rPr lang="da-DK" dirty="0"/>
-              <a:t> </a:t>
-            </a:r>
-            <a:r>
-              <a:rPr lang="da-DK" dirty="0" err="1"/>
-              <a:t>were</a:t>
-            </a:r>
-            <a:r>
-              <a:rPr lang="da-DK" dirty="0"/>
-              <a:t> </a:t>
-            </a:r>
-            <a:r>
-              <a:rPr lang="da-DK" dirty="0" err="1"/>
-              <a:t>randomly</a:t>
-            </a:r>
-            <a:r>
-              <a:rPr lang="da-DK" dirty="0"/>
-              <a:t> </a:t>
-            </a:r>
-            <a:r>
-              <a:rPr lang="da-DK" dirty="0" err="1"/>
-              <a:t>assigned</a:t>
-            </a:r>
-            <a:r>
-              <a:rPr lang="da-DK" dirty="0"/>
-              <a:t> in </a:t>
-            </a:r>
-            <a:r>
-              <a:rPr lang="da-DK" dirty="0" err="1"/>
-              <a:t>each</a:t>
-            </a:r>
-            <a:r>
-              <a:rPr lang="da-DK" dirty="0"/>
-              <a:t> </a:t>
-            </a:r>
-            <a:r>
-              <a:rPr lang="da-DK" dirty="0" err="1"/>
-              <a:t>half</a:t>
-            </a:r>
-            <a:r>
-              <a:rPr lang="da-DK" dirty="0"/>
-              <a:t>. This gives 8 </a:t>
-            </a:r>
-            <a:r>
-              <a:rPr lang="da-DK" dirty="0" err="1"/>
-              <a:t>measuring</a:t>
-            </a:r>
-            <a:r>
-              <a:rPr lang="da-DK" dirty="0"/>
-              <a:t> </a:t>
-            </a:r>
-            <a:r>
-              <a:rPr lang="da-DK" dirty="0" err="1"/>
-              <a:t>periods</a:t>
-            </a:r>
-            <a:r>
-              <a:rPr lang="da-DK" dirty="0"/>
-              <a:t> pr. batch pr. </a:t>
-            </a:r>
-            <a:r>
-              <a:rPr lang="da-DK" dirty="0" err="1"/>
-              <a:t>year</a:t>
-            </a:r>
-            <a:r>
-              <a:rPr lang="da-DK" dirty="0"/>
-              <a:t>.</a:t>
+              <a:rPr lang="da-DK" kern="0" dirty="0"/>
+              <a:t>set2: 4, 8, 12, </a:t>
             </a:r>
           </a:p>
           <a:p>
             <a:pPr>
+              <a:buFont typeface="Calibri" panose="020F0502020204030204" pitchFamily="34" charset="0"/>
               <a:buNone/>
             </a:pPr>
-            <a:endParaRPr lang="da-DK" dirty="0"/>
+            <a:r>
+              <a:rPr lang="da-DK" kern="0" dirty="0"/>
+              <a:t>set3: 3, 7, 11 </a:t>
+            </a:r>
           </a:p>
           <a:p>
             <a:pPr>
+              <a:buFont typeface="Calibri" panose="020F0502020204030204" pitchFamily="34" charset="0"/>
               <a:buNone/>
             </a:pPr>
             <a:r>
-              <a:rPr lang="da-DK" dirty="0"/>
-              <a:t>In </a:t>
-            </a:r>
-            <a:r>
-              <a:rPr lang="da-DK" dirty="0" err="1"/>
-              <a:t>Scheme</a:t>
-            </a:r>
-            <a:r>
-              <a:rPr lang="da-DK" dirty="0"/>
-              <a:t> 2.</a:t>
+              <a:rPr lang="da-DK" kern="0" dirty="0"/>
+              <a:t>set4: 2, 6, 10</a:t>
             </a:r>
           </a:p>
           <a:p>
             <a:pPr>
+              <a:buFont typeface="Calibri" panose="020F0502020204030204" pitchFamily="34" charset="0"/>
               <a:buNone/>
             </a:pPr>
-            <a:r>
-              <a:rPr lang="da-DK" dirty="0"/>
-              <a:t>1 </a:t>
-            </a:r>
-            <a:r>
-              <a:rPr lang="da-DK" dirty="0" err="1"/>
-              <a:t>measuring</a:t>
-            </a:r>
-            <a:r>
-              <a:rPr lang="da-DK" dirty="0"/>
-              <a:t> </a:t>
-            </a:r>
-            <a:r>
-              <a:rPr lang="da-DK" dirty="0" err="1"/>
-              <a:t>period</a:t>
-            </a:r>
-            <a:r>
-              <a:rPr lang="da-DK" dirty="0"/>
-              <a:t> = 7 </a:t>
-            </a:r>
-            <a:r>
-              <a:rPr lang="da-DK" dirty="0" err="1"/>
-              <a:t>days</a:t>
-            </a:r>
-            <a:r>
-              <a:rPr lang="da-DK" dirty="0"/>
-              <a:t> </a:t>
-            </a:r>
-          </a:p>
-          <a:p>
-            <a:pPr>
-              <a:buNone/>
-            </a:pPr>
-            <a:r>
-              <a:rPr lang="da-DK" dirty="0" err="1"/>
-              <a:t>Four</a:t>
-            </a:r>
-            <a:r>
-              <a:rPr lang="da-DK" dirty="0"/>
-              <a:t> </a:t>
-            </a:r>
-            <a:r>
-              <a:rPr lang="da-DK" dirty="0" err="1"/>
-              <a:t>predefined</a:t>
-            </a:r>
-            <a:r>
-              <a:rPr lang="da-DK" dirty="0"/>
-              <a:t> </a:t>
-            </a:r>
-            <a:r>
-              <a:rPr lang="da-DK" dirty="0" err="1"/>
-              <a:t>week</a:t>
-            </a:r>
-            <a:r>
-              <a:rPr lang="da-DK" dirty="0"/>
-              <a:t> sets </a:t>
-            </a:r>
-            <a:r>
-              <a:rPr lang="da-DK" dirty="0" err="1"/>
-              <a:t>were</a:t>
-            </a:r>
-            <a:r>
-              <a:rPr lang="da-DK" dirty="0"/>
-              <a:t> made and the sets </a:t>
-            </a:r>
-            <a:r>
-              <a:rPr lang="da-DK" dirty="0" err="1"/>
-              <a:t>were</a:t>
-            </a:r>
-            <a:r>
-              <a:rPr lang="da-DK" dirty="0"/>
-              <a:t> </a:t>
-            </a:r>
-            <a:r>
-              <a:rPr lang="da-DK" dirty="0" err="1"/>
-              <a:t>during</a:t>
-            </a:r>
-            <a:r>
-              <a:rPr lang="da-DK" dirty="0"/>
-              <a:t> </a:t>
-            </a:r>
-            <a:r>
-              <a:rPr lang="da-DK" dirty="0" err="1"/>
-              <a:t>each</a:t>
-            </a:r>
-            <a:r>
-              <a:rPr lang="da-DK" dirty="0"/>
-              <a:t> simulation </a:t>
-            </a:r>
-            <a:r>
-              <a:rPr lang="da-DK" dirty="0" err="1"/>
-              <a:t>assigned</a:t>
-            </a:r>
-            <a:r>
-              <a:rPr lang="da-DK" dirty="0"/>
-              <a:t> </a:t>
-            </a:r>
-            <a:r>
-              <a:rPr lang="da-DK" dirty="0" err="1"/>
-              <a:t>randomly</a:t>
-            </a:r>
-            <a:r>
-              <a:rPr lang="da-DK" dirty="0"/>
-              <a:t> to the </a:t>
-            </a:r>
-            <a:r>
-              <a:rPr lang="da-DK" dirty="0" err="1"/>
-              <a:t>four</a:t>
-            </a:r>
-            <a:r>
-              <a:rPr lang="da-DK" dirty="0"/>
-              <a:t> </a:t>
-            </a:r>
-            <a:r>
-              <a:rPr lang="da-DK" dirty="0" err="1"/>
-              <a:t>batches</a:t>
-            </a:r>
-            <a:r>
-              <a:rPr lang="da-DK" dirty="0"/>
-              <a:t>. In total 12 </a:t>
-            </a:r>
-            <a:r>
-              <a:rPr lang="da-DK" dirty="0" err="1"/>
-              <a:t>measuring</a:t>
-            </a:r>
-            <a:r>
-              <a:rPr lang="da-DK" dirty="0"/>
-              <a:t> </a:t>
-            </a:r>
-            <a:r>
-              <a:rPr lang="da-DK" dirty="0" err="1"/>
-              <a:t>periods</a:t>
-            </a:r>
-            <a:r>
-              <a:rPr lang="da-DK" dirty="0"/>
-              <a:t> pr. batch pr. </a:t>
-            </a:r>
-            <a:r>
-              <a:rPr lang="da-DK" dirty="0" err="1"/>
-              <a:t>year</a:t>
-            </a:r>
-            <a:r>
-              <a:rPr lang="da-DK" dirty="0"/>
-              <a:t>.</a:t>
-            </a:r>
-          </a:p>
-          <a:p>
-            <a:pPr>
-              <a:buNone/>
-            </a:pPr>
-            <a:r>
-              <a:rPr lang="da-DK" dirty="0"/>
-              <a:t>set1: 1, 5, 9, </a:t>
-            </a:r>
-          </a:p>
-          <a:p>
-            <a:pPr>
-              <a:buNone/>
-            </a:pPr>
-            <a:r>
-              <a:rPr lang="da-DK" dirty="0"/>
-              <a:t>set2: 4, 8, 12, </a:t>
-            </a:r>
-          </a:p>
-          <a:p>
-            <a:pPr>
-              <a:buNone/>
-            </a:pPr>
-            <a:r>
-              <a:rPr lang="da-DK" dirty="0"/>
-              <a:t>set3: 3, 7, 11 </a:t>
-            </a:r>
-          </a:p>
-          <a:p>
-            <a:pPr>
-              <a:buNone/>
-            </a:pPr>
-            <a:r>
-              <a:rPr lang="da-DK" dirty="0"/>
-              <a:t>set 4: 2, 6, 10</a:t>
-            </a:r>
-          </a:p>
-          <a:p>
-            <a:pPr>
-              <a:buNone/>
-            </a:pPr>
-            <a:endParaRPr lang="da-DK" dirty="0"/>
+            <a:endParaRPr lang="da-DK" kern="0" dirty="0"/>
           </a:p>
         </p:txBody>
       </p:sp>
     </p:spTree>
-    <p:custDataLst>
-      <p:tags r:id="rId1"/>
-    </p:custDataLst>
     <p:extLst>
       <p:ext uri="{BB962C8B-B14F-4D97-AF65-F5344CB8AC3E}">
-        <p14:creationId xmlns:p14="http://schemas.microsoft.com/office/powerpoint/2010/main" val="3535925220"/>
+        <p14:creationId xmlns:p14="http://schemas.microsoft.com/office/powerpoint/2010/main" val="1186159921"/>
       </p:ext>
     </p:extLst>
   </p:cSld>
@@ -12235,7 +10217,13 @@
       </p:grpSpPr>
       <p:sp>
         <p:nvSpPr>
-          <p:cNvPr id="2" name="Date Placeholder 1"/>
+          <p:cNvPr id="2" name="Date Placeholder 1">
+            <a:extLst>
+              <a:ext uri="{FF2B5EF4-FFF2-40B4-BE49-F238E27FC236}">
+                <a16:creationId xmlns:a16="http://schemas.microsoft.com/office/drawing/2014/main" id="{A77A5A47-7D61-793E-065A-7A8B47CA1A51}"/>
+              </a:ext>
+            </a:extLst>
+          </p:cNvPr>
           <p:cNvSpPr>
             <a:spLocks noGrp="1"/>
           </p:cNvSpPr>
@@ -12248,23 +10236,24 @@
           <a:bodyPr/>
           <a:lstStyle/>
           <a:p>
-            <a:fld id="{EBD85B7D-E9A5-49E0-8ACF-AF93CE3E556F}" type="datetime1">
+            <a:fld id="{4BF94E91-6E7A-4AA0-A25C-714F49C81472}" type="datetime1">
               <a:rPr lang="da-DK" smtClean="0"/>
+              <a:t>28-09-2023</a:t>
+            </a:fld>
+            <a:r>
+              <a:rPr lang="da-DK"/>
               <a:t>20-09-2023</a:t>
-            </a:fld>
-            <a:r>
-              <a:rPr lang="da-DK" dirty="0"/>
-              <a:t>20-09-2023</a:t>
-            </a:r>
-          </a:p>
-        </p:txBody>
-      </p:sp>
-      <p:sp>
-        <p:nvSpPr>
-          <p:cNvPr id="8" name="TextBox 7">
+            </a:r>
+            <a:endParaRPr lang="da-DK" dirty="0"/>
+          </a:p>
+        </p:txBody>
+      </p:sp>
+      <p:sp>
+        <p:nvSpPr>
+          <p:cNvPr id="3" name="TextBox 2">
             <a:extLst>
               <a:ext uri="{FF2B5EF4-FFF2-40B4-BE49-F238E27FC236}">
-                <a16:creationId xmlns:a16="http://schemas.microsoft.com/office/drawing/2014/main" id="{B2765BE5-8236-73B4-E27F-5B9EAD71D885}"/>
+                <a16:creationId xmlns:a16="http://schemas.microsoft.com/office/drawing/2014/main" id="{5C594073-83FC-A57B-7936-697B39168A43}"/>
               </a:ext>
             </a:extLst>
           </p:cNvPr>
@@ -12273,8 +10262,8 @@
         </p:nvSpPr>
         <p:spPr>
           <a:xfrm>
-            <a:off x="3502124" y="118027"/>
-            <a:ext cx="5684954" cy="233910"/>
+            <a:off x="621804" y="855987"/>
+            <a:ext cx="6018764" cy="3508653"/>
           </a:xfrm>
           <a:prstGeom prst="rect">
             <a:avLst/>
@@ -12293,44 +10282,520 @@
               </a:lnSpc>
             </a:pPr>
             <a:r>
+              <a:rPr lang="da-DK" sz="1600" dirty="0" err="1">
+                <a:latin typeface="+mn-lt"/>
+              </a:rPr>
+              <a:t>Randomly</a:t>
+            </a:r>
+            <a:r>
               <a:rPr lang="da-DK" sz="1600" dirty="0">
                 <a:latin typeface="+mn-lt"/>
               </a:rPr>
-              <a:t>Control </a:t>
+              <a:t> </a:t>
             </a:r>
             <a:r>
               <a:rPr lang="da-DK" sz="1600" dirty="0" err="1">
                 <a:latin typeface="+mn-lt"/>
               </a:rPr>
-              <a:t>section</a:t>
+              <a:t>assigning</a:t>
             </a:r>
             <a:r>
               <a:rPr lang="da-DK" sz="1600" dirty="0">
                 <a:latin typeface="+mn-lt"/>
               </a:rPr>
-              <a:t>, 4000 simulations (1000 </a:t>
+              <a:t> </a:t>
             </a:r>
             <a:r>
               <a:rPr lang="da-DK" sz="1600" dirty="0" err="1">
                 <a:latin typeface="+mn-lt"/>
               </a:rPr>
-              <a:t>campaign</a:t>
+              <a:t>week</a:t>
             </a:r>
             <a:r>
               <a:rPr lang="da-DK" sz="1600" dirty="0">
                 <a:latin typeface="+mn-lt"/>
               </a:rPr>
-              <a:t> simulations)</a:t>
-            </a:r>
+              <a:t> sets to the </a:t>
+            </a:r>
+            <a:r>
+              <a:rPr lang="da-DK" sz="1600" dirty="0" err="1">
+                <a:latin typeface="+mn-lt"/>
+              </a:rPr>
+              <a:t>batches</a:t>
+            </a:r>
+            <a:r>
+              <a:rPr lang="da-DK" sz="1600" dirty="0">
+                <a:latin typeface="+mn-lt"/>
+              </a:rPr>
+              <a:t> in 100 simulations</a:t>
+            </a:r>
+          </a:p>
+          <a:p>
+            <a:pPr>
+              <a:lnSpc>
+                <a:spcPct val="95000"/>
+              </a:lnSpc>
+            </a:pPr>
+            <a:endParaRPr lang="da-DK" sz="1600" dirty="0">
+              <a:latin typeface="+mn-lt"/>
+            </a:endParaRPr>
+          </a:p>
+          <a:p>
+            <a:pPr>
+              <a:lnSpc>
+                <a:spcPct val="95000"/>
+              </a:lnSpc>
+            </a:pPr>
+            <a:r>
+              <a:rPr lang="da-DK" sz="1600" dirty="0" err="1">
+                <a:latin typeface="+mn-lt"/>
+              </a:rPr>
+              <a:t>Then</a:t>
+            </a:r>
+            <a:r>
+              <a:rPr lang="da-DK" sz="1600" dirty="0">
+                <a:latin typeface="+mn-lt"/>
+              </a:rPr>
+              <a:t> </a:t>
+            </a:r>
+            <a:r>
+              <a:rPr lang="da-DK" sz="1600" dirty="0" err="1">
+                <a:latin typeface="+mn-lt"/>
+              </a:rPr>
+              <a:t>removing</a:t>
+            </a:r>
+            <a:r>
+              <a:rPr lang="da-DK" sz="1600" dirty="0">
+                <a:latin typeface="+mn-lt"/>
+              </a:rPr>
+              <a:t> </a:t>
+            </a:r>
+            <a:r>
+              <a:rPr lang="da-DK" sz="1600" dirty="0" err="1">
+                <a:latin typeface="+mn-lt"/>
+              </a:rPr>
+              <a:t>replicates</a:t>
+            </a:r>
+            <a:r>
+              <a:rPr lang="da-DK" sz="1600" dirty="0">
+                <a:latin typeface="+mn-lt"/>
+              </a:rPr>
+              <a:t> </a:t>
+            </a:r>
+          </a:p>
+          <a:p>
+            <a:pPr>
+              <a:lnSpc>
+                <a:spcPct val="95000"/>
+              </a:lnSpc>
+            </a:pPr>
+            <a:r>
+              <a:rPr lang="da-DK" sz="1600" dirty="0">
+                <a:latin typeface="+mn-lt"/>
+              </a:rPr>
+              <a:t>(</a:t>
+            </a:r>
+            <a:r>
+              <a:rPr lang="da-DK" sz="1600" dirty="0" err="1">
+                <a:latin typeface="+mn-lt"/>
+              </a:rPr>
+              <a:t>since</a:t>
+            </a:r>
+            <a:r>
+              <a:rPr lang="da-DK" sz="1600" dirty="0">
+                <a:latin typeface="+mn-lt"/>
+              </a:rPr>
+              <a:t> </a:t>
+            </a:r>
+            <a:r>
+              <a:rPr lang="da-DK" sz="1600" dirty="0" err="1">
+                <a:latin typeface="+mn-lt"/>
+              </a:rPr>
+              <a:t>there</a:t>
+            </a:r>
+            <a:r>
+              <a:rPr lang="da-DK" sz="1600" dirty="0">
+                <a:latin typeface="+mn-lt"/>
+              </a:rPr>
+              <a:t> </a:t>
+            </a:r>
+            <a:r>
+              <a:rPr lang="da-DK" sz="1600" dirty="0" err="1">
+                <a:latin typeface="+mn-lt"/>
+              </a:rPr>
+              <a:t>should</a:t>
+            </a:r>
+            <a:r>
+              <a:rPr lang="da-DK" sz="1600" dirty="0">
+                <a:latin typeface="+mn-lt"/>
+              </a:rPr>
+              <a:t> </a:t>
+            </a:r>
+            <a:r>
+              <a:rPr lang="da-DK" sz="1600" dirty="0" err="1">
+                <a:latin typeface="+mn-lt"/>
+              </a:rPr>
+              <a:t>be</a:t>
+            </a:r>
+            <a:r>
+              <a:rPr lang="da-DK" sz="1600" dirty="0">
+                <a:latin typeface="+mn-lt"/>
+              </a:rPr>
+              <a:t> </a:t>
+            </a:r>
+            <a:r>
+              <a:rPr lang="da-DK" sz="1600" dirty="0" err="1">
+                <a:latin typeface="+mn-lt"/>
+              </a:rPr>
+              <a:t>only</a:t>
+            </a:r>
+            <a:r>
+              <a:rPr lang="da-DK" sz="1600" dirty="0">
+                <a:latin typeface="+mn-lt"/>
+              </a:rPr>
+              <a:t> 24 </a:t>
+            </a:r>
+            <a:r>
+              <a:rPr lang="da-DK" sz="1600" dirty="0" err="1">
+                <a:latin typeface="+mn-lt"/>
+              </a:rPr>
+              <a:t>possible</a:t>
+            </a:r>
+            <a:r>
+              <a:rPr lang="da-DK" sz="1600" dirty="0">
+                <a:latin typeface="+mn-lt"/>
+              </a:rPr>
+              <a:t> </a:t>
+            </a:r>
+            <a:r>
+              <a:rPr lang="da-DK" sz="1600" dirty="0" err="1">
+                <a:latin typeface="+mn-lt"/>
+              </a:rPr>
+              <a:t>combinations</a:t>
+            </a:r>
+            <a:r>
+              <a:rPr lang="da-DK" sz="1600" dirty="0">
+                <a:latin typeface="+mn-lt"/>
+              </a:rPr>
+              <a:t>)</a:t>
+            </a:r>
+          </a:p>
+          <a:p>
+            <a:pPr>
+              <a:lnSpc>
+                <a:spcPct val="95000"/>
+              </a:lnSpc>
+            </a:pPr>
+            <a:endParaRPr lang="da-DK" sz="1600" dirty="0">
+              <a:latin typeface="+mn-lt"/>
+            </a:endParaRPr>
+          </a:p>
+          <a:p>
+            <a:pPr>
+              <a:lnSpc>
+                <a:spcPct val="95000"/>
+              </a:lnSpc>
+            </a:pPr>
+            <a:r>
+              <a:rPr lang="da-DK" sz="1600" dirty="0" err="1">
+                <a:latin typeface="+mn-lt"/>
+              </a:rPr>
+              <a:t>We</a:t>
+            </a:r>
+            <a:r>
+              <a:rPr lang="da-DK" sz="1600" dirty="0">
+                <a:latin typeface="+mn-lt"/>
+              </a:rPr>
+              <a:t> </a:t>
+            </a:r>
+            <a:r>
+              <a:rPr lang="da-DK" sz="1600" dirty="0" err="1">
+                <a:latin typeface="+mn-lt"/>
+              </a:rPr>
+              <a:t>could</a:t>
+            </a:r>
+            <a:r>
+              <a:rPr lang="da-DK" sz="1600" dirty="0">
+                <a:latin typeface="+mn-lt"/>
+              </a:rPr>
+              <a:t> </a:t>
+            </a:r>
+            <a:r>
+              <a:rPr lang="da-DK" sz="1600" dirty="0" err="1">
+                <a:latin typeface="+mn-lt"/>
+              </a:rPr>
+              <a:t>identify</a:t>
+            </a:r>
+            <a:r>
+              <a:rPr lang="da-DK" sz="1600" dirty="0">
+                <a:latin typeface="+mn-lt"/>
+              </a:rPr>
+              <a:t> the </a:t>
+            </a:r>
+            <a:r>
+              <a:rPr lang="da-DK" sz="1600" dirty="0" err="1">
+                <a:latin typeface="+mn-lt"/>
+              </a:rPr>
+              <a:t>week</a:t>
+            </a:r>
+            <a:r>
+              <a:rPr lang="da-DK" sz="1600" dirty="0">
+                <a:latin typeface="+mn-lt"/>
+              </a:rPr>
+              <a:t> sets with the </a:t>
+            </a:r>
+            <a:r>
+              <a:rPr lang="da-DK" sz="1600" dirty="0" err="1">
+                <a:latin typeface="+mn-lt"/>
+              </a:rPr>
+              <a:t>lowest</a:t>
+            </a:r>
+            <a:r>
+              <a:rPr lang="da-DK" sz="1600" dirty="0">
+                <a:latin typeface="+mn-lt"/>
+              </a:rPr>
+              <a:t> </a:t>
+            </a:r>
+            <a:r>
+              <a:rPr lang="da-DK" sz="1600" dirty="0" err="1">
+                <a:latin typeface="+mn-lt"/>
+              </a:rPr>
+              <a:t>combined</a:t>
+            </a:r>
+            <a:r>
+              <a:rPr lang="da-DK" sz="1600" dirty="0">
+                <a:latin typeface="+mn-lt"/>
+              </a:rPr>
+              <a:t> </a:t>
+            </a:r>
+            <a:r>
+              <a:rPr lang="da-DK" sz="1600" dirty="0" err="1">
+                <a:latin typeface="+mn-lt"/>
+              </a:rPr>
+              <a:t>error</a:t>
+            </a:r>
+            <a:r>
+              <a:rPr lang="da-DK" sz="1600" dirty="0">
+                <a:latin typeface="+mn-lt"/>
+              </a:rPr>
+              <a:t>,</a:t>
+            </a:r>
+          </a:p>
+          <a:p>
+            <a:pPr>
+              <a:lnSpc>
+                <a:spcPct val="95000"/>
+              </a:lnSpc>
+            </a:pPr>
+            <a:r>
+              <a:rPr lang="da-DK" sz="1600" dirty="0">
+                <a:latin typeface="+mn-lt"/>
+              </a:rPr>
+              <a:t>But </a:t>
+            </a:r>
+            <a:r>
+              <a:rPr lang="da-DK" sz="1600" dirty="0" err="1">
+                <a:latin typeface="+mn-lt"/>
+              </a:rPr>
+              <a:t>does</a:t>
+            </a:r>
+            <a:r>
+              <a:rPr lang="da-DK" sz="1600" dirty="0">
+                <a:latin typeface="+mn-lt"/>
+              </a:rPr>
+              <a:t> it </a:t>
+            </a:r>
+            <a:r>
+              <a:rPr lang="da-DK" sz="1600" dirty="0" err="1">
+                <a:latin typeface="+mn-lt"/>
+              </a:rPr>
+              <a:t>make</a:t>
+            </a:r>
+            <a:r>
+              <a:rPr lang="da-DK" sz="1600" dirty="0">
+                <a:latin typeface="+mn-lt"/>
+              </a:rPr>
+              <a:t> sense? </a:t>
+            </a:r>
+            <a:r>
+              <a:rPr lang="da-DK" sz="1600" dirty="0" err="1">
+                <a:latin typeface="+mn-lt"/>
+              </a:rPr>
+              <a:t>Could</a:t>
+            </a:r>
+            <a:r>
+              <a:rPr lang="da-DK" sz="1600" dirty="0">
+                <a:latin typeface="+mn-lt"/>
+              </a:rPr>
+              <a:t> </a:t>
+            </a:r>
+            <a:r>
+              <a:rPr lang="da-DK" sz="1600" dirty="0" err="1">
+                <a:latin typeface="+mn-lt"/>
+              </a:rPr>
+              <a:t>be</a:t>
+            </a:r>
+            <a:r>
+              <a:rPr lang="da-DK" sz="1600" dirty="0">
+                <a:latin typeface="+mn-lt"/>
+              </a:rPr>
+              <a:t> </a:t>
+            </a:r>
+            <a:r>
+              <a:rPr lang="da-DK" sz="1600" dirty="0" err="1">
+                <a:latin typeface="+mn-lt"/>
+              </a:rPr>
+              <a:t>linked</a:t>
+            </a:r>
+            <a:r>
+              <a:rPr lang="da-DK" sz="1600" dirty="0">
+                <a:latin typeface="+mn-lt"/>
+              </a:rPr>
+              <a:t> to just </a:t>
+            </a:r>
+            <a:r>
+              <a:rPr lang="da-DK" sz="1600" dirty="0" err="1">
+                <a:latin typeface="+mn-lt"/>
+              </a:rPr>
+              <a:t>this</a:t>
+            </a:r>
+            <a:r>
+              <a:rPr lang="da-DK" sz="1600" dirty="0">
+                <a:latin typeface="+mn-lt"/>
+              </a:rPr>
+              <a:t> data set, </a:t>
+            </a:r>
+            <a:r>
+              <a:rPr lang="da-DK" sz="1600" dirty="0" err="1">
+                <a:latin typeface="+mn-lt"/>
+              </a:rPr>
+              <a:t>which</a:t>
+            </a:r>
+            <a:endParaRPr lang="da-DK" sz="1600" dirty="0">
+              <a:latin typeface="+mn-lt"/>
+            </a:endParaRPr>
+          </a:p>
+          <a:p>
+            <a:pPr>
+              <a:lnSpc>
+                <a:spcPct val="95000"/>
+              </a:lnSpc>
+            </a:pPr>
+            <a:r>
+              <a:rPr lang="da-DK" sz="1600" dirty="0" err="1">
+                <a:latin typeface="+mn-lt"/>
+              </a:rPr>
+              <a:t>was</a:t>
+            </a:r>
+            <a:r>
+              <a:rPr lang="da-DK" sz="1600" dirty="0">
+                <a:latin typeface="+mn-lt"/>
+              </a:rPr>
+              <a:t> from a pilot plant with no prior </a:t>
+            </a:r>
+            <a:r>
+              <a:rPr lang="da-DK" sz="1600" dirty="0" err="1">
+                <a:latin typeface="+mn-lt"/>
+              </a:rPr>
+              <a:t>good</a:t>
+            </a:r>
+            <a:r>
+              <a:rPr lang="da-DK" sz="1600" dirty="0">
+                <a:latin typeface="+mn-lt"/>
+              </a:rPr>
+              <a:t> </a:t>
+            </a:r>
+            <a:r>
+              <a:rPr lang="da-DK" sz="1600" dirty="0" err="1">
+                <a:latin typeface="+mn-lt"/>
+              </a:rPr>
+              <a:t>inoculum</a:t>
+            </a:r>
+            <a:r>
+              <a:rPr lang="da-DK" sz="1600" dirty="0">
+                <a:latin typeface="+mn-lt"/>
+              </a:rPr>
+              <a:t>…</a:t>
+            </a:r>
+          </a:p>
+          <a:p>
+            <a:pPr>
+              <a:lnSpc>
+                <a:spcPct val="95000"/>
+              </a:lnSpc>
+            </a:pPr>
+            <a:endParaRPr lang="da-DK" sz="1600" dirty="0">
+              <a:latin typeface="+mn-lt"/>
+            </a:endParaRPr>
+          </a:p>
+          <a:p>
+            <a:pPr>
+              <a:lnSpc>
+                <a:spcPct val="95000"/>
+              </a:lnSpc>
+            </a:pPr>
+            <a:endParaRPr lang="da-DK" sz="1600" dirty="0">
+              <a:latin typeface="+mn-lt"/>
+            </a:endParaRPr>
+          </a:p>
+          <a:p>
+            <a:pPr>
+              <a:lnSpc>
+                <a:spcPct val="95000"/>
+              </a:lnSpc>
+            </a:pPr>
+            <a:endParaRPr lang="da-DK" sz="1600" dirty="0">
+              <a:latin typeface="+mn-lt"/>
+            </a:endParaRPr>
+          </a:p>
+          <a:p>
+            <a:pPr>
+              <a:lnSpc>
+                <a:spcPct val="95000"/>
+              </a:lnSpc>
+            </a:pPr>
+            <a:endParaRPr lang="da-DK" sz="1600" dirty="0">
+              <a:latin typeface="+mn-lt"/>
+            </a:endParaRPr>
+          </a:p>
+          <a:p>
+            <a:pPr>
+              <a:lnSpc>
+                <a:spcPct val="95000"/>
+              </a:lnSpc>
+            </a:pPr>
+            <a:endParaRPr lang="da-DK" sz="1600" dirty="0">
+              <a:latin typeface="+mn-lt"/>
+            </a:endParaRPr>
+          </a:p>
+          <a:p>
+            <a:pPr>
+              <a:lnSpc>
+                <a:spcPct val="95000"/>
+              </a:lnSpc>
+            </a:pPr>
+            <a:endParaRPr lang="da-DK" sz="1600" dirty="0">
+              <a:latin typeface="+mn-lt"/>
+            </a:endParaRPr>
+          </a:p>
+          <a:p>
+            <a:pPr>
+              <a:lnSpc>
+                <a:spcPct val="95000"/>
+              </a:lnSpc>
+            </a:pPr>
+            <a:endParaRPr lang="da-DK" sz="1600" dirty="0">
+              <a:latin typeface="+mn-lt"/>
+            </a:endParaRPr>
           </a:p>
         </p:txBody>
       </p:sp>
       <p:pic>
         <p:nvPicPr>
-          <p:cNvPr id="17" name="Picture 16" descr="A graph of a graph&#10;&#10;Description automatically generated">
+          <p:cNvPr id="10" name="Picture 9" descr="A graph with numbers and a number of bars&#10;&#10;Description automatically generated with medium confidence">
             <a:extLst>
               <a:ext uri="{FF2B5EF4-FFF2-40B4-BE49-F238E27FC236}">
-                <a16:creationId xmlns:a16="http://schemas.microsoft.com/office/drawing/2014/main" id="{2749F1A1-6C61-F0C4-A1A1-6A1F39973656}"/>
+                <a16:creationId xmlns:a16="http://schemas.microsoft.com/office/drawing/2014/main" id="{C2ACA2B2-9F1F-EDE8-F4E0-39AD820537B7}"/>
               </a:ext>
             </a:extLst>
           </p:cNvPr>
@@ -12340,7 +10805,7 @@
           <p:nvPr/>
         </p:nvPicPr>
         <p:blipFill>
-          <a:blip r:embed="rId2" cstate="print">
+          <a:blip r:embed="rId2">
             <a:extLst>
               <a:ext uri="{28A0092B-C50C-407E-A947-70E740481C1C}">
                 <a14:useLocalDpi xmlns:a14="http://schemas.microsoft.com/office/drawing/2010/main" val="0"/>
@@ -12353,8 +10818,8 @@
         </p:blipFill>
         <p:spPr>
           <a:xfrm>
-            <a:off x="127029" y="457187"/>
-            <a:ext cx="5943612" cy="6400813"/>
+            <a:off x="7218871" y="295834"/>
+            <a:ext cx="3657607" cy="3200407"/>
           </a:xfrm>
           <a:prstGeom prst="rect">
             <a:avLst/>
@@ -12363,10 +10828,10 @@
       </p:pic>
       <p:pic>
         <p:nvPicPr>
-          <p:cNvPr id="19" name="Picture 18" descr="A graph of a graph&#10;&#10;Description automatically generated with medium confidence">
+          <p:cNvPr id="12" name="Picture 11" descr="A graph with numbers and a number&#10;&#10;Description automatically generated">
             <a:extLst>
               <a:ext uri="{FF2B5EF4-FFF2-40B4-BE49-F238E27FC236}">
-                <a16:creationId xmlns:a16="http://schemas.microsoft.com/office/drawing/2014/main" id="{E814D767-2F36-983F-727F-F15EE9B4445C}"/>
+                <a16:creationId xmlns:a16="http://schemas.microsoft.com/office/drawing/2014/main" id="{E13C162E-9B22-B84E-7B3F-8179A784517B}"/>
               </a:ext>
             </a:extLst>
           </p:cNvPr>
@@ -12376,7 +10841,7 @@
           <p:nvPr/>
         </p:nvPicPr>
         <p:blipFill>
-          <a:blip r:embed="rId3" cstate="print">
+          <a:blip r:embed="rId3">
             <a:extLst>
               <a:ext uri="{28A0092B-C50C-407E-A947-70E740481C1C}">
                 <a14:useLocalDpi xmlns:a14="http://schemas.microsoft.com/office/drawing/2010/main" val="0"/>
@@ -12389,8 +10854,8 @@
         </p:blipFill>
         <p:spPr>
           <a:xfrm>
-            <a:off x="6055456" y="484571"/>
-            <a:ext cx="5943612" cy="6400813"/>
+            <a:off x="7269285" y="3356992"/>
+            <a:ext cx="3888433" cy="3402380"/>
           </a:xfrm>
           <a:prstGeom prst="rect">
             <a:avLst/>
@@ -12399,10 +10864,10 @@
       </p:pic>
       <p:sp>
         <p:nvSpPr>
-          <p:cNvPr id="20" name="TextBox 19">
+          <p:cNvPr id="15" name="TextBox 14">
             <a:extLst>
               <a:ext uri="{FF2B5EF4-FFF2-40B4-BE49-F238E27FC236}">
-                <a16:creationId xmlns:a16="http://schemas.microsoft.com/office/drawing/2014/main" id="{9D5FCDD8-51CC-B136-F0CF-01D15177A8C0}"/>
+                <a16:creationId xmlns:a16="http://schemas.microsoft.com/office/drawing/2014/main" id="{36292E8C-B310-355A-D787-20DA2FC9563B}"/>
               </a:ext>
             </a:extLst>
           </p:cNvPr>
@@ -12411,8 +10876,8 @@
         </p:nvSpPr>
         <p:spPr>
           <a:xfrm>
-            <a:off x="1197868" y="1052736"/>
-            <a:ext cx="809517" cy="233910"/>
+            <a:off x="8519021" y="295834"/>
+            <a:ext cx="1967879" cy="560153"/>
           </a:xfrm>
           <a:prstGeom prst="rect">
             <a:avLst/>
@@ -12420,7 +10885,7 @@
           <a:noFill/>
         </p:spPr>
         <p:txBody>
-          <a:bodyPr wrap="none" lIns="0" tIns="0" rIns="0" bIns="0" rtlCol="0">
+          <a:bodyPr wrap="square">
             <a:spAutoFit/>
           </a:bodyPr>
           <a:lstStyle/>
@@ -12434,17 +10899,60 @@
               <a:rPr lang="da-DK" sz="1600" dirty="0">
                 <a:latin typeface="+mn-lt"/>
               </a:rPr>
-              <a:t>Method1</a:t>
-            </a:r>
-          </a:p>
-        </p:txBody>
-      </p:sp>
-      <p:sp>
-        <p:nvSpPr>
-          <p:cNvPr id="21" name="TextBox 20">
+              <a:t>Mean </a:t>
+            </a:r>
+            <a:r>
+              <a:rPr lang="da-DK" sz="1600" dirty="0" err="1">
+                <a:latin typeface="+mn-lt"/>
+              </a:rPr>
+              <a:t>error</a:t>
+            </a:r>
+            <a:r>
+              <a:rPr lang="da-DK" sz="1600" dirty="0">
+                <a:latin typeface="+mn-lt"/>
+              </a:rPr>
+              <a:t> = 0.24%</a:t>
+            </a:r>
+          </a:p>
+          <a:p>
+            <a:pPr>
+              <a:lnSpc>
+                <a:spcPct val="95000"/>
+              </a:lnSpc>
+            </a:pPr>
+            <a:r>
+              <a:rPr lang="da-DK" sz="1600" dirty="0" err="1">
+                <a:latin typeface="+mn-lt"/>
+              </a:rPr>
+              <a:t>Std</a:t>
+            </a:r>
+            <a:r>
+              <a:rPr lang="da-DK" sz="1600" dirty="0">
+                <a:latin typeface="+mn-lt"/>
+              </a:rPr>
+              <a:t> </a:t>
+            </a:r>
+            <a:r>
+              <a:rPr lang="da-DK" sz="1600" dirty="0" err="1">
+                <a:latin typeface="+mn-lt"/>
+              </a:rPr>
+              <a:t>error</a:t>
+            </a:r>
+            <a:r>
+              <a:rPr lang="da-DK" sz="1600" dirty="0">
+                <a:latin typeface="+mn-lt"/>
+              </a:rPr>
+              <a:t> = 4.96%</a:t>
+            </a:r>
+          </a:p>
+        </p:txBody>
+      </p:sp>
+      <p:sp>
+        <p:nvSpPr>
+          <p:cNvPr id="19" name="TextBox 18">
             <a:extLst>
               <a:ext uri="{FF2B5EF4-FFF2-40B4-BE49-F238E27FC236}">
-                <a16:creationId xmlns:a16="http://schemas.microsoft.com/office/drawing/2014/main" id="{3C44587A-DCD5-7759-528F-1299F559E640}"/>
+                <a16:creationId xmlns:a16="http://schemas.microsoft.com/office/drawing/2014/main" id="{7CA0BA98-629A-7840-D275-50F53A82464B}"/>
               </a:ext>
             </a:extLst>
           </p:cNvPr>
@@ -12453,8 +10961,8 @@
         </p:nvSpPr>
         <p:spPr>
           <a:xfrm>
-            <a:off x="7126295" y="1052736"/>
-            <a:ext cx="809517" cy="233910"/>
+            <a:off x="8509824" y="3428999"/>
+            <a:ext cx="2265108" cy="560153"/>
           </a:xfrm>
           <a:prstGeom prst="rect">
             <a:avLst/>
@@ -12462,7 +10970,7 @@
           <a:noFill/>
         </p:spPr>
         <p:txBody>
-          <a:bodyPr wrap="none" lIns="0" tIns="0" rIns="0" bIns="0" rtlCol="0">
+          <a:bodyPr wrap="square">
             <a:spAutoFit/>
           </a:bodyPr>
           <a:lstStyle/>
@@ -12476,15 +10984,160 @@
               <a:rPr lang="da-DK" sz="1600" dirty="0">
                 <a:latin typeface="+mn-lt"/>
               </a:rPr>
-              <a:t>Method2</a:t>
-            </a:r>
+              <a:t>Mean </a:t>
+            </a:r>
+            <a:r>
+              <a:rPr lang="da-DK" sz="1600" dirty="0" err="1">
+                <a:latin typeface="+mn-lt"/>
+              </a:rPr>
+              <a:t>error</a:t>
+            </a:r>
+            <a:r>
+              <a:rPr lang="da-DK" sz="1600" dirty="0">
+                <a:latin typeface="+mn-lt"/>
+              </a:rPr>
+              <a:t> = -0.036%</a:t>
+            </a:r>
+          </a:p>
+          <a:p>
+            <a:pPr>
+              <a:lnSpc>
+                <a:spcPct val="95000"/>
+              </a:lnSpc>
+            </a:pPr>
+            <a:r>
+              <a:rPr lang="da-DK" sz="1600" dirty="0" err="1">
+                <a:latin typeface="+mn-lt"/>
+              </a:rPr>
+              <a:t>Std</a:t>
+            </a:r>
+            <a:r>
+              <a:rPr lang="da-DK" sz="1600" dirty="0">
+                <a:latin typeface="+mn-lt"/>
+              </a:rPr>
+              <a:t> </a:t>
+            </a:r>
+            <a:r>
+              <a:rPr lang="da-DK" sz="1600" dirty="0" err="1">
+                <a:latin typeface="+mn-lt"/>
+              </a:rPr>
+              <a:t>error</a:t>
+            </a:r>
+            <a:r>
+              <a:rPr lang="da-DK" sz="1600" dirty="0">
+                <a:latin typeface="+mn-lt"/>
+              </a:rPr>
+              <a:t> = 3.41%</a:t>
+            </a:r>
+          </a:p>
+        </p:txBody>
+      </p:sp>
+      <p:sp>
+        <p:nvSpPr>
+          <p:cNvPr id="20" name="TextBox 19">
+            <a:extLst>
+              <a:ext uri="{FF2B5EF4-FFF2-40B4-BE49-F238E27FC236}">
+                <a16:creationId xmlns:a16="http://schemas.microsoft.com/office/drawing/2014/main" id="{BF1BE03C-D1C4-43D0-3688-AC0E4CE9201A}"/>
+              </a:ext>
+            </a:extLst>
+          </p:cNvPr>
+          <p:cNvSpPr txBox="1"/>
+          <p:nvPr/>
+        </p:nvSpPr>
+        <p:spPr>
+          <a:xfrm>
+            <a:off x="10661446" y="4830430"/>
+            <a:ext cx="1584176" cy="233910"/>
+          </a:xfrm>
+          <a:prstGeom prst="rect">
+            <a:avLst/>
+          </a:prstGeom>
+          <a:noFill/>
+        </p:spPr>
+        <p:txBody>
+          <a:bodyPr wrap="square" lIns="0" tIns="0" rIns="0" bIns="0" rtlCol="0">
+            <a:spAutoFit/>
+          </a:bodyPr>
+          <a:lstStyle/>
+          <a:p>
+            <a:pPr>
+              <a:lnSpc>
+                <a:spcPct val="95000"/>
+              </a:lnSpc>
+            </a:pPr>
+            <a:r>
+              <a:rPr lang="da-DK" sz="1600" dirty="0" err="1">
+                <a:latin typeface="+mn-lt"/>
+              </a:rPr>
+              <a:t>Week</a:t>
+            </a:r>
+            <a:r>
+              <a:rPr lang="da-DK" sz="1600" dirty="0">
+                <a:latin typeface="+mn-lt"/>
+              </a:rPr>
+              <a:t> </a:t>
+            </a:r>
+            <a:r>
+              <a:rPr lang="da-DK" sz="1600" dirty="0" err="1">
+                <a:latin typeface="+mn-lt"/>
+              </a:rPr>
+              <a:t>flushing</a:t>
+            </a:r>
+            <a:endParaRPr lang="da-DK" sz="1600" dirty="0">
+              <a:latin typeface="+mn-lt"/>
+            </a:endParaRPr>
+          </a:p>
+        </p:txBody>
+      </p:sp>
+      <p:sp>
+        <p:nvSpPr>
+          <p:cNvPr id="21" name="TextBox 20">
+            <a:extLst>
+              <a:ext uri="{FF2B5EF4-FFF2-40B4-BE49-F238E27FC236}">
+                <a16:creationId xmlns:a16="http://schemas.microsoft.com/office/drawing/2014/main" id="{51B4AF5D-873D-AB90-81FC-D35D76D68649}"/>
+              </a:ext>
+            </a:extLst>
+          </p:cNvPr>
+          <p:cNvSpPr txBox="1"/>
+          <p:nvPr/>
+        </p:nvSpPr>
+        <p:spPr>
+          <a:xfrm>
+            <a:off x="10632946" y="1592503"/>
+            <a:ext cx="1584176" cy="233910"/>
+          </a:xfrm>
+          <a:prstGeom prst="rect">
+            <a:avLst/>
+          </a:prstGeom>
+          <a:noFill/>
+        </p:spPr>
+        <p:txBody>
+          <a:bodyPr wrap="square" lIns="0" tIns="0" rIns="0" bIns="0" rtlCol="0">
+            <a:spAutoFit/>
+          </a:bodyPr>
+          <a:lstStyle/>
+          <a:p>
+            <a:pPr>
+              <a:lnSpc>
+                <a:spcPct val="95000"/>
+              </a:lnSpc>
+            </a:pPr>
+            <a:r>
+              <a:rPr lang="da-DK" sz="1600" dirty="0" err="1">
+                <a:latin typeface="+mn-lt"/>
+              </a:rPr>
+              <a:t>control</a:t>
+            </a:r>
+            <a:endParaRPr lang="da-DK" sz="1600" dirty="0">
+              <a:latin typeface="+mn-lt"/>
+            </a:endParaRPr>
           </a:p>
         </p:txBody>
       </p:sp>
     </p:spTree>
     <p:extLst>
       <p:ext uri="{BB962C8B-B14F-4D97-AF65-F5344CB8AC3E}">
-        <p14:creationId xmlns:p14="http://schemas.microsoft.com/office/powerpoint/2010/main" val="1186159921"/>
+        <p14:creationId xmlns:p14="http://schemas.microsoft.com/office/powerpoint/2010/main" val="3869137807"/>
       </p:ext>
     </p:extLst>
   </p:cSld>
@@ -12516,7 +11169,7 @@
           <p:cNvPr id="2" name="Date Placeholder 1">
             <a:extLst>
               <a:ext uri="{FF2B5EF4-FFF2-40B4-BE49-F238E27FC236}">
-                <a16:creationId xmlns:a16="http://schemas.microsoft.com/office/drawing/2014/main" id="{A77A5A47-7D61-793E-065A-7A8B47CA1A51}"/>
+                <a16:creationId xmlns:a16="http://schemas.microsoft.com/office/drawing/2014/main" id="{76E88565-15A6-A719-F3A3-C8B2EAA42283}"/>
               </a:ext>
             </a:extLst>
           </p:cNvPr>
@@ -12532,9 +11185,9 @@
           <a:bodyPr/>
           <a:lstStyle/>
           <a:p>
-            <a:fld id="{4BF94E91-6E7A-4AA0-A25C-714F49C81472}" type="datetime1">
+            <a:fld id="{E3B430D7-EF49-4643-88D7-2AEAAD16714B}" type="datetime1">
               <a:rPr lang="da-DK" smtClean="0"/>
-              <a:t>20-09-2023</a:t>
+              <a:t>28-09-2023</a:t>
             </a:fld>
             <a:r>
               <a:rPr lang="da-DK"/>
@@ -12544,96 +11197,12 @@
           </a:p>
         </p:txBody>
       </p:sp>
-      <p:sp>
-        <p:nvSpPr>
-          <p:cNvPr id="5" name="TextBox 4">
+      <p:pic>
+        <p:nvPicPr>
+          <p:cNvPr id="4" name="Picture 3">
             <a:extLst>
               <a:ext uri="{FF2B5EF4-FFF2-40B4-BE49-F238E27FC236}">
-                <a16:creationId xmlns:a16="http://schemas.microsoft.com/office/drawing/2014/main" id="{6458C6E2-71BE-10F3-89B3-B56B23A93114}"/>
-              </a:ext>
-            </a:extLst>
-          </p:cNvPr>
-          <p:cNvSpPr txBox="1"/>
-          <p:nvPr/>
-        </p:nvSpPr>
-        <p:spPr>
-          <a:xfrm>
-            <a:off x="2805145" y="279145"/>
-            <a:ext cx="6578532" cy="233910"/>
-          </a:xfrm>
-          <a:prstGeom prst="rect">
-            <a:avLst/>
-          </a:prstGeom>
-          <a:noFill/>
-        </p:spPr>
-        <p:txBody>
-          <a:bodyPr wrap="none" lIns="0" tIns="0" rIns="0" bIns="0" rtlCol="0">
-            <a:spAutoFit/>
-          </a:bodyPr>
-          <a:lstStyle/>
-          <a:p>
-            <a:pPr>
-              <a:lnSpc>
-                <a:spcPct val="95000"/>
-              </a:lnSpc>
-            </a:pPr>
-            <a:r>
-              <a:rPr lang="da-DK" sz="1600" dirty="0" err="1">
-                <a:latin typeface="+mn-lt"/>
-              </a:rPr>
-              <a:t>Frequent</a:t>
-            </a:r>
-            <a:r>
-              <a:rPr lang="da-DK" sz="1600" dirty="0">
-                <a:latin typeface="+mn-lt"/>
-              </a:rPr>
-              <a:t> </a:t>
-            </a:r>
-            <a:r>
-              <a:rPr lang="da-DK" sz="1600" dirty="0" err="1">
-                <a:latin typeface="+mn-lt"/>
-              </a:rPr>
-              <a:t>flushing</a:t>
-            </a:r>
-            <a:r>
-              <a:rPr lang="da-DK" sz="1600" dirty="0">
-                <a:latin typeface="+mn-lt"/>
-              </a:rPr>
-              <a:t> </a:t>
-            </a:r>
-            <a:r>
-              <a:rPr lang="da-DK" sz="1600" dirty="0" err="1">
-                <a:latin typeface="+mn-lt"/>
-              </a:rPr>
-              <a:t>section</a:t>
-            </a:r>
-            <a:r>
-              <a:rPr lang="da-DK" sz="1600" dirty="0">
-                <a:latin typeface="+mn-lt"/>
-              </a:rPr>
-              <a:t>, 4000 simulations (1000 </a:t>
-            </a:r>
-            <a:r>
-              <a:rPr lang="da-DK" sz="1600" dirty="0" err="1">
-                <a:latin typeface="+mn-lt"/>
-              </a:rPr>
-              <a:t>campaign</a:t>
-            </a:r>
-            <a:r>
-              <a:rPr lang="da-DK" sz="1600" dirty="0">
-                <a:latin typeface="+mn-lt"/>
-              </a:rPr>
-              <a:t> simulations)</a:t>
-            </a:r>
-          </a:p>
-        </p:txBody>
-      </p:sp>
-      <p:pic>
-        <p:nvPicPr>
-          <p:cNvPr id="14" name="Picture 13" descr="A graph of a graph&#10;&#10;Description automatically generated">
-            <a:extLst>
-              <a:ext uri="{FF2B5EF4-FFF2-40B4-BE49-F238E27FC236}">
-                <a16:creationId xmlns:a16="http://schemas.microsoft.com/office/drawing/2014/main" id="{5DCB5DF0-64F2-BF08-F7FC-02D0FF369846}"/>
+                <a16:creationId xmlns:a16="http://schemas.microsoft.com/office/drawing/2014/main" id="{08F3B60F-4326-58EA-074E-DDFB5F1B58A1}"/>
               </a:ext>
             </a:extLst>
           </p:cNvPr>
@@ -12643,151 +11212,25 @@
           <p:nvPr/>
         </p:nvPicPr>
         <p:blipFill>
-          <a:blip r:embed="rId2" cstate="print">
-            <a:extLst>
-              <a:ext uri="{28A0092B-C50C-407E-A947-70E740481C1C}">
-                <a14:useLocalDpi xmlns:a14="http://schemas.microsoft.com/office/drawing/2010/main" val="0"/>
-              </a:ext>
-            </a:extLst>
-          </a:blip>
+          <a:blip r:embed="rId2"/>
           <a:stretch>
             <a:fillRect/>
           </a:stretch>
         </p:blipFill>
         <p:spPr>
           <a:xfrm>
-            <a:off x="0" y="489533"/>
-            <a:ext cx="5943612" cy="6400813"/>
+            <a:off x="402430" y="332656"/>
+            <a:ext cx="11383964" cy="5925377"/>
           </a:xfrm>
           <a:prstGeom prst="rect">
             <a:avLst/>
           </a:prstGeom>
         </p:spPr>
       </p:pic>
-      <p:pic>
-        <p:nvPicPr>
-          <p:cNvPr id="16" name="Picture 15" descr="A graph of a graph&#10;&#10;Description automatically generated">
-            <a:extLst>
-              <a:ext uri="{FF2B5EF4-FFF2-40B4-BE49-F238E27FC236}">
-                <a16:creationId xmlns:a16="http://schemas.microsoft.com/office/drawing/2014/main" id="{E2A73D9C-0082-E5E6-3846-5B1206F51490}"/>
-              </a:ext>
-            </a:extLst>
-          </p:cNvPr>
-          <p:cNvPicPr>
-            <a:picLocks noChangeAspect="1"/>
-          </p:cNvPicPr>
-          <p:nvPr/>
-        </p:nvPicPr>
-        <p:blipFill>
-          <a:blip r:embed="rId3" cstate="print">
-            <a:extLst>
-              <a:ext uri="{28A0092B-C50C-407E-A947-70E740481C1C}">
-                <a14:useLocalDpi xmlns:a14="http://schemas.microsoft.com/office/drawing/2010/main" val="0"/>
-              </a:ext>
-            </a:extLst>
-          </a:blip>
-          <a:stretch>
-            <a:fillRect/>
-          </a:stretch>
-        </p:blipFill>
-        <p:spPr>
-          <a:xfrm>
-            <a:off x="5914876" y="501294"/>
-            <a:ext cx="5943612" cy="6400813"/>
-          </a:xfrm>
-          <a:prstGeom prst="rect">
-            <a:avLst/>
-          </a:prstGeom>
-        </p:spPr>
-      </p:pic>
-      <p:sp>
-        <p:nvSpPr>
-          <p:cNvPr id="17" name="TextBox 16">
-            <a:extLst>
-              <a:ext uri="{FF2B5EF4-FFF2-40B4-BE49-F238E27FC236}">
-                <a16:creationId xmlns:a16="http://schemas.microsoft.com/office/drawing/2014/main" id="{CCD225FC-9E3E-1BCF-64A9-823A9A6619DA}"/>
-              </a:ext>
-            </a:extLst>
-          </p:cNvPr>
-          <p:cNvSpPr txBox="1"/>
-          <p:nvPr/>
-        </p:nvSpPr>
-        <p:spPr>
-          <a:xfrm>
-            <a:off x="1197868" y="1052736"/>
-            <a:ext cx="809517" cy="233910"/>
-          </a:xfrm>
-          <a:prstGeom prst="rect">
-            <a:avLst/>
-          </a:prstGeom>
-          <a:noFill/>
-        </p:spPr>
-        <p:txBody>
-          <a:bodyPr wrap="none" lIns="0" tIns="0" rIns="0" bIns="0" rtlCol="0">
-            <a:spAutoFit/>
-          </a:bodyPr>
-          <a:lstStyle/>
-          <a:p>
-            <a:pPr>
-              <a:lnSpc>
-                <a:spcPct val="95000"/>
-              </a:lnSpc>
-            </a:pPr>
-            <a:r>
-              <a:rPr lang="da-DK" sz="1600" dirty="0">
-                <a:latin typeface="+mn-lt"/>
-              </a:rPr>
-              <a:t>Method1</a:t>
-            </a:r>
-          </a:p>
-        </p:txBody>
-      </p:sp>
-      <p:sp>
-        <p:nvSpPr>
-          <p:cNvPr id="18" name="TextBox 17">
-            <a:extLst>
-              <a:ext uri="{FF2B5EF4-FFF2-40B4-BE49-F238E27FC236}">
-                <a16:creationId xmlns:a16="http://schemas.microsoft.com/office/drawing/2014/main" id="{46A77748-0FEC-C60D-58C6-D204532CB3A9}"/>
-              </a:ext>
-            </a:extLst>
-          </p:cNvPr>
-          <p:cNvSpPr txBox="1"/>
-          <p:nvPr/>
-        </p:nvSpPr>
-        <p:spPr>
-          <a:xfrm>
-            <a:off x="7126295" y="1052736"/>
-            <a:ext cx="809517" cy="233910"/>
-          </a:xfrm>
-          <a:prstGeom prst="rect">
-            <a:avLst/>
-          </a:prstGeom>
-          <a:noFill/>
-        </p:spPr>
-        <p:txBody>
-          <a:bodyPr wrap="none" lIns="0" tIns="0" rIns="0" bIns="0" rtlCol="0">
-            <a:spAutoFit/>
-          </a:bodyPr>
-          <a:lstStyle/>
-          <a:p>
-            <a:pPr>
-              <a:lnSpc>
-                <a:spcPct val="95000"/>
-              </a:lnSpc>
-            </a:pPr>
-            <a:r>
-              <a:rPr lang="da-DK" sz="1600" dirty="0">
-                <a:latin typeface="+mn-lt"/>
-              </a:rPr>
-              <a:t>Method2</a:t>
-            </a:r>
-          </a:p>
-        </p:txBody>
-      </p:sp>
     </p:spTree>
     <p:extLst>
       <p:ext uri="{BB962C8B-B14F-4D97-AF65-F5344CB8AC3E}">
-        <p14:creationId xmlns:p14="http://schemas.microsoft.com/office/powerpoint/2010/main" val="3869137807"/>
+        <p14:creationId xmlns:p14="http://schemas.microsoft.com/office/powerpoint/2010/main" val="3255667273"/>
       </p:ext>
     </p:extLst>
   </p:cSld>
@@ -12819,7 +11262,7 @@
           <p:cNvPr id="2" name="Date Placeholder 1">
             <a:extLst>
               <a:ext uri="{FF2B5EF4-FFF2-40B4-BE49-F238E27FC236}">
-                <a16:creationId xmlns:a16="http://schemas.microsoft.com/office/drawing/2014/main" id="{76E88565-15A6-A719-F3A3-C8B2EAA42283}"/>
+                <a16:creationId xmlns:a16="http://schemas.microsoft.com/office/drawing/2014/main" id="{DBA3EE27-2014-C03A-8D50-25AF15F6DA50}"/>
               </a:ext>
             </a:extLst>
           </p:cNvPr>
@@ -12835,9 +11278,9 @@
           <a:bodyPr/>
           <a:lstStyle/>
           <a:p>
-            <a:fld id="{E3B430D7-EF49-4643-88D7-2AEAAD16714B}" type="datetime1">
+            <a:fld id="{D6BBDA92-EB48-4DC7-91ED-E3E7CCB77BFC}" type="datetime1">
               <a:rPr lang="da-DK" smtClean="0"/>
-              <a:t>20-09-2023</a:t>
+              <a:t>28-09-2023</a:t>
             </a:fld>
             <a:r>
               <a:rPr lang="da-DK"/>
@@ -12847,72 +11290,12 @@
           </a:p>
         </p:txBody>
       </p:sp>
-      <p:graphicFrame>
-        <p:nvGraphicFramePr>
-          <p:cNvPr id="4" name="Chart 3">
+      <p:sp>
+        <p:nvSpPr>
+          <p:cNvPr id="4" name="TextBox 3">
             <a:extLst>
               <a:ext uri="{FF2B5EF4-FFF2-40B4-BE49-F238E27FC236}">
-                <a16:creationId xmlns:a16="http://schemas.microsoft.com/office/drawing/2014/main" id="{A1390813-B0A7-8874-7AB4-10B74D516A17}"/>
-              </a:ext>
-            </a:extLst>
-          </p:cNvPr>
-          <p:cNvGraphicFramePr>
-            <a:graphicFrameLocks/>
-          </p:cNvGraphicFramePr>
-          <p:nvPr>
-            <p:extLst>
-              <p:ext uri="{D42A27DB-BD31-4B8C-83A1-F6EECF244321}">
-                <p14:modId xmlns:p14="http://schemas.microsoft.com/office/powerpoint/2010/main" val="985346005"/>
-              </p:ext>
-            </p:extLst>
-          </p:nvPr>
-        </p:nvGraphicFramePr>
-        <p:xfrm>
-          <a:off x="549796" y="2057400"/>
-          <a:ext cx="4579620" cy="2743200"/>
-        </p:xfrm>
-        <a:graphic>
-          <a:graphicData uri="http://schemas.openxmlformats.org/drawingml/2006/chart">
-            <c:chart xmlns:c="http://schemas.openxmlformats.org/drawingml/2006/chart" xmlns:r="http://schemas.openxmlformats.org/officeDocument/2006/relationships" r:id="rId2"/>
-          </a:graphicData>
-        </a:graphic>
-      </p:graphicFrame>
-      <p:graphicFrame>
-        <p:nvGraphicFramePr>
-          <p:cNvPr id="5" name="Chart 4">
-            <a:extLst>
-              <a:ext uri="{FF2B5EF4-FFF2-40B4-BE49-F238E27FC236}">
-                <a16:creationId xmlns:a16="http://schemas.microsoft.com/office/drawing/2014/main" id="{A919451F-E0F8-4014-968D-E8B180653082}"/>
-              </a:ext>
-            </a:extLst>
-          </p:cNvPr>
-          <p:cNvGraphicFramePr>
-            <a:graphicFrameLocks/>
-          </p:cNvGraphicFramePr>
-          <p:nvPr>
-            <p:extLst>
-              <p:ext uri="{D42A27DB-BD31-4B8C-83A1-F6EECF244321}">
-                <p14:modId xmlns:p14="http://schemas.microsoft.com/office/powerpoint/2010/main" val="3546800527"/>
-              </p:ext>
-            </p:extLst>
-          </p:nvPr>
-        </p:nvGraphicFramePr>
-        <p:xfrm>
-          <a:off x="6114262" y="2044100"/>
-          <a:ext cx="4594860" cy="2750820"/>
-        </p:xfrm>
-        <a:graphic>
-          <a:graphicData uri="http://schemas.openxmlformats.org/drawingml/2006/chart">
-            <c:chart xmlns:c="http://schemas.openxmlformats.org/drawingml/2006/chart" xmlns:r="http://schemas.openxmlformats.org/officeDocument/2006/relationships" r:id="rId3"/>
-          </a:graphicData>
-        </a:graphic>
-      </p:graphicFrame>
-      <p:sp>
-        <p:nvSpPr>
-          <p:cNvPr id="6" name="TextBox 5">
-            <a:extLst>
-              <a:ext uri="{FF2B5EF4-FFF2-40B4-BE49-F238E27FC236}">
-                <a16:creationId xmlns:a16="http://schemas.microsoft.com/office/drawing/2014/main" id="{47E43C31-7836-6B19-C742-A699A23F79AC}"/>
+                <a16:creationId xmlns:a16="http://schemas.microsoft.com/office/drawing/2014/main" id="{19FB2874-9C71-CD46-33EE-25DE7103C071}"/>
               </a:ext>
             </a:extLst>
           </p:cNvPr>
@@ -12921,8 +11304,8 @@
         </p:nvSpPr>
         <p:spPr>
           <a:xfrm>
-            <a:off x="6126132" y="1059571"/>
-            <a:ext cx="5087996" cy="467820"/>
+            <a:off x="3646140" y="231409"/>
+            <a:ext cx="4744889" cy="292388"/>
           </a:xfrm>
           <a:prstGeom prst="rect">
             <a:avLst/>
@@ -12941,163 +11324,1076 @@
               </a:lnSpc>
             </a:pPr>
             <a:r>
-              <a:rPr lang="da-DK" sz="1600" dirty="0" err="1">
-                <a:latin typeface="+mn-lt"/>
-              </a:rPr>
-              <a:t>Slight</a:t>
-            </a:r>
-            <a:r>
-              <a:rPr lang="da-DK" sz="1600" dirty="0">
+              <a:rPr lang="da-DK" sz="2000" dirty="0" err="1">
+                <a:latin typeface="+mn-lt"/>
+              </a:rPr>
+              <a:t>What</a:t>
+            </a:r>
+            <a:r>
+              <a:rPr lang="da-DK" sz="2000" dirty="0">
                 <a:latin typeface="+mn-lt"/>
               </a:rPr>
               <a:t> </a:t>
             </a:r>
             <a:r>
-              <a:rPr lang="da-DK" sz="1600" dirty="0" err="1">
-                <a:latin typeface="+mn-lt"/>
-              </a:rPr>
-              <a:t>overestimation</a:t>
-            </a:r>
-            <a:r>
-              <a:rPr lang="da-DK" sz="1600" dirty="0">
+              <a:rPr lang="da-DK" sz="2000" dirty="0" err="1">
+                <a:latin typeface="+mn-lt"/>
+              </a:rPr>
+              <a:t>if</a:t>
+            </a:r>
+            <a:r>
+              <a:rPr lang="da-DK" sz="2000" dirty="0">
+                <a:latin typeface="+mn-lt"/>
+              </a:rPr>
+              <a:t> </a:t>
+            </a:r>
+            <a:r>
+              <a:rPr lang="da-DK" sz="2000" dirty="0" err="1">
+                <a:latin typeface="+mn-lt"/>
+              </a:rPr>
+              <a:t>we</a:t>
+            </a:r>
+            <a:r>
+              <a:rPr lang="da-DK" sz="2000" dirty="0">
+                <a:latin typeface="+mn-lt"/>
+              </a:rPr>
+              <a:t> </a:t>
+            </a:r>
+            <a:r>
+              <a:rPr lang="da-DK" sz="2000" dirty="0" err="1">
+                <a:latin typeface="+mn-lt"/>
+              </a:rPr>
+              <a:t>reduce</a:t>
+            </a:r>
+            <a:r>
+              <a:rPr lang="da-DK" sz="2000" dirty="0">
+                <a:latin typeface="+mn-lt"/>
+              </a:rPr>
+              <a:t> </a:t>
+            </a:r>
+            <a:r>
+              <a:rPr lang="da-DK" sz="2000" dirty="0" err="1">
+                <a:latin typeface="+mn-lt"/>
+              </a:rPr>
+              <a:t>number</a:t>
+            </a:r>
+            <a:r>
+              <a:rPr lang="da-DK" sz="2000" dirty="0">
                 <a:latin typeface="+mn-lt"/>
               </a:rPr>
               <a:t> of </a:t>
             </a:r>
             <a:r>
-              <a:rPr lang="da-DK" sz="1600" dirty="0" err="1">
-                <a:latin typeface="+mn-lt"/>
-              </a:rPr>
-              <a:t>methane</a:t>
-            </a:r>
-            <a:r>
-              <a:rPr lang="da-DK" sz="1600" dirty="0">
-                <a:latin typeface="+mn-lt"/>
-              </a:rPr>
-              <a:t> with the </a:t>
-            </a:r>
-            <a:r>
-              <a:rPr lang="da-DK" sz="1600" dirty="0" err="1">
-                <a:latin typeface="+mn-lt"/>
-              </a:rPr>
-              <a:t>two</a:t>
-            </a:r>
-            <a:r>
-              <a:rPr lang="da-DK" sz="1600" dirty="0">
-                <a:latin typeface="+mn-lt"/>
-              </a:rPr>
-              <a:t> </a:t>
-            </a:r>
-            <a:r>
-              <a:rPr lang="da-DK" sz="1600" dirty="0" err="1">
-                <a:latin typeface="+mn-lt"/>
-              </a:rPr>
-              <a:t>methods</a:t>
-            </a:r>
-            <a:r>
-              <a:rPr lang="da-DK" sz="1600" dirty="0">
-                <a:latin typeface="+mn-lt"/>
-              </a:rPr>
-              <a:t>, </a:t>
-            </a:r>
-          </a:p>
-          <a:p>
-            <a:pPr>
-              <a:lnSpc>
-                <a:spcPct val="95000"/>
-              </a:lnSpc>
-            </a:pPr>
-            <a:r>
-              <a:rPr lang="da-DK" sz="1600" dirty="0">
-                <a:latin typeface="+mn-lt"/>
-              </a:rPr>
-              <a:t>but </a:t>
-            </a:r>
-            <a:r>
-              <a:rPr lang="da-DK" sz="1600" dirty="0" err="1">
-                <a:latin typeface="+mn-lt"/>
-              </a:rPr>
-              <a:t>almost</a:t>
-            </a:r>
-            <a:r>
-              <a:rPr lang="da-DK" sz="1600" dirty="0">
-                <a:latin typeface="+mn-lt"/>
-              </a:rPr>
-              <a:t> </a:t>
-            </a:r>
-            <a:r>
-              <a:rPr lang="da-DK" sz="1600" dirty="0" err="1">
-                <a:latin typeface="+mn-lt"/>
-              </a:rPr>
-              <a:t>nothing</a:t>
-            </a:r>
-            <a:r>
-              <a:rPr lang="da-DK" sz="1600" dirty="0">
-                <a:latin typeface="+mn-lt"/>
-              </a:rPr>
-              <a:t> for </a:t>
-            </a:r>
-            <a:r>
-              <a:rPr lang="da-DK" sz="1600" dirty="0" err="1">
-                <a:latin typeface="+mn-lt"/>
-              </a:rPr>
-              <a:t>weekly</a:t>
-            </a:r>
-            <a:r>
-              <a:rPr lang="da-DK" sz="1600" dirty="0">
-                <a:latin typeface="+mn-lt"/>
-              </a:rPr>
-              <a:t> </a:t>
-            </a:r>
-            <a:r>
-              <a:rPr lang="da-DK" sz="1600" dirty="0" err="1">
-                <a:latin typeface="+mn-lt"/>
-              </a:rPr>
-              <a:t>flushing</a:t>
-            </a:r>
-            <a:r>
-              <a:rPr lang="da-DK" sz="1600" dirty="0">
-                <a:latin typeface="+mn-lt"/>
-              </a:rPr>
-              <a:t> + method2</a:t>
-            </a:r>
-          </a:p>
-        </p:txBody>
-      </p:sp>
-      <p:pic>
-        <p:nvPicPr>
-          <p:cNvPr id="7" name="Picture 6">
+              <a:rPr lang="da-DK" sz="2000" dirty="0" err="1">
+                <a:latin typeface="+mn-lt"/>
+              </a:rPr>
+              <a:t>weeks</a:t>
+            </a:r>
+            <a:r>
+              <a:rPr lang="da-DK" sz="2000" dirty="0">
+                <a:latin typeface="+mn-lt"/>
+              </a:rPr>
+              <a:t> to 10</a:t>
+            </a:r>
+          </a:p>
+        </p:txBody>
+      </p:sp>
+      <p:sp>
+        <p:nvSpPr>
+          <p:cNvPr id="8" name="TextBox 7">
             <a:extLst>
               <a:ext uri="{FF2B5EF4-FFF2-40B4-BE49-F238E27FC236}">
-                <a16:creationId xmlns:a16="http://schemas.microsoft.com/office/drawing/2014/main" id="{123F6BE0-6C9B-B5D6-9E25-A3DE25618FDB}"/>
+                <a16:creationId xmlns:a16="http://schemas.microsoft.com/office/drawing/2014/main" id="{DADA6CF7-7629-227F-3E58-FE1EEC2CD454}"/>
               </a:ext>
             </a:extLst>
           </p:cNvPr>
-          <p:cNvPicPr>
-            <a:picLocks noChangeAspect="1"/>
-          </p:cNvPicPr>
+          <p:cNvSpPr txBox="1"/>
           <p:nvPr/>
-        </p:nvPicPr>
-        <p:blipFill>
-          <a:blip r:embed="rId4"/>
-          <a:stretch>
-            <a:fillRect/>
-          </a:stretch>
-        </p:blipFill>
+        </p:nvSpPr>
         <p:spPr>
           <a:xfrm>
-            <a:off x="1269876" y="5013176"/>
-            <a:ext cx="8907118" cy="1095528"/>
+            <a:off x="549796" y="764704"/>
+            <a:ext cx="2232248" cy="3970318"/>
           </a:xfrm>
           <a:prstGeom prst="rect">
             <a:avLst/>
           </a:prstGeom>
-        </p:spPr>
-      </p:pic>
+          <a:noFill/>
+        </p:spPr>
+        <p:txBody>
+          <a:bodyPr wrap="square">
+            <a:spAutoFit/>
+          </a:bodyPr>
+          <a:lstStyle/>
+          <a:p>
+            <a:pPr>
+              <a:lnSpc>
+                <a:spcPct val="100000"/>
+              </a:lnSpc>
+              <a:buFont typeface="Calibri" panose="020F0502020204030204" pitchFamily="34" charset="0"/>
+              <a:buNone/>
+            </a:pPr>
+            <a:r>
+              <a:rPr lang="da-DK" sz="1800" kern="0" dirty="0"/>
+              <a:t>set1: 1, 9 </a:t>
+            </a:r>
+          </a:p>
+          <a:p>
+            <a:pPr>
+              <a:lnSpc>
+                <a:spcPct val="100000"/>
+              </a:lnSpc>
+              <a:buFont typeface="Calibri" panose="020F0502020204030204" pitchFamily="34" charset="0"/>
+              <a:buNone/>
+            </a:pPr>
+            <a:r>
+              <a:rPr lang="da-DK" sz="1800" kern="0" dirty="0"/>
+              <a:t>set2: 4, 8 </a:t>
+            </a:r>
+          </a:p>
+          <a:p>
+            <a:pPr>
+              <a:lnSpc>
+                <a:spcPct val="100000"/>
+              </a:lnSpc>
+              <a:buFont typeface="Calibri" panose="020F0502020204030204" pitchFamily="34" charset="0"/>
+              <a:buNone/>
+            </a:pPr>
+            <a:r>
+              <a:rPr lang="da-DK" sz="1800" kern="0" dirty="0"/>
+              <a:t>set3: 3, 7, 11 </a:t>
+            </a:r>
+          </a:p>
+          <a:p>
+            <a:pPr>
+              <a:lnSpc>
+                <a:spcPct val="100000"/>
+              </a:lnSpc>
+              <a:buFont typeface="Calibri" panose="020F0502020204030204" pitchFamily="34" charset="0"/>
+              <a:buNone/>
+            </a:pPr>
+            <a:r>
+              <a:rPr lang="da-DK" sz="1800" kern="0" dirty="0"/>
+              <a:t>set4: 2, 6, 10</a:t>
+            </a:r>
+          </a:p>
+          <a:p>
+            <a:pPr>
+              <a:lnSpc>
+                <a:spcPct val="100000"/>
+              </a:lnSpc>
+              <a:buFont typeface="Calibri" panose="020F0502020204030204" pitchFamily="34" charset="0"/>
+              <a:buNone/>
+            </a:pPr>
+            <a:endParaRPr lang="da-DK" sz="1800" kern="0" dirty="0"/>
+          </a:p>
+          <a:p>
+            <a:pPr>
+              <a:lnSpc>
+                <a:spcPct val="100000"/>
+              </a:lnSpc>
+              <a:buFont typeface="Calibri" panose="020F0502020204030204" pitchFamily="34" charset="0"/>
+              <a:buNone/>
+            </a:pPr>
+            <a:r>
+              <a:rPr lang="da-DK" sz="1800" kern="0" dirty="0"/>
+              <a:t>Control:</a:t>
+            </a:r>
+          </a:p>
+          <a:p>
+            <a:pPr>
+              <a:lnSpc>
+                <a:spcPct val="100000"/>
+              </a:lnSpc>
+              <a:buFont typeface="Calibri" panose="020F0502020204030204" pitchFamily="34" charset="0"/>
+              <a:buNone/>
+            </a:pPr>
+            <a:endParaRPr lang="da-DK" sz="1800" kern="0" dirty="0"/>
+          </a:p>
+          <a:p>
+            <a:pPr>
+              <a:lnSpc>
+                <a:spcPct val="100000"/>
+              </a:lnSpc>
+              <a:buFont typeface="Calibri" panose="020F0502020204030204" pitchFamily="34" charset="0"/>
+              <a:buNone/>
+            </a:pPr>
+            <a:r>
+              <a:rPr lang="da-DK" sz="1800" kern="0" dirty="0"/>
+              <a:t>Mean </a:t>
+            </a:r>
+            <a:r>
+              <a:rPr lang="da-DK" sz="1800" kern="0" dirty="0" err="1"/>
+              <a:t>error</a:t>
+            </a:r>
+            <a:r>
+              <a:rPr lang="da-DK" sz="1800" kern="0" dirty="0"/>
+              <a:t> = -1.197</a:t>
+            </a:r>
+          </a:p>
+          <a:p>
+            <a:pPr>
+              <a:lnSpc>
+                <a:spcPct val="100000"/>
+              </a:lnSpc>
+              <a:buFont typeface="Calibri" panose="020F0502020204030204" pitchFamily="34" charset="0"/>
+              <a:buNone/>
+            </a:pPr>
+            <a:r>
+              <a:rPr lang="da-DK" sz="1800" kern="0" dirty="0" err="1"/>
+              <a:t>Sd</a:t>
+            </a:r>
+            <a:r>
+              <a:rPr lang="da-DK" sz="1800" kern="0" dirty="0"/>
+              <a:t> </a:t>
+            </a:r>
+            <a:r>
+              <a:rPr lang="da-DK" sz="1800" kern="0" dirty="0" err="1"/>
+              <a:t>error</a:t>
+            </a:r>
+            <a:r>
+              <a:rPr lang="da-DK" sz="1800" kern="0" dirty="0"/>
+              <a:t> = 5.93</a:t>
+            </a:r>
+          </a:p>
+          <a:p>
+            <a:pPr>
+              <a:lnSpc>
+                <a:spcPct val="100000"/>
+              </a:lnSpc>
+              <a:buFont typeface="Calibri" panose="020F0502020204030204" pitchFamily="34" charset="0"/>
+              <a:buNone/>
+            </a:pPr>
+            <a:endParaRPr lang="da-DK" sz="1800" kern="0" dirty="0"/>
+          </a:p>
+          <a:p>
+            <a:pPr>
+              <a:lnSpc>
+                <a:spcPct val="100000"/>
+              </a:lnSpc>
+              <a:buFont typeface="Calibri" panose="020F0502020204030204" pitchFamily="34" charset="0"/>
+              <a:buNone/>
+            </a:pPr>
+            <a:r>
+              <a:rPr lang="da-DK" sz="1800" kern="0" dirty="0" err="1"/>
+              <a:t>Weekly</a:t>
+            </a:r>
+            <a:r>
+              <a:rPr lang="da-DK" sz="1800" kern="0" dirty="0"/>
+              <a:t>:</a:t>
+            </a:r>
+          </a:p>
+          <a:p>
+            <a:pPr>
+              <a:lnSpc>
+                <a:spcPct val="100000"/>
+              </a:lnSpc>
+              <a:buFont typeface="Calibri" panose="020F0502020204030204" pitchFamily="34" charset="0"/>
+              <a:buNone/>
+            </a:pPr>
+            <a:endParaRPr lang="da-DK" sz="1800" kern="0" dirty="0"/>
+          </a:p>
+          <a:p>
+            <a:pPr>
+              <a:lnSpc>
+                <a:spcPct val="100000"/>
+              </a:lnSpc>
+              <a:buFont typeface="Calibri" panose="020F0502020204030204" pitchFamily="34" charset="0"/>
+              <a:buNone/>
+            </a:pPr>
+            <a:r>
+              <a:rPr lang="da-DK" sz="1800" kern="0" dirty="0"/>
+              <a:t>Mean </a:t>
+            </a:r>
+            <a:r>
+              <a:rPr lang="da-DK" sz="1800" kern="0" dirty="0" err="1"/>
+              <a:t>error</a:t>
+            </a:r>
+            <a:r>
+              <a:rPr lang="da-DK" sz="1800" kern="0" dirty="0"/>
+              <a:t> = 0.92</a:t>
+            </a:r>
+          </a:p>
+          <a:p>
+            <a:pPr>
+              <a:lnSpc>
+                <a:spcPct val="100000"/>
+              </a:lnSpc>
+              <a:buFont typeface="Calibri" panose="020F0502020204030204" pitchFamily="34" charset="0"/>
+              <a:buNone/>
+            </a:pPr>
+            <a:r>
+              <a:rPr lang="da-DK" sz="1800" kern="0" dirty="0" err="1"/>
+              <a:t>Sd</a:t>
+            </a:r>
+            <a:r>
+              <a:rPr lang="da-DK" sz="1800" kern="0" dirty="0"/>
+              <a:t> </a:t>
+            </a:r>
+            <a:r>
+              <a:rPr lang="da-DK" sz="1800" kern="0" dirty="0" err="1"/>
+              <a:t>error</a:t>
+            </a:r>
+            <a:r>
+              <a:rPr lang="da-DK" sz="1800" kern="0" dirty="0"/>
+              <a:t> = 3.30</a:t>
+            </a:r>
+          </a:p>
+        </p:txBody>
+      </p:sp>
+      <p:sp>
+        <p:nvSpPr>
+          <p:cNvPr id="9" name="TextBox 8">
+            <a:extLst>
+              <a:ext uri="{FF2B5EF4-FFF2-40B4-BE49-F238E27FC236}">
+                <a16:creationId xmlns:a16="http://schemas.microsoft.com/office/drawing/2014/main" id="{17FBDB23-B3F0-BA2B-F810-33EED48F3F11}"/>
+              </a:ext>
+            </a:extLst>
+          </p:cNvPr>
+          <p:cNvSpPr txBox="1"/>
+          <p:nvPr/>
+        </p:nvSpPr>
+        <p:spPr>
+          <a:xfrm>
+            <a:off x="3358108" y="764703"/>
+            <a:ext cx="2232248" cy="4247317"/>
+          </a:xfrm>
+          <a:prstGeom prst="rect">
+            <a:avLst/>
+          </a:prstGeom>
+          <a:noFill/>
+        </p:spPr>
+        <p:txBody>
+          <a:bodyPr wrap="square">
+            <a:spAutoFit/>
+          </a:bodyPr>
+          <a:lstStyle/>
+          <a:p>
+            <a:pPr>
+              <a:lnSpc>
+                <a:spcPct val="100000"/>
+              </a:lnSpc>
+              <a:buFont typeface="Calibri" panose="020F0502020204030204" pitchFamily="34" charset="0"/>
+              <a:buNone/>
+            </a:pPr>
+            <a:r>
+              <a:rPr lang="da-DK" sz="1800" kern="0" dirty="0"/>
+              <a:t>set1: 1, 5, 9 </a:t>
+            </a:r>
+          </a:p>
+          <a:p>
+            <a:pPr>
+              <a:lnSpc>
+                <a:spcPct val="100000"/>
+              </a:lnSpc>
+              <a:buFont typeface="Calibri" panose="020F0502020204030204" pitchFamily="34" charset="0"/>
+              <a:buNone/>
+            </a:pPr>
+            <a:r>
+              <a:rPr lang="da-DK" sz="1800" kern="0" dirty="0"/>
+              <a:t>set2: 4, 8 </a:t>
+            </a:r>
+          </a:p>
+          <a:p>
+            <a:pPr>
+              <a:lnSpc>
+                <a:spcPct val="100000"/>
+              </a:lnSpc>
+              <a:buFont typeface="Calibri" panose="020F0502020204030204" pitchFamily="34" charset="0"/>
+              <a:buNone/>
+            </a:pPr>
+            <a:r>
+              <a:rPr lang="da-DK" sz="1800" kern="0" dirty="0"/>
+              <a:t>set3: 3, 7, 11 </a:t>
+            </a:r>
+          </a:p>
+          <a:p>
+            <a:pPr>
+              <a:lnSpc>
+                <a:spcPct val="100000"/>
+              </a:lnSpc>
+              <a:buFont typeface="Calibri" panose="020F0502020204030204" pitchFamily="34" charset="0"/>
+              <a:buNone/>
+            </a:pPr>
+            <a:r>
+              <a:rPr lang="da-DK" sz="1800" kern="0" dirty="0"/>
+              <a:t>set4: 2, 10</a:t>
+            </a:r>
+          </a:p>
+          <a:p>
+            <a:pPr>
+              <a:lnSpc>
+                <a:spcPct val="100000"/>
+              </a:lnSpc>
+              <a:buFont typeface="Calibri" panose="020F0502020204030204" pitchFamily="34" charset="0"/>
+              <a:buNone/>
+            </a:pPr>
+            <a:endParaRPr lang="da-DK" sz="1800" kern="0" dirty="0"/>
+          </a:p>
+          <a:p>
+            <a:pPr>
+              <a:lnSpc>
+                <a:spcPct val="100000"/>
+              </a:lnSpc>
+              <a:buFont typeface="Calibri" panose="020F0502020204030204" pitchFamily="34" charset="0"/>
+              <a:buNone/>
+            </a:pPr>
+            <a:r>
+              <a:rPr lang="da-DK" sz="1800" kern="0" dirty="0"/>
+              <a:t>Control:</a:t>
+            </a:r>
+          </a:p>
+          <a:p>
+            <a:pPr>
+              <a:lnSpc>
+                <a:spcPct val="100000"/>
+              </a:lnSpc>
+              <a:buFont typeface="Calibri" panose="020F0502020204030204" pitchFamily="34" charset="0"/>
+              <a:buNone/>
+            </a:pPr>
+            <a:endParaRPr lang="da-DK" sz="1800" kern="0" dirty="0"/>
+          </a:p>
+          <a:p>
+            <a:pPr>
+              <a:lnSpc>
+                <a:spcPct val="100000"/>
+              </a:lnSpc>
+              <a:buFont typeface="Calibri" panose="020F0502020204030204" pitchFamily="34" charset="0"/>
+              <a:buNone/>
+            </a:pPr>
+            <a:r>
+              <a:rPr lang="da-DK" sz="1800" kern="0" dirty="0"/>
+              <a:t>Mean </a:t>
+            </a:r>
+            <a:r>
+              <a:rPr lang="da-DK" sz="1800" kern="0" dirty="0" err="1"/>
+              <a:t>error</a:t>
+            </a:r>
+            <a:r>
+              <a:rPr lang="da-DK" sz="1800" kern="0" dirty="0"/>
+              <a:t> = -1.356</a:t>
+            </a:r>
+          </a:p>
+          <a:p>
+            <a:pPr>
+              <a:lnSpc>
+                <a:spcPct val="100000"/>
+              </a:lnSpc>
+              <a:buFont typeface="Calibri" panose="020F0502020204030204" pitchFamily="34" charset="0"/>
+              <a:buNone/>
+            </a:pPr>
+            <a:r>
+              <a:rPr lang="da-DK" sz="1800" kern="0" dirty="0" err="1"/>
+              <a:t>Sd</a:t>
+            </a:r>
+            <a:r>
+              <a:rPr lang="da-DK" sz="1800" kern="0" dirty="0"/>
+              <a:t> </a:t>
+            </a:r>
+            <a:r>
+              <a:rPr lang="da-DK" sz="1800" kern="0" dirty="0" err="1"/>
+              <a:t>error</a:t>
+            </a:r>
+            <a:r>
+              <a:rPr lang="da-DK" sz="1800" kern="0" dirty="0"/>
+              <a:t> = 5.18</a:t>
+            </a:r>
+          </a:p>
+          <a:p>
+            <a:pPr>
+              <a:lnSpc>
+                <a:spcPct val="100000"/>
+              </a:lnSpc>
+              <a:buFont typeface="Calibri" panose="020F0502020204030204" pitchFamily="34" charset="0"/>
+              <a:buNone/>
+            </a:pPr>
+            <a:endParaRPr lang="da-DK" sz="1800" kern="0" dirty="0"/>
+          </a:p>
+          <a:p>
+            <a:pPr>
+              <a:lnSpc>
+                <a:spcPct val="100000"/>
+              </a:lnSpc>
+              <a:buFont typeface="Calibri" panose="020F0502020204030204" pitchFamily="34" charset="0"/>
+              <a:buNone/>
+            </a:pPr>
+            <a:r>
+              <a:rPr lang="da-DK" sz="1800" kern="0" dirty="0" err="1"/>
+              <a:t>Weekly</a:t>
+            </a:r>
+            <a:r>
+              <a:rPr lang="da-DK" sz="1800" kern="0" dirty="0"/>
+              <a:t>:</a:t>
+            </a:r>
+          </a:p>
+          <a:p>
+            <a:pPr>
+              <a:lnSpc>
+                <a:spcPct val="100000"/>
+              </a:lnSpc>
+              <a:buFont typeface="Calibri" panose="020F0502020204030204" pitchFamily="34" charset="0"/>
+              <a:buNone/>
+            </a:pPr>
+            <a:endParaRPr lang="da-DK" sz="1800" kern="0" dirty="0"/>
+          </a:p>
+          <a:p>
+            <a:pPr>
+              <a:lnSpc>
+                <a:spcPct val="100000"/>
+              </a:lnSpc>
+              <a:buFont typeface="Calibri" panose="020F0502020204030204" pitchFamily="34" charset="0"/>
+              <a:buNone/>
+            </a:pPr>
+            <a:r>
+              <a:rPr lang="da-DK" sz="1800" kern="0" dirty="0"/>
+              <a:t>Mean </a:t>
+            </a:r>
+            <a:r>
+              <a:rPr lang="da-DK" sz="1800" kern="0" dirty="0" err="1"/>
+              <a:t>error</a:t>
+            </a:r>
+            <a:r>
+              <a:rPr lang="da-DK" sz="1800" kern="0" dirty="0"/>
+              <a:t> = 0.446</a:t>
+            </a:r>
+          </a:p>
+          <a:p>
+            <a:pPr>
+              <a:lnSpc>
+                <a:spcPct val="100000"/>
+              </a:lnSpc>
+              <a:buFont typeface="Calibri" panose="020F0502020204030204" pitchFamily="34" charset="0"/>
+              <a:buNone/>
+            </a:pPr>
+            <a:r>
+              <a:rPr lang="da-DK" sz="1800" kern="0" dirty="0" err="1"/>
+              <a:t>Sd</a:t>
+            </a:r>
+            <a:r>
+              <a:rPr lang="da-DK" sz="1800" kern="0" dirty="0"/>
+              <a:t> </a:t>
+            </a:r>
+            <a:r>
+              <a:rPr lang="da-DK" sz="1800" kern="0" dirty="0" err="1"/>
+              <a:t>error</a:t>
+            </a:r>
+            <a:r>
+              <a:rPr lang="da-DK" sz="1800" kern="0" dirty="0"/>
+              <a:t> = 3.53</a:t>
+            </a:r>
+          </a:p>
+          <a:p>
+            <a:pPr>
+              <a:lnSpc>
+                <a:spcPct val="100000"/>
+              </a:lnSpc>
+              <a:buFont typeface="Calibri" panose="020F0502020204030204" pitchFamily="34" charset="0"/>
+              <a:buNone/>
+            </a:pPr>
+            <a:endParaRPr lang="da-DK" sz="1800" kern="0" dirty="0"/>
+          </a:p>
+        </p:txBody>
+      </p:sp>
+      <p:sp>
+        <p:nvSpPr>
+          <p:cNvPr id="10" name="TextBox 9">
+            <a:extLst>
+              <a:ext uri="{FF2B5EF4-FFF2-40B4-BE49-F238E27FC236}">
+                <a16:creationId xmlns:a16="http://schemas.microsoft.com/office/drawing/2014/main" id="{92B89CD6-BC1D-1FF0-041F-9E838FB2B736}"/>
+              </a:ext>
+            </a:extLst>
+          </p:cNvPr>
+          <p:cNvSpPr txBox="1"/>
+          <p:nvPr/>
+        </p:nvSpPr>
+        <p:spPr>
+          <a:xfrm>
+            <a:off x="5742756" y="764702"/>
+            <a:ext cx="2232248" cy="3970318"/>
+          </a:xfrm>
+          <a:prstGeom prst="rect">
+            <a:avLst/>
+          </a:prstGeom>
+          <a:noFill/>
+        </p:spPr>
+        <p:txBody>
+          <a:bodyPr wrap="square">
+            <a:spAutoFit/>
+          </a:bodyPr>
+          <a:lstStyle/>
+          <a:p>
+            <a:pPr>
+              <a:lnSpc>
+                <a:spcPct val="100000"/>
+              </a:lnSpc>
+              <a:buFont typeface="Calibri" panose="020F0502020204030204" pitchFamily="34" charset="0"/>
+              <a:buNone/>
+            </a:pPr>
+            <a:r>
+              <a:rPr lang="da-DK" sz="1800" kern="0" dirty="0"/>
+              <a:t>set1: 5, 9 </a:t>
+            </a:r>
+          </a:p>
+          <a:p>
+            <a:pPr>
+              <a:lnSpc>
+                <a:spcPct val="100000"/>
+              </a:lnSpc>
+              <a:buFont typeface="Calibri" panose="020F0502020204030204" pitchFamily="34" charset="0"/>
+              <a:buNone/>
+            </a:pPr>
+            <a:r>
+              <a:rPr lang="da-DK" sz="1800" kern="0" dirty="0"/>
+              <a:t>set2: 4, 8 </a:t>
+            </a:r>
+          </a:p>
+          <a:p>
+            <a:pPr>
+              <a:lnSpc>
+                <a:spcPct val="100000"/>
+              </a:lnSpc>
+              <a:buFont typeface="Calibri" panose="020F0502020204030204" pitchFamily="34" charset="0"/>
+              <a:buNone/>
+            </a:pPr>
+            <a:r>
+              <a:rPr lang="da-DK" sz="1800" kern="0" dirty="0"/>
+              <a:t>set3: 3, 7, 11 </a:t>
+            </a:r>
+          </a:p>
+          <a:p>
+            <a:pPr>
+              <a:lnSpc>
+                <a:spcPct val="100000"/>
+              </a:lnSpc>
+              <a:buFont typeface="Calibri" panose="020F0502020204030204" pitchFamily="34" charset="0"/>
+              <a:buNone/>
+            </a:pPr>
+            <a:r>
+              <a:rPr lang="da-DK" sz="1800" kern="0" dirty="0"/>
+              <a:t>set4: 2, 6, 10</a:t>
+            </a:r>
+          </a:p>
+          <a:p>
+            <a:pPr>
+              <a:lnSpc>
+                <a:spcPct val="100000"/>
+              </a:lnSpc>
+              <a:buFont typeface="Calibri" panose="020F0502020204030204" pitchFamily="34" charset="0"/>
+              <a:buNone/>
+            </a:pPr>
+            <a:endParaRPr lang="da-DK" sz="1800" kern="0" dirty="0"/>
+          </a:p>
+          <a:p>
+            <a:pPr>
+              <a:lnSpc>
+                <a:spcPct val="100000"/>
+              </a:lnSpc>
+              <a:buFont typeface="Calibri" panose="020F0502020204030204" pitchFamily="34" charset="0"/>
+              <a:buNone/>
+            </a:pPr>
+            <a:r>
+              <a:rPr lang="da-DK" sz="1800" kern="0" dirty="0"/>
+              <a:t>Control:</a:t>
+            </a:r>
+          </a:p>
+          <a:p>
+            <a:pPr>
+              <a:lnSpc>
+                <a:spcPct val="100000"/>
+              </a:lnSpc>
+              <a:buFont typeface="Calibri" panose="020F0502020204030204" pitchFamily="34" charset="0"/>
+              <a:buNone/>
+            </a:pPr>
+            <a:endParaRPr lang="da-DK" sz="1800" kern="0" dirty="0"/>
+          </a:p>
+          <a:p>
+            <a:pPr>
+              <a:lnSpc>
+                <a:spcPct val="100000"/>
+              </a:lnSpc>
+              <a:buFont typeface="Calibri" panose="020F0502020204030204" pitchFamily="34" charset="0"/>
+              <a:buNone/>
+            </a:pPr>
+            <a:r>
+              <a:rPr lang="da-DK" sz="1800" kern="0" dirty="0"/>
+              <a:t>Mean </a:t>
+            </a:r>
+            <a:r>
+              <a:rPr lang="da-DK" sz="1800" kern="0" dirty="0" err="1"/>
+              <a:t>error</a:t>
+            </a:r>
+            <a:r>
+              <a:rPr lang="da-DK" sz="1800" kern="0" dirty="0"/>
+              <a:t> = 7.129</a:t>
+            </a:r>
+          </a:p>
+          <a:p>
+            <a:pPr>
+              <a:lnSpc>
+                <a:spcPct val="100000"/>
+              </a:lnSpc>
+              <a:buFont typeface="Calibri" panose="020F0502020204030204" pitchFamily="34" charset="0"/>
+              <a:buNone/>
+            </a:pPr>
+            <a:r>
+              <a:rPr lang="da-DK" sz="1800" kern="0" dirty="0" err="1"/>
+              <a:t>Sd</a:t>
+            </a:r>
+            <a:r>
+              <a:rPr lang="da-DK" sz="1800" kern="0" dirty="0"/>
+              <a:t> </a:t>
+            </a:r>
+            <a:r>
+              <a:rPr lang="da-DK" sz="1800" kern="0" dirty="0" err="1"/>
+              <a:t>error</a:t>
+            </a:r>
+            <a:r>
+              <a:rPr lang="da-DK" sz="1800" kern="0" dirty="0"/>
+              <a:t> = 5.34</a:t>
+            </a:r>
+          </a:p>
+          <a:p>
+            <a:pPr>
+              <a:lnSpc>
+                <a:spcPct val="100000"/>
+              </a:lnSpc>
+              <a:buFont typeface="Calibri" panose="020F0502020204030204" pitchFamily="34" charset="0"/>
+              <a:buNone/>
+            </a:pPr>
+            <a:endParaRPr lang="da-DK" sz="1800" kern="0" dirty="0"/>
+          </a:p>
+          <a:p>
+            <a:pPr>
+              <a:lnSpc>
+                <a:spcPct val="100000"/>
+              </a:lnSpc>
+              <a:buFont typeface="Calibri" panose="020F0502020204030204" pitchFamily="34" charset="0"/>
+              <a:buNone/>
+            </a:pPr>
+            <a:r>
+              <a:rPr lang="da-DK" sz="1800" kern="0" dirty="0" err="1"/>
+              <a:t>Weekly</a:t>
+            </a:r>
+            <a:r>
+              <a:rPr lang="da-DK" sz="1800" kern="0" dirty="0"/>
+              <a:t>:</a:t>
+            </a:r>
+          </a:p>
+          <a:p>
+            <a:pPr>
+              <a:lnSpc>
+                <a:spcPct val="100000"/>
+              </a:lnSpc>
+              <a:buFont typeface="Calibri" panose="020F0502020204030204" pitchFamily="34" charset="0"/>
+              <a:buNone/>
+            </a:pPr>
+            <a:endParaRPr lang="da-DK" sz="1800" kern="0" dirty="0"/>
+          </a:p>
+          <a:p>
+            <a:pPr>
+              <a:lnSpc>
+                <a:spcPct val="100000"/>
+              </a:lnSpc>
+              <a:buFont typeface="Calibri" panose="020F0502020204030204" pitchFamily="34" charset="0"/>
+              <a:buNone/>
+            </a:pPr>
+            <a:r>
+              <a:rPr lang="da-DK" sz="1800" kern="0" dirty="0"/>
+              <a:t>Mean </a:t>
+            </a:r>
+            <a:r>
+              <a:rPr lang="da-DK" sz="1800" kern="0" dirty="0" err="1"/>
+              <a:t>error</a:t>
+            </a:r>
+            <a:r>
+              <a:rPr lang="da-DK" sz="1800" kern="0" dirty="0"/>
+              <a:t> = 4.69</a:t>
+            </a:r>
+          </a:p>
+          <a:p>
+            <a:pPr>
+              <a:lnSpc>
+                <a:spcPct val="100000"/>
+              </a:lnSpc>
+              <a:buFont typeface="Calibri" panose="020F0502020204030204" pitchFamily="34" charset="0"/>
+              <a:buNone/>
+            </a:pPr>
+            <a:r>
+              <a:rPr lang="da-DK" sz="1800" kern="0" dirty="0" err="1"/>
+              <a:t>Sd</a:t>
+            </a:r>
+            <a:r>
+              <a:rPr lang="da-DK" sz="1800" kern="0" dirty="0"/>
+              <a:t> </a:t>
+            </a:r>
+            <a:r>
+              <a:rPr lang="da-DK" sz="1800" kern="0" dirty="0" err="1"/>
+              <a:t>error</a:t>
+            </a:r>
+            <a:r>
+              <a:rPr lang="da-DK" sz="1800" kern="0" dirty="0"/>
+              <a:t> = 3.8</a:t>
+            </a:r>
+          </a:p>
+        </p:txBody>
+      </p:sp>
+      <p:sp>
+        <p:nvSpPr>
+          <p:cNvPr id="11" name="TextBox 10">
+            <a:extLst>
+              <a:ext uri="{FF2B5EF4-FFF2-40B4-BE49-F238E27FC236}">
+                <a16:creationId xmlns:a16="http://schemas.microsoft.com/office/drawing/2014/main" id="{3A8B2046-A80C-B1DB-56D3-477DC7027E1F}"/>
+              </a:ext>
+            </a:extLst>
+          </p:cNvPr>
+          <p:cNvSpPr txBox="1"/>
+          <p:nvPr/>
+        </p:nvSpPr>
+        <p:spPr>
+          <a:xfrm>
+            <a:off x="8551068" y="764701"/>
+            <a:ext cx="2232248" cy="4247317"/>
+          </a:xfrm>
+          <a:prstGeom prst="rect">
+            <a:avLst/>
+          </a:prstGeom>
+          <a:noFill/>
+        </p:spPr>
+        <p:txBody>
+          <a:bodyPr wrap="square">
+            <a:spAutoFit/>
+          </a:bodyPr>
+          <a:lstStyle/>
+          <a:p>
+            <a:pPr>
+              <a:lnSpc>
+                <a:spcPct val="100000"/>
+              </a:lnSpc>
+              <a:buFont typeface="Calibri" panose="020F0502020204030204" pitchFamily="34" charset="0"/>
+              <a:buNone/>
+            </a:pPr>
+            <a:r>
+              <a:rPr lang="da-DK" sz="1800" kern="0" dirty="0"/>
+              <a:t>set1: 1, 5, 9 </a:t>
+            </a:r>
+          </a:p>
+          <a:p>
+            <a:pPr>
+              <a:lnSpc>
+                <a:spcPct val="100000"/>
+              </a:lnSpc>
+              <a:buFont typeface="Calibri" panose="020F0502020204030204" pitchFamily="34" charset="0"/>
+              <a:buNone/>
+            </a:pPr>
+            <a:r>
+              <a:rPr lang="da-DK" sz="1800" kern="0" dirty="0"/>
+              <a:t>set2: 4, 8 </a:t>
+            </a:r>
+          </a:p>
+          <a:p>
+            <a:pPr>
+              <a:lnSpc>
+                <a:spcPct val="100000"/>
+              </a:lnSpc>
+              <a:buFont typeface="Calibri" panose="020F0502020204030204" pitchFamily="34" charset="0"/>
+              <a:buNone/>
+            </a:pPr>
+            <a:r>
+              <a:rPr lang="da-DK" sz="1800" kern="0" dirty="0"/>
+              <a:t>set3: 3, 7 </a:t>
+            </a:r>
+          </a:p>
+          <a:p>
+            <a:pPr>
+              <a:lnSpc>
+                <a:spcPct val="100000"/>
+              </a:lnSpc>
+              <a:buFont typeface="Calibri" panose="020F0502020204030204" pitchFamily="34" charset="0"/>
+              <a:buNone/>
+            </a:pPr>
+            <a:r>
+              <a:rPr lang="da-DK" sz="1800" kern="0" dirty="0"/>
+              <a:t>set4: 2, 6, 10</a:t>
+            </a:r>
+          </a:p>
+          <a:p>
+            <a:pPr>
+              <a:lnSpc>
+                <a:spcPct val="100000"/>
+              </a:lnSpc>
+              <a:buFont typeface="Calibri" panose="020F0502020204030204" pitchFamily="34" charset="0"/>
+              <a:buNone/>
+            </a:pPr>
+            <a:endParaRPr lang="da-DK" sz="1800" kern="0" dirty="0"/>
+          </a:p>
+          <a:p>
+            <a:pPr>
+              <a:lnSpc>
+                <a:spcPct val="100000"/>
+              </a:lnSpc>
+              <a:buFont typeface="Calibri" panose="020F0502020204030204" pitchFamily="34" charset="0"/>
+              <a:buNone/>
+            </a:pPr>
+            <a:r>
+              <a:rPr lang="da-DK" sz="1800" kern="0" dirty="0"/>
+              <a:t>Control:</a:t>
+            </a:r>
+          </a:p>
+          <a:p>
+            <a:pPr>
+              <a:lnSpc>
+                <a:spcPct val="100000"/>
+              </a:lnSpc>
+              <a:buFont typeface="Calibri" panose="020F0502020204030204" pitchFamily="34" charset="0"/>
+              <a:buNone/>
+            </a:pPr>
+            <a:endParaRPr lang="da-DK" sz="1800" kern="0" dirty="0"/>
+          </a:p>
+          <a:p>
+            <a:pPr>
+              <a:lnSpc>
+                <a:spcPct val="100000"/>
+              </a:lnSpc>
+              <a:buFont typeface="Calibri" panose="020F0502020204030204" pitchFamily="34" charset="0"/>
+              <a:buNone/>
+            </a:pPr>
+            <a:r>
+              <a:rPr lang="da-DK" sz="1800" kern="0" dirty="0"/>
+              <a:t>Mean </a:t>
+            </a:r>
+            <a:r>
+              <a:rPr lang="da-DK" sz="1800" kern="0" dirty="0" err="1"/>
+              <a:t>error</a:t>
+            </a:r>
+            <a:r>
+              <a:rPr lang="da-DK" sz="1800" kern="0" dirty="0"/>
+              <a:t> = -7.95</a:t>
+            </a:r>
+          </a:p>
+          <a:p>
+            <a:pPr>
+              <a:lnSpc>
+                <a:spcPct val="100000"/>
+              </a:lnSpc>
+              <a:buFont typeface="Calibri" panose="020F0502020204030204" pitchFamily="34" charset="0"/>
+              <a:buNone/>
+            </a:pPr>
+            <a:r>
+              <a:rPr lang="da-DK" sz="1800" kern="0" dirty="0" err="1"/>
+              <a:t>Sd</a:t>
+            </a:r>
+            <a:r>
+              <a:rPr lang="da-DK" sz="1800" kern="0" dirty="0"/>
+              <a:t> </a:t>
+            </a:r>
+            <a:r>
+              <a:rPr lang="da-DK" sz="1800" kern="0" dirty="0" err="1"/>
+              <a:t>error</a:t>
+            </a:r>
+            <a:r>
+              <a:rPr lang="da-DK" sz="1800" kern="0" dirty="0"/>
+              <a:t> = 5.03</a:t>
+            </a:r>
+          </a:p>
+          <a:p>
+            <a:pPr>
+              <a:lnSpc>
+                <a:spcPct val="100000"/>
+              </a:lnSpc>
+              <a:buFont typeface="Calibri" panose="020F0502020204030204" pitchFamily="34" charset="0"/>
+              <a:buNone/>
+            </a:pPr>
+            <a:endParaRPr lang="da-DK" sz="1800" kern="0" dirty="0"/>
+          </a:p>
+          <a:p>
+            <a:pPr>
+              <a:lnSpc>
+                <a:spcPct val="100000"/>
+              </a:lnSpc>
+              <a:buFont typeface="Calibri" panose="020F0502020204030204" pitchFamily="34" charset="0"/>
+              <a:buNone/>
+            </a:pPr>
+            <a:r>
+              <a:rPr lang="da-DK" sz="1800" kern="0" dirty="0" err="1"/>
+              <a:t>weekly</a:t>
+            </a:r>
+            <a:r>
+              <a:rPr lang="da-DK" sz="1800" kern="0" dirty="0"/>
+              <a:t>:</a:t>
+            </a:r>
+          </a:p>
+          <a:p>
+            <a:pPr>
+              <a:lnSpc>
+                <a:spcPct val="100000"/>
+              </a:lnSpc>
+              <a:buFont typeface="Calibri" panose="020F0502020204030204" pitchFamily="34" charset="0"/>
+              <a:buNone/>
+            </a:pPr>
+            <a:endParaRPr lang="da-DK" sz="1800" kern="0" dirty="0"/>
+          </a:p>
+          <a:p>
+            <a:pPr>
+              <a:lnSpc>
+                <a:spcPct val="100000"/>
+              </a:lnSpc>
+              <a:buFont typeface="Calibri" panose="020F0502020204030204" pitchFamily="34" charset="0"/>
+              <a:buNone/>
+            </a:pPr>
+            <a:r>
+              <a:rPr lang="da-DK" sz="1800" kern="0" dirty="0"/>
+              <a:t>Mean </a:t>
+            </a:r>
+            <a:r>
+              <a:rPr lang="da-DK" sz="1800" kern="0" dirty="0" err="1"/>
+              <a:t>error</a:t>
+            </a:r>
+            <a:r>
+              <a:rPr lang="da-DK" sz="1800" kern="0" dirty="0"/>
+              <a:t> = -6.7</a:t>
+            </a:r>
+          </a:p>
+          <a:p>
+            <a:pPr>
+              <a:lnSpc>
+                <a:spcPct val="100000"/>
+              </a:lnSpc>
+              <a:buFont typeface="Calibri" panose="020F0502020204030204" pitchFamily="34" charset="0"/>
+              <a:buNone/>
+            </a:pPr>
+            <a:r>
+              <a:rPr lang="da-DK" sz="1800" kern="0" dirty="0" err="1"/>
+              <a:t>Sd</a:t>
+            </a:r>
+            <a:r>
+              <a:rPr lang="da-DK" sz="1800" kern="0" dirty="0"/>
+              <a:t> </a:t>
+            </a:r>
+            <a:r>
+              <a:rPr lang="da-DK" sz="1800" kern="0" dirty="0" err="1"/>
+              <a:t>error</a:t>
+            </a:r>
+            <a:r>
+              <a:rPr lang="da-DK" sz="1800" kern="0" dirty="0"/>
+              <a:t> = 2.85</a:t>
+            </a:r>
+          </a:p>
+          <a:p>
+            <a:pPr>
+              <a:lnSpc>
+                <a:spcPct val="100000"/>
+              </a:lnSpc>
+              <a:buFont typeface="Calibri" panose="020F0502020204030204" pitchFamily="34" charset="0"/>
+              <a:buNone/>
+            </a:pPr>
+            <a:endParaRPr lang="da-DK" sz="1800" kern="0" dirty="0"/>
+          </a:p>
+        </p:txBody>
+      </p:sp>
     </p:spTree>
     <p:extLst>
       <p:ext uri="{BB962C8B-B14F-4D97-AF65-F5344CB8AC3E}">
-        <p14:creationId xmlns:p14="http://schemas.microsoft.com/office/powerpoint/2010/main" val="3255667273"/>
+        <p14:creationId xmlns:p14="http://schemas.microsoft.com/office/powerpoint/2010/main" val="1221820909"/>
       </p:ext>
     </p:extLst>
   </p:cSld>
@@ -13108,6 +12404,141 @@
 </file>
 
 <file path=ppt/slides/slide7.xml><?xml version="1.0" encoding="utf-8"?>
+<p:sld xmlns:a="http://schemas.openxmlformats.org/drawingml/2006/main" xmlns:r="http://schemas.openxmlformats.org/officeDocument/2006/relationships" xmlns:p="http://schemas.openxmlformats.org/presentationml/2006/main">
+  <p:cSld>
+    <p:spTree>
+      <p:nvGrpSpPr>
+        <p:cNvPr id="1" name=""/>
+        <p:cNvGrpSpPr/>
+        <p:nvPr/>
+      </p:nvGrpSpPr>
+      <p:grpSpPr>
+        <a:xfrm>
+          <a:off x="0" y="0"/>
+          <a:ext cx="0" cy="0"/>
+          <a:chOff x="0" y="0"/>
+          <a:chExt cx="0" cy="0"/>
+        </a:xfrm>
+      </p:grpSpPr>
+      <p:sp>
+        <p:nvSpPr>
+          <p:cNvPr id="2" name="Date Placeholder 1">
+            <a:extLst>
+              <a:ext uri="{FF2B5EF4-FFF2-40B4-BE49-F238E27FC236}">
+                <a16:creationId xmlns:a16="http://schemas.microsoft.com/office/drawing/2014/main" id="{C9B40BC4-6784-AB7A-C86B-8010E1EEBCC6}"/>
+              </a:ext>
+            </a:extLst>
+          </p:cNvPr>
+          <p:cNvSpPr>
+            <a:spLocks noGrp="1"/>
+          </p:cNvSpPr>
+          <p:nvPr>
+            <p:ph type="dt" sz="half" idx="13"/>
+          </p:nvPr>
+        </p:nvSpPr>
+        <p:spPr/>
+        <p:txBody>
+          <a:bodyPr/>
+          <a:lstStyle/>
+          <a:p>
+            <a:fld id="{61DEE78D-3D31-4E40-B75A-2A2E3EF538B5}" type="datetime1">
+              <a:rPr lang="da-DK" smtClean="0"/>
+              <a:t>28-09-2023</a:t>
+            </a:fld>
+            <a:r>
+              <a:rPr lang="da-DK"/>
+              <a:t>20-09-2023</a:t>
+            </a:r>
+            <a:endParaRPr lang="da-DK" dirty="0"/>
+          </a:p>
+        </p:txBody>
+      </p:sp>
+      <p:pic>
+        <p:nvPicPr>
+          <p:cNvPr id="5" name="Picture 4" descr="A graph of a number of bars&#10;&#10;Description automatically generated with medium confidence">
+            <a:extLst>
+              <a:ext uri="{FF2B5EF4-FFF2-40B4-BE49-F238E27FC236}">
+                <a16:creationId xmlns:a16="http://schemas.microsoft.com/office/drawing/2014/main" id="{57C82924-E749-C9A7-5B09-952AE017A791}"/>
+              </a:ext>
+            </a:extLst>
+          </p:cNvPr>
+          <p:cNvPicPr>
+            <a:picLocks noChangeAspect="1"/>
+          </p:cNvPicPr>
+          <p:nvPr/>
+        </p:nvPicPr>
+        <p:blipFill>
+          <a:blip r:embed="rId2">
+            <a:extLst>
+              <a:ext uri="{28A0092B-C50C-407E-A947-70E740481C1C}">
+                <a14:useLocalDpi xmlns:a14="http://schemas.microsoft.com/office/drawing/2010/main" val="0"/>
+              </a:ext>
+            </a:extLst>
+          </a:blip>
+          <a:stretch>
+            <a:fillRect/>
+          </a:stretch>
+        </p:blipFill>
+        <p:spPr>
+          <a:xfrm>
+            <a:off x="6052003" y="228593"/>
+            <a:ext cx="5943612" cy="6400813"/>
+          </a:xfrm>
+          <a:prstGeom prst="rect">
+            <a:avLst/>
+          </a:prstGeom>
+        </p:spPr>
+      </p:pic>
+      <p:pic>
+        <p:nvPicPr>
+          <p:cNvPr id="7" name="Picture 6" descr="A graph of a number of men and women&#10;&#10;Description automatically generated">
+            <a:extLst>
+              <a:ext uri="{FF2B5EF4-FFF2-40B4-BE49-F238E27FC236}">
+                <a16:creationId xmlns:a16="http://schemas.microsoft.com/office/drawing/2014/main" id="{A2E56E1A-1EEB-B409-22F9-545914024611}"/>
+              </a:ext>
+            </a:extLst>
+          </p:cNvPr>
+          <p:cNvPicPr>
+            <a:picLocks noChangeAspect="1"/>
+          </p:cNvPicPr>
+          <p:nvPr/>
+        </p:nvPicPr>
+        <p:blipFill>
+          <a:blip r:embed="rId3">
+            <a:extLst>
+              <a:ext uri="{28A0092B-C50C-407E-A947-70E740481C1C}">
+                <a14:useLocalDpi xmlns:a14="http://schemas.microsoft.com/office/drawing/2010/main" val="0"/>
+              </a:ext>
+            </a:extLst>
+          </a:blip>
+          <a:stretch>
+            <a:fillRect/>
+          </a:stretch>
+        </p:blipFill>
+        <p:spPr>
+          <a:xfrm>
+            <a:off x="174856" y="228593"/>
+            <a:ext cx="5943612" cy="6400813"/>
+          </a:xfrm>
+          <a:prstGeom prst="rect">
+            <a:avLst/>
+          </a:prstGeom>
+        </p:spPr>
+      </p:pic>
+    </p:spTree>
+    <p:extLst>
+      <p:ext uri="{BB962C8B-B14F-4D97-AF65-F5344CB8AC3E}">
+        <p14:creationId xmlns:p14="http://schemas.microsoft.com/office/powerpoint/2010/main" val="1142341024"/>
+      </p:ext>
+    </p:extLst>
+  </p:cSld>
+  <p:clrMapOvr>
+    <a:masterClrMapping/>
+  </p:clrMapOvr>
+</p:sld>
+</file>
+
+<file path=ppt/slides/slide8.xml><?xml version="1.0" encoding="utf-8"?>
 <p:sld xmlns:a="http://schemas.openxmlformats.org/drawingml/2006/main" xmlns:r="http://schemas.openxmlformats.org/officeDocument/2006/relationships" xmlns:p="http://schemas.openxmlformats.org/presentationml/2006/main">
   <p:cSld>
     <p:spTree>
@@ -13148,17 +12579,11 @@
 
 <file path=ppt/tags/tag2.xml><?xml version="1.0" encoding="utf-8"?>
 <p:tagLst xmlns:a="http://schemas.openxmlformats.org/drawingml/2006/main" xmlns:r="http://schemas.openxmlformats.org/officeDocument/2006/relationships" xmlns:p="http://schemas.openxmlformats.org/presentationml/2006/main">
-  <p:tag name="TEMPLAFYSLIDEID" val="636235437374902238"/>
+  <p:tag name="TEMPLAFYSLIDEID" val="636235437375089291"/>
 </p:tagLst>
 </file>
 
 <file path=ppt/tags/tag3.xml><?xml version="1.0" encoding="utf-8"?>
-<p:tagLst xmlns:a="http://schemas.openxmlformats.org/drawingml/2006/main" xmlns:r="http://schemas.openxmlformats.org/officeDocument/2006/relationships" xmlns:p="http://schemas.openxmlformats.org/presentationml/2006/main">
-  <p:tag name="TEMPLAFYSLIDEID" val="636235437375089291"/>
-</p:tagLst>
-</file>
-
-<file path=ppt/tags/tag4.xml><?xml version="1.0" encoding="utf-8"?>
 <p:tagLst xmlns:a="http://schemas.openxmlformats.org/drawingml/2006/main" xmlns:r="http://schemas.openxmlformats.org/officeDocument/2006/relationships" xmlns:p="http://schemas.openxmlformats.org/presentationml/2006/main">
   <p:tag name="TEMPLAFYSLIDEID" val="636235437375566864"/>
 </p:tagLst>

--- a/methane protocol/uncertainty_summary_methane_protocol.pptx
+++ b/methane protocol/uncertainty_summary_methane_protocol.pptx
@@ -227,7 +227,7 @@
 <file path=ppt/revisionInfo.xml><?xml version="1.0" encoding="utf-8"?>
 <p1510:revInfo xmlns:a="http://schemas.openxmlformats.org/drawingml/2006/main" xmlns:r="http://schemas.openxmlformats.org/officeDocument/2006/relationships" xmlns:p1510="http://schemas.microsoft.com/office/powerpoint/2015/10/main">
   <p1510:revLst>
-    <p1510:client id="{CAF4EC90-39E0-4E24-97E7-FE16BCFF1509}" v="18" dt="2023-09-28T09:57:16.237"/>
+    <p1510:client id="{39D31366-52A3-4838-9713-FA85576AE247}" v="1" dt="2023-10-03T08:07:28.665"/>
   </p1510:revLst>
 </p1510:revInfo>
 </file>
@@ -1736,7 +1736,7 @@
             <a:fld id="{78417F83-4CBA-48F2-BAD0-783AE3701E32}" type="datetimeFigureOut">
               <a:rPr lang="da-DK" smtClean="0"/>
               <a:pPr/>
-              <a:t>28-09-2023</a:t>
+              <a:t>03-10-2023</a:t>
             </a:fld>
             <a:r>
               <a:rPr lang="da-DK" dirty="0"/>
@@ -1946,7 +1946,7 @@
             <a:fld id="{78417F83-4CBA-48F2-BAD0-783AE3701E32}" type="datetimeFigureOut">
               <a:rPr lang="da-DK" smtClean="0"/>
               <a:pPr/>
-              <a:t>28-09-2023</a:t>
+              <a:t>03-10-2023</a:t>
             </a:fld>
             <a:r>
               <a:rPr lang="da-DK" dirty="0"/>
@@ -2187,7 +2187,7 @@
             <a:fld id="{78417F83-4CBA-48F2-BAD0-783AE3701E32}" type="datetimeFigureOut">
               <a:rPr lang="da-DK" smtClean="0"/>
               <a:pPr/>
-              <a:t>28-09-2023</a:t>
+              <a:t>03-10-2023</a:t>
             </a:fld>
             <a:r>
               <a:rPr lang="da-DK" dirty="0"/>
@@ -2357,7 +2357,7 @@
             <a:fld id="{78417F83-4CBA-48F2-BAD0-783AE3701E32}" type="datetimeFigureOut">
               <a:rPr lang="da-DK" smtClean="0"/>
               <a:pPr/>
-              <a:t>28-09-2023</a:t>
+              <a:t>03-10-2023</a:t>
             </a:fld>
             <a:r>
               <a:rPr lang="da-DK" dirty="0"/>
@@ -2531,7 +2531,7 @@
             <a:fld id="{78417F83-4CBA-48F2-BAD0-783AE3701E32}" type="datetimeFigureOut">
               <a:rPr lang="da-DK" smtClean="0"/>
               <a:pPr/>
-              <a:t>28-09-2023</a:t>
+              <a:t>03-10-2023</a:t>
             </a:fld>
             <a:r>
               <a:rPr lang="da-DK" dirty="0"/>
@@ -2868,7 +2868,7 @@
             <a:fld id="{78417F83-4CBA-48F2-BAD0-783AE3701E32}" type="datetimeFigureOut">
               <a:rPr lang="da-DK" smtClean="0"/>
               <a:pPr/>
-              <a:t>28-09-2023</a:t>
+              <a:t>03-10-2023</a:t>
             </a:fld>
             <a:r>
               <a:rPr lang="da-DK" dirty="0"/>
@@ -3039,7 +3039,7 @@
             <a:fld id="{78417F83-4CBA-48F2-BAD0-783AE3701E32}" type="datetimeFigureOut">
               <a:rPr lang="da-DK" smtClean="0"/>
               <a:pPr/>
-              <a:t>28-09-2023</a:t>
+              <a:t>03-10-2023</a:t>
             </a:fld>
             <a:r>
               <a:rPr lang="da-DK" dirty="0"/>
@@ -3235,7 +3235,7 @@
             <a:fld id="{78417F83-4CBA-48F2-BAD0-783AE3701E32}" type="datetimeFigureOut">
               <a:rPr lang="da-DK" smtClean="0"/>
               <a:pPr/>
-              <a:t>28-09-2023</a:t>
+              <a:t>03-10-2023</a:t>
             </a:fld>
             <a:r>
               <a:rPr lang="da-DK" dirty="0"/>
@@ -3404,7 +3404,7 @@
             <a:fld id="{78417F83-4CBA-48F2-BAD0-783AE3701E32}" type="datetimeFigureOut">
               <a:rPr lang="da-DK" smtClean="0"/>
               <a:pPr/>
-              <a:t>28-09-2023</a:t>
+              <a:t>03-10-2023</a:t>
             </a:fld>
             <a:r>
               <a:rPr lang="da-DK" dirty="0"/>
@@ -3558,7 +3558,7 @@
             <a:fld id="{78417F83-4CBA-48F2-BAD0-783AE3701E32}" type="datetimeFigureOut">
               <a:rPr lang="da-DK" smtClean="0"/>
               <a:pPr/>
-              <a:t>28-09-2023</a:t>
+              <a:t>03-10-2023</a:t>
             </a:fld>
             <a:r>
               <a:rPr lang="da-DK" dirty="0"/>
@@ -4447,7 +4447,7 @@
             <a:fld id="{78417F83-4CBA-48F2-BAD0-783AE3701E32}" type="datetimeFigureOut">
               <a:rPr lang="da-DK" smtClean="0"/>
               <a:pPr/>
-              <a:t>28-09-2023</a:t>
+              <a:t>03-10-2023</a:t>
             </a:fld>
             <a:r>
               <a:rPr lang="da-DK" dirty="0"/>
@@ -5263,7 +5263,7 @@
             <a:fld id="{78417F83-4CBA-48F2-BAD0-783AE3701E32}" type="datetimeFigureOut">
               <a:rPr lang="da-DK" smtClean="0"/>
               <a:pPr/>
-              <a:t>28-09-2023</a:t>
+              <a:t>03-10-2023</a:t>
             </a:fld>
             <a:r>
               <a:rPr lang="da-DK" dirty="0"/>
@@ -5493,7 +5493,7 @@
             <a:fld id="{78417F83-4CBA-48F2-BAD0-783AE3701E32}" type="datetimeFigureOut">
               <a:rPr lang="da-DK" smtClean="0"/>
               <a:pPr/>
-              <a:t>28-09-2023</a:t>
+              <a:t>03-10-2023</a:t>
             </a:fld>
             <a:r>
               <a:rPr lang="da-DK" dirty="0"/>
@@ -6199,7 +6199,7 @@
             <a:fld id="{78417F83-4CBA-48F2-BAD0-783AE3701E32}" type="datetimeFigureOut">
               <a:rPr lang="da-DK" smtClean="0"/>
               <a:pPr/>
-              <a:t>28-09-2023</a:t>
+              <a:t>03-10-2023</a:t>
             </a:fld>
             <a:r>
               <a:rPr lang="da-DK" dirty="0"/>
@@ -6490,7 +6490,7 @@
             <a:fld id="{78417F83-4CBA-48F2-BAD0-783AE3701E32}" type="datetimeFigureOut">
               <a:rPr lang="da-DK" smtClean="0"/>
               <a:pPr/>
-              <a:t>28-09-2023</a:t>
+              <a:t>03-10-2023</a:t>
             </a:fld>
             <a:r>
               <a:rPr lang="da-DK" dirty="0"/>
@@ -6864,7 +6864,7 @@
             <a:fld id="{78417F83-4CBA-48F2-BAD0-783AE3701E32}" type="datetimeFigureOut">
               <a:rPr lang="da-DK" smtClean="0"/>
               <a:pPr/>
-              <a:t>28-09-2023</a:t>
+              <a:t>03-10-2023</a:t>
             </a:fld>
             <a:r>
               <a:rPr lang="da-DK" dirty="0"/>
@@ -7291,7 +7291,7 @@
             <a:fld id="{78417F83-4CBA-48F2-BAD0-783AE3701E32}" type="datetimeFigureOut">
               <a:rPr lang="da-DK" smtClean="0"/>
               <a:pPr/>
-              <a:t>28-09-2023</a:t>
+              <a:t>03-10-2023</a:t>
             </a:fld>
             <a:r>
               <a:rPr lang="da-DK" dirty="0"/>
@@ -7731,7 +7731,7 @@
             <a:fld id="{78417F83-4CBA-48F2-BAD0-783AE3701E32}" type="datetimeFigureOut">
               <a:rPr lang="da-DK" smtClean="0"/>
               <a:pPr/>
-              <a:t>28-09-2023</a:t>
+              <a:t>03-10-2023</a:t>
             </a:fld>
             <a:r>
               <a:rPr lang="da-DK" dirty="0"/>
@@ -7899,7 +7899,7 @@
             <a:fld id="{78417F83-4CBA-48F2-BAD0-783AE3701E32}" type="datetimeFigureOut">
               <a:rPr lang="da-DK" smtClean="0"/>
               <a:pPr/>
-              <a:t>28-09-2023</a:t>
+              <a:t>03-10-2023</a:t>
             </a:fld>
             <a:r>
               <a:rPr lang="da-DK" dirty="0"/>
@@ -8080,7 +8080,7 @@
             <a:fld id="{78417F83-4CBA-48F2-BAD0-783AE3701E32}" type="datetimeFigureOut">
               <a:rPr lang="da-DK" smtClean="0"/>
               <a:pPr/>
-              <a:t>28-09-2023</a:t>
+              <a:t>03-10-2023</a:t>
             </a:fld>
             <a:r>
               <a:rPr lang="da-DK" dirty="0"/>
@@ -8852,7 +8852,7 @@
             <a:fld id="{78417F83-4CBA-48F2-BAD0-783AE3701E32}" type="datetimeFigureOut">
               <a:rPr lang="da-DK" smtClean="0"/>
               <a:pPr/>
-              <a:t>28-09-2023</a:t>
+              <a:t>03-10-2023</a:t>
             </a:fld>
             <a:r>
               <a:rPr lang="da-DK"/>
@@ -9797,7 +9797,7 @@
           <a:p>
             <a:fld id="{EBD85B7D-E9A5-49E0-8ACF-AF93CE3E556F}" type="datetime1">
               <a:rPr lang="da-DK" smtClean="0"/>
-              <a:t>28-09-2023</a:t>
+              <a:t>03-10-2023</a:t>
             </a:fld>
             <a:r>
               <a:rPr lang="da-DK" dirty="0"/>
@@ -10238,7 +10238,7 @@
           <a:p>
             <a:fld id="{4BF94E91-6E7A-4AA0-A25C-714F49C81472}" type="datetime1">
               <a:rPr lang="da-DK" smtClean="0"/>
-              <a:t>28-09-2023</a:t>
+              <a:t>03-10-2023</a:t>
             </a:fld>
             <a:r>
               <a:rPr lang="da-DK"/>
@@ -11187,7 +11187,7 @@
           <a:p>
             <a:fld id="{E3B430D7-EF49-4643-88D7-2AEAAD16714B}" type="datetime1">
               <a:rPr lang="da-DK" smtClean="0"/>
-              <a:t>28-09-2023</a:t>
+              <a:t>03-10-2023</a:t>
             </a:fld>
             <a:r>
               <a:rPr lang="da-DK"/>
@@ -11280,7 +11280,7 @@
           <a:p>
             <a:fld id="{D6BBDA92-EB48-4DC7-91ED-E3E7CCB77BFC}" type="datetime1">
               <a:rPr lang="da-DK" smtClean="0"/>
-              <a:t>28-09-2023</a:t>
+              <a:t>03-10-2023</a:t>
             </a:fld>
             <a:r>
               <a:rPr lang="da-DK"/>
@@ -12443,7 +12443,7 @@
           <a:p>
             <a:fld id="{61DEE78D-3D31-4E40-B75A-2A2E3EF538B5}" type="datetime1">
               <a:rPr lang="da-DK" smtClean="0"/>
-              <a:t>28-09-2023</a:t>
+              <a:t>03-10-2023</a:t>
             </a:fld>
             <a:r>
               <a:rPr lang="da-DK"/>
